--- a/jsp_ppt/10-3장. Jsp - MVC 게시판관리(mysql).pptx
+++ b/jsp_ppt/10-3장. Jsp - MVC 게시판관리(mysql).pptx
@@ -5,7 +5,7 @@
     <p:sldMasterId id="2147483648" r:id="rId1"/>
   </p:sldMasterIdLst>
   <p:notesMasterIdLst>
-    <p:notesMasterId r:id="rId62"/>
+    <p:notesMasterId r:id="rId65"/>
   </p:notesMasterIdLst>
   <p:sldIdLst>
     <p:sldId id="256" r:id="rId2"/>
@@ -15,59 +15,62 @@
     <p:sldId id="444" r:id="rId6"/>
     <p:sldId id="445" r:id="rId7"/>
     <p:sldId id="446" r:id="rId8"/>
-    <p:sldId id="373" r:id="rId9"/>
-    <p:sldId id="427" r:id="rId10"/>
-    <p:sldId id="447" r:id="rId11"/>
-    <p:sldId id="426" r:id="rId12"/>
-    <p:sldId id="448" r:id="rId13"/>
-    <p:sldId id="449" r:id="rId14"/>
-    <p:sldId id="374" r:id="rId15"/>
-    <p:sldId id="375" r:id="rId16"/>
-    <p:sldId id="376" r:id="rId17"/>
-    <p:sldId id="407" r:id="rId18"/>
-    <p:sldId id="408" r:id="rId19"/>
-    <p:sldId id="450" r:id="rId20"/>
-    <p:sldId id="452" r:id="rId21"/>
-    <p:sldId id="451" r:id="rId22"/>
-    <p:sldId id="453" r:id="rId23"/>
-    <p:sldId id="454" r:id="rId24"/>
-    <p:sldId id="455" r:id="rId25"/>
-    <p:sldId id="456" r:id="rId26"/>
-    <p:sldId id="457" r:id="rId27"/>
-    <p:sldId id="409" r:id="rId28"/>
-    <p:sldId id="458" r:id="rId29"/>
-    <p:sldId id="410" r:id="rId30"/>
-    <p:sldId id="459" r:id="rId31"/>
-    <p:sldId id="411" r:id="rId32"/>
-    <p:sldId id="412" r:id="rId33"/>
-    <p:sldId id="460" r:id="rId34"/>
-    <p:sldId id="461" r:id="rId35"/>
-    <p:sldId id="413" r:id="rId36"/>
-    <p:sldId id="414" r:id="rId37"/>
-    <p:sldId id="415" r:id="rId38"/>
-    <p:sldId id="462" r:id="rId39"/>
-    <p:sldId id="463" r:id="rId40"/>
-    <p:sldId id="424" r:id="rId41"/>
-    <p:sldId id="425" r:id="rId42"/>
-    <p:sldId id="472" r:id="rId43"/>
-    <p:sldId id="418" r:id="rId44"/>
-    <p:sldId id="416" r:id="rId45"/>
-    <p:sldId id="417" r:id="rId46"/>
-    <p:sldId id="421" r:id="rId47"/>
-    <p:sldId id="419" r:id="rId48"/>
-    <p:sldId id="420" r:id="rId49"/>
-    <p:sldId id="422" r:id="rId50"/>
-    <p:sldId id="423" r:id="rId51"/>
-    <p:sldId id="464" r:id="rId52"/>
-    <p:sldId id="465" r:id="rId53"/>
-    <p:sldId id="469" r:id="rId54"/>
-    <p:sldId id="468" r:id="rId55"/>
-    <p:sldId id="466" r:id="rId56"/>
-    <p:sldId id="467" r:id="rId57"/>
-    <p:sldId id="470" r:id="rId58"/>
-    <p:sldId id="471" r:id="rId59"/>
-    <p:sldId id="473" r:id="rId60"/>
-    <p:sldId id="474" r:id="rId61"/>
+    <p:sldId id="475" r:id="rId9"/>
+    <p:sldId id="476" r:id="rId10"/>
+    <p:sldId id="477" r:id="rId11"/>
+    <p:sldId id="373" r:id="rId12"/>
+    <p:sldId id="427" r:id="rId13"/>
+    <p:sldId id="447" r:id="rId14"/>
+    <p:sldId id="426" r:id="rId15"/>
+    <p:sldId id="448" r:id="rId16"/>
+    <p:sldId id="449" r:id="rId17"/>
+    <p:sldId id="374" r:id="rId18"/>
+    <p:sldId id="375" r:id="rId19"/>
+    <p:sldId id="376" r:id="rId20"/>
+    <p:sldId id="407" r:id="rId21"/>
+    <p:sldId id="408" r:id="rId22"/>
+    <p:sldId id="450" r:id="rId23"/>
+    <p:sldId id="452" r:id="rId24"/>
+    <p:sldId id="451" r:id="rId25"/>
+    <p:sldId id="453" r:id="rId26"/>
+    <p:sldId id="454" r:id="rId27"/>
+    <p:sldId id="455" r:id="rId28"/>
+    <p:sldId id="456" r:id="rId29"/>
+    <p:sldId id="457" r:id="rId30"/>
+    <p:sldId id="409" r:id="rId31"/>
+    <p:sldId id="458" r:id="rId32"/>
+    <p:sldId id="410" r:id="rId33"/>
+    <p:sldId id="459" r:id="rId34"/>
+    <p:sldId id="411" r:id="rId35"/>
+    <p:sldId id="412" r:id="rId36"/>
+    <p:sldId id="460" r:id="rId37"/>
+    <p:sldId id="461" r:id="rId38"/>
+    <p:sldId id="413" r:id="rId39"/>
+    <p:sldId id="414" r:id="rId40"/>
+    <p:sldId id="415" r:id="rId41"/>
+    <p:sldId id="462" r:id="rId42"/>
+    <p:sldId id="463" r:id="rId43"/>
+    <p:sldId id="424" r:id="rId44"/>
+    <p:sldId id="425" r:id="rId45"/>
+    <p:sldId id="472" r:id="rId46"/>
+    <p:sldId id="418" r:id="rId47"/>
+    <p:sldId id="416" r:id="rId48"/>
+    <p:sldId id="417" r:id="rId49"/>
+    <p:sldId id="421" r:id="rId50"/>
+    <p:sldId id="419" r:id="rId51"/>
+    <p:sldId id="420" r:id="rId52"/>
+    <p:sldId id="422" r:id="rId53"/>
+    <p:sldId id="423" r:id="rId54"/>
+    <p:sldId id="464" r:id="rId55"/>
+    <p:sldId id="465" r:id="rId56"/>
+    <p:sldId id="469" r:id="rId57"/>
+    <p:sldId id="468" r:id="rId58"/>
+    <p:sldId id="466" r:id="rId59"/>
+    <p:sldId id="467" r:id="rId60"/>
+    <p:sldId id="470" r:id="rId61"/>
+    <p:sldId id="471" r:id="rId62"/>
+    <p:sldId id="473" r:id="rId63"/>
+    <p:sldId id="474" r:id="rId64"/>
   </p:sldIdLst>
   <p:sldSz cx="9906000" cy="6858000" type="A4"/>
   <p:notesSz cx="6858000" cy="9144000"/>
@@ -4254,6 +4257,48 @@
       </p:sp>
       <p:sp>
         <p:nvSpPr>
+          <p:cNvPr id="3" name="TextBox 2"/>
+          <p:cNvSpPr txBox="1"/>
+          <p:nvPr/>
+        </p:nvSpPr>
+        <p:spPr>
+          <a:xfrm>
+            <a:off x="920552" y="1114289"/>
+            <a:ext cx="4104455" cy="400110"/>
+          </a:xfrm>
+          <a:prstGeom prst="rect">
+            <a:avLst/>
+          </a:prstGeom>
+          <a:noFill/>
+        </p:spPr>
+        <p:txBody>
+          <a:bodyPr wrap="square" rtlCol="0">
+            <a:spAutoFit/>
+          </a:bodyPr>
+          <a:lstStyle/>
+          <a:p>
+            <a:pPr marL="342900" indent="-342900">
+              <a:buFont typeface="Wingdings" panose="05000000000000000000" pitchFamily="2" charset="2"/>
+              <a:buChar char="Ø"/>
+            </a:pPr>
+            <a:r>
+              <a:rPr lang="en-US" altLang="ko-KR" sz="2000" b="1" dirty="0" err="1" smtClean="0"/>
+              <a:t>Jdbc</a:t>
+            </a:r>
+            <a:r>
+              <a:rPr lang="en-US" altLang="ko-KR" sz="2000" b="1" dirty="0" err="1" smtClean="0"/>
+              <a:t>Util</a:t>
+            </a:r>
+            <a:r>
+              <a:rPr lang="en-US" altLang="ko-KR" sz="2000" b="1" dirty="0" smtClean="0"/>
+              <a:t> </a:t>
+            </a:r>
+            <a:endParaRPr lang="en-US" altLang="ko-KR" sz="2000" b="1" dirty="0" smtClean="0"/>
+          </a:p>
+        </p:txBody>
+      </p:sp>
+      <p:sp>
+        <p:nvSpPr>
           <p:cNvPr id="11" name="제목 5"/>
           <p:cNvSpPr txBox="1">
             <a:spLocks/>
@@ -4263,7 +4308,7 @@
         <p:spPr>
           <a:xfrm>
             <a:off x="152400" y="44624"/>
-            <a:ext cx="6240759" cy="854968"/>
+            <a:ext cx="6384775" cy="854968"/>
           </a:xfrm>
           <a:prstGeom prst="rect">
             <a:avLst/>
@@ -4319,7 +4364,7 @@
       </p:sp>
       <p:pic>
         <p:nvPicPr>
-          <p:cNvPr id="2" name="그림 1"/>
+          <p:cNvPr id="4" name="그림 3"/>
           <p:cNvPicPr>
             <a:picLocks noChangeAspect="1"/>
           </p:cNvPicPr>
@@ -4339,8 +4384,8 @@
         </p:blipFill>
         <p:spPr>
           <a:xfrm>
-            <a:off x="1424608" y="1124744"/>
-            <a:ext cx="5866741" cy="4968552"/>
+            <a:off x="1201633" y="1525150"/>
+            <a:ext cx="7646747" cy="4489242"/>
           </a:xfrm>
           <a:prstGeom prst="rect">
             <a:avLst/>
@@ -4357,7 +4402,7 @@
     </p:spTree>
     <p:extLst>
       <p:ext uri="{BB962C8B-B14F-4D97-AF65-F5344CB8AC3E}">
-        <p14:creationId xmlns:p14="http://schemas.microsoft.com/office/powerpoint/2010/main" val="296372530"/>
+        <p14:creationId xmlns:p14="http://schemas.microsoft.com/office/powerpoint/2010/main" val="806068064"/>
       </p:ext>
     </p:extLst>
   </p:cSld>
@@ -4502,7 +4547,7 @@
       </p:sp>
       <p:pic>
         <p:nvPicPr>
-          <p:cNvPr id="4" name="그림 3"/>
+          <p:cNvPr id="2" name="그림 1"/>
           <p:cNvPicPr>
             <a:picLocks noChangeAspect="1"/>
           </p:cNvPicPr>
@@ -4522,8 +4567,8 @@
         </p:blipFill>
         <p:spPr>
           <a:xfrm>
-            <a:off x="323449" y="1081836"/>
-            <a:ext cx="9259102" cy="4694327"/>
+            <a:off x="1496616" y="1268760"/>
+            <a:ext cx="6302286" cy="4633362"/>
           </a:xfrm>
           <a:prstGeom prst="rect">
             <a:avLst/>
@@ -4545,8 +4590,8 @@
         </p:nvSpPr>
         <p:spPr>
           <a:xfrm>
-            <a:off x="7041232" y="1628800"/>
-            <a:ext cx="2520279" cy="400110"/>
+            <a:off x="7041232" y="1844824"/>
+            <a:ext cx="1800200" cy="400110"/>
           </a:xfrm>
           <a:prstGeom prst="rect">
             <a:avLst/>
@@ -4561,7 +4606,7 @@
           <a:p>
             <a:r>
               <a:rPr lang="en-US" altLang="ko-KR" sz="2000" b="1" dirty="0" smtClean="0"/>
-              <a:t>BoardDAO.java</a:t>
+              <a:t>Board.java</a:t>
             </a:r>
             <a:r>
               <a:rPr lang="ko-KR" altLang="en-US" b="1" dirty="0" smtClean="0"/>
@@ -4574,7 +4619,7 @@
     </p:spTree>
     <p:extLst>
       <p:ext uri="{BB962C8B-B14F-4D97-AF65-F5344CB8AC3E}">
-        <p14:creationId xmlns:p14="http://schemas.microsoft.com/office/powerpoint/2010/main" val="1442310772"/>
+        <p14:creationId xmlns:p14="http://schemas.microsoft.com/office/powerpoint/2010/main" val="2601340335"/>
       </p:ext>
     </p:extLst>
   </p:cSld>
@@ -4719,7 +4764,7 @@
       </p:sp>
       <p:pic>
         <p:nvPicPr>
-          <p:cNvPr id="2" name="그림 1"/>
+          <p:cNvPr id="3" name="그림 2"/>
           <p:cNvPicPr>
             <a:picLocks noChangeAspect="1"/>
           </p:cNvPicPr>
@@ -4739,8 +4784,8 @@
         </p:blipFill>
         <p:spPr>
           <a:xfrm>
-            <a:off x="1136575" y="1916832"/>
-            <a:ext cx="7507595" cy="3384376"/>
+            <a:off x="2000672" y="987421"/>
+            <a:ext cx="5464013" cy="5121084"/>
           </a:xfrm>
           <a:prstGeom prst="rect">
             <a:avLst/>
@@ -4754,44 +4799,10 @@
           </a:ln>
         </p:spPr>
       </p:pic>
-      <p:sp>
-        <p:nvSpPr>
-          <p:cNvPr id="3" name="TextBox 2"/>
-          <p:cNvSpPr txBox="1"/>
-          <p:nvPr/>
-        </p:nvSpPr>
-        <p:spPr>
-          <a:xfrm>
-            <a:off x="6537176" y="1268760"/>
-            <a:ext cx="2520279" cy="400110"/>
-          </a:xfrm>
-          <a:prstGeom prst="rect">
-            <a:avLst/>
-          </a:prstGeom>
-          <a:noFill/>
-        </p:spPr>
-        <p:txBody>
-          <a:bodyPr wrap="square" rtlCol="0">
-            <a:spAutoFit/>
-          </a:bodyPr>
-          <a:lstStyle/>
-          <a:p>
-            <a:r>
-              <a:rPr lang="en-US" altLang="ko-KR" sz="2000" b="1" dirty="0" smtClean="0"/>
-              <a:t>BoardDAO.java</a:t>
-            </a:r>
-            <a:r>
-              <a:rPr lang="ko-KR" altLang="en-US" b="1" dirty="0" smtClean="0"/>
-              <a:t> </a:t>
-            </a:r>
-            <a:endParaRPr lang="en-US" altLang="ko-KR" b="1" dirty="0" smtClean="0"/>
-          </a:p>
-        </p:txBody>
-      </p:sp>
     </p:spTree>
     <p:extLst>
       <p:ext uri="{BB962C8B-B14F-4D97-AF65-F5344CB8AC3E}">
-        <p14:creationId xmlns:p14="http://schemas.microsoft.com/office/powerpoint/2010/main" val="376738869"/>
+        <p14:creationId xmlns:p14="http://schemas.microsoft.com/office/powerpoint/2010/main" val="3395925680"/>
       </p:ext>
     </p:extLst>
   </p:cSld>
@@ -4936,7 +4947,7 @@
       </p:sp>
       <p:pic>
         <p:nvPicPr>
-          <p:cNvPr id="4" name="그림 3"/>
+          <p:cNvPr id="2" name="그림 1"/>
           <p:cNvPicPr>
             <a:picLocks noChangeAspect="1"/>
           </p:cNvPicPr>
@@ -4956,8 +4967,8 @@
         </p:blipFill>
         <p:spPr>
           <a:xfrm>
-            <a:off x="1215066" y="1173284"/>
-            <a:ext cx="7475868" cy="4511431"/>
+            <a:off x="1424608" y="1124744"/>
+            <a:ext cx="5866741" cy="4968552"/>
           </a:xfrm>
           <a:prstGeom prst="rect">
             <a:avLst/>
@@ -4974,7 +4985,7 @@
     </p:spTree>
     <p:extLst>
       <p:ext uri="{BB962C8B-B14F-4D97-AF65-F5344CB8AC3E}">
-        <p14:creationId xmlns:p14="http://schemas.microsoft.com/office/powerpoint/2010/main" val="138747166"/>
+        <p14:creationId xmlns:p14="http://schemas.microsoft.com/office/powerpoint/2010/main" val="296372530"/>
       </p:ext>
     </p:extLst>
   </p:cSld>
@@ -5119,7 +5130,7 @@
       </p:sp>
       <p:pic>
         <p:nvPicPr>
-          <p:cNvPr id="2" name="그림 1"/>
+          <p:cNvPr id="4" name="그림 3"/>
           <p:cNvPicPr>
             <a:picLocks noChangeAspect="1"/>
           </p:cNvPicPr>
@@ -5139,8 +5150,8 @@
         </p:blipFill>
         <p:spPr>
           <a:xfrm>
-            <a:off x="395845" y="1177095"/>
-            <a:ext cx="9114310" cy="4503810"/>
+            <a:off x="323449" y="1081836"/>
+            <a:ext cx="9259102" cy="4694327"/>
           </a:xfrm>
           <a:prstGeom prst="rect">
             <a:avLst/>
@@ -5154,10 +5165,44 @@
           </a:ln>
         </p:spPr>
       </p:pic>
+      <p:sp>
+        <p:nvSpPr>
+          <p:cNvPr id="3" name="TextBox 2"/>
+          <p:cNvSpPr txBox="1"/>
+          <p:nvPr/>
+        </p:nvSpPr>
+        <p:spPr>
+          <a:xfrm>
+            <a:off x="7041232" y="1628800"/>
+            <a:ext cx="2520279" cy="400110"/>
+          </a:xfrm>
+          <a:prstGeom prst="rect">
+            <a:avLst/>
+          </a:prstGeom>
+          <a:noFill/>
+        </p:spPr>
+        <p:txBody>
+          <a:bodyPr wrap="square" rtlCol="0">
+            <a:spAutoFit/>
+          </a:bodyPr>
+          <a:lstStyle/>
+          <a:p>
+            <a:r>
+              <a:rPr lang="en-US" altLang="ko-KR" sz="2000" b="1" dirty="0" smtClean="0"/>
+              <a:t>BoardDAO.java</a:t>
+            </a:r>
+            <a:r>
+              <a:rPr lang="ko-KR" altLang="en-US" b="1" dirty="0" smtClean="0"/>
+              <a:t> </a:t>
+            </a:r>
+            <a:endParaRPr lang="en-US" altLang="ko-KR" b="1" dirty="0" smtClean="0"/>
+          </a:p>
+        </p:txBody>
+      </p:sp>
     </p:spTree>
     <p:extLst>
       <p:ext uri="{BB962C8B-B14F-4D97-AF65-F5344CB8AC3E}">
-        <p14:creationId xmlns:p14="http://schemas.microsoft.com/office/powerpoint/2010/main" val="4225514863"/>
+        <p14:creationId xmlns:p14="http://schemas.microsoft.com/office/powerpoint/2010/main" val="1442310772"/>
       </p:ext>
     </p:extLst>
   </p:cSld>
@@ -5322,8 +5367,8 @@
         </p:blipFill>
         <p:spPr>
           <a:xfrm>
-            <a:off x="582551" y="1024681"/>
-            <a:ext cx="8740897" cy="4808637"/>
+            <a:off x="1136575" y="1916832"/>
+            <a:ext cx="7507595" cy="3384376"/>
           </a:xfrm>
           <a:prstGeom prst="rect">
             <a:avLst/>
@@ -5337,10 +5382,44 @@
           </a:ln>
         </p:spPr>
       </p:pic>
+      <p:sp>
+        <p:nvSpPr>
+          <p:cNvPr id="3" name="TextBox 2"/>
+          <p:cNvSpPr txBox="1"/>
+          <p:nvPr/>
+        </p:nvSpPr>
+        <p:spPr>
+          <a:xfrm>
+            <a:off x="6537176" y="1268760"/>
+            <a:ext cx="2520279" cy="400110"/>
+          </a:xfrm>
+          <a:prstGeom prst="rect">
+            <a:avLst/>
+          </a:prstGeom>
+          <a:noFill/>
+        </p:spPr>
+        <p:txBody>
+          <a:bodyPr wrap="square" rtlCol="0">
+            <a:spAutoFit/>
+          </a:bodyPr>
+          <a:lstStyle/>
+          <a:p>
+            <a:r>
+              <a:rPr lang="en-US" altLang="ko-KR" sz="2000" b="1" dirty="0" smtClean="0"/>
+              <a:t>BoardDAO.java</a:t>
+            </a:r>
+            <a:r>
+              <a:rPr lang="ko-KR" altLang="en-US" b="1" dirty="0" smtClean="0"/>
+              <a:t> </a:t>
+            </a:r>
+            <a:endParaRPr lang="en-US" altLang="ko-KR" b="1" dirty="0" smtClean="0"/>
+          </a:p>
+        </p:txBody>
+      </p:sp>
     </p:spTree>
     <p:extLst>
       <p:ext uri="{BB962C8B-B14F-4D97-AF65-F5344CB8AC3E}">
-        <p14:creationId xmlns:p14="http://schemas.microsoft.com/office/powerpoint/2010/main" val="3638344914"/>
+        <p14:creationId xmlns:p14="http://schemas.microsoft.com/office/powerpoint/2010/main" val="376738869"/>
       </p:ext>
     </p:extLst>
   </p:cSld>
@@ -5429,7 +5508,7 @@
         <p:spPr>
           <a:xfrm>
             <a:off x="152400" y="44624"/>
-            <a:ext cx="6456783" cy="854968"/>
+            <a:ext cx="6240759" cy="854968"/>
           </a:xfrm>
           <a:prstGeom prst="rect">
             <a:avLst/>
@@ -5477,14 +5556,7 @@
                 <a:latin typeface="휴먼엑스포" panose="02030504000101010101" pitchFamily="18" charset="-127"/>
                 <a:ea typeface="휴먼엑스포" panose="02030504000101010101" pitchFamily="18" charset="-127"/>
               </a:rPr>
-              <a:t>게시판 </a:t>
-            </a:r>
-            <a:r>
-              <a:rPr lang="ko-KR" altLang="en-US" b="1" dirty="0" smtClean="0">
-                <a:latin typeface="휴먼엑스포" panose="02030504000101010101" pitchFamily="18" charset="-127"/>
-                <a:ea typeface="휴먼엑스포" panose="02030504000101010101" pitchFamily="18" charset="-127"/>
-              </a:rPr>
-              <a:t>관리</a:t>
+              <a:t>게시판 관리</a:t>
             </a:r>
             <a:endParaRPr lang="ko-KR" altLang="en-US" dirty="0"/>
           </a:p>
@@ -5492,7 +5564,7 @@
       </p:sp>
       <p:pic>
         <p:nvPicPr>
-          <p:cNvPr id="3" name="그림 2"/>
+          <p:cNvPr id="4" name="그림 3"/>
           <p:cNvPicPr>
             <a:picLocks noChangeAspect="1"/>
           </p:cNvPicPr>
@@ -5512,8 +5584,8 @@
         </p:blipFill>
         <p:spPr>
           <a:xfrm>
-            <a:off x="1188394" y="1535266"/>
-            <a:ext cx="7529212" cy="3787468"/>
+            <a:off x="1215066" y="1173284"/>
+            <a:ext cx="7475868" cy="4511431"/>
           </a:xfrm>
           <a:prstGeom prst="rect">
             <a:avLst/>
@@ -5530,7 +5602,7 @@
     </p:spTree>
     <p:extLst>
       <p:ext uri="{BB962C8B-B14F-4D97-AF65-F5344CB8AC3E}">
-        <p14:creationId xmlns:p14="http://schemas.microsoft.com/office/powerpoint/2010/main" val="1968450270"/>
+        <p14:creationId xmlns:p14="http://schemas.microsoft.com/office/powerpoint/2010/main" val="138747166"/>
       </p:ext>
     </p:extLst>
   </p:cSld>
@@ -5619,7 +5691,7 @@
         <p:spPr>
           <a:xfrm>
             <a:off x="152400" y="44624"/>
-            <a:ext cx="6456783" cy="854968"/>
+            <a:ext cx="6240759" cy="854968"/>
           </a:xfrm>
           <a:prstGeom prst="rect">
             <a:avLst/>
@@ -5667,14 +5739,7 @@
                 <a:latin typeface="휴먼엑스포" panose="02030504000101010101" pitchFamily="18" charset="-127"/>
                 <a:ea typeface="휴먼엑스포" panose="02030504000101010101" pitchFamily="18" charset="-127"/>
               </a:rPr>
-              <a:t>게시판 </a:t>
-            </a:r>
-            <a:r>
-              <a:rPr lang="ko-KR" altLang="en-US" b="1" dirty="0" smtClean="0">
-                <a:latin typeface="휴먼엑스포" panose="02030504000101010101" pitchFamily="18" charset="-127"/>
-                <a:ea typeface="휴먼엑스포" panose="02030504000101010101" pitchFamily="18" charset="-127"/>
-              </a:rPr>
-              <a:t>관리</a:t>
+              <a:t>게시판 관리</a:t>
             </a:r>
             <a:endParaRPr lang="ko-KR" altLang="en-US" dirty="0"/>
           </a:p>
@@ -5702,8 +5767,8 @@
         </p:blipFill>
         <p:spPr>
           <a:xfrm>
-            <a:off x="1649443" y="1657196"/>
-            <a:ext cx="6607113" cy="3543607"/>
+            <a:off x="395845" y="1177095"/>
+            <a:ext cx="9114310" cy="4503810"/>
           </a:xfrm>
           <a:prstGeom prst="rect">
             <a:avLst/>
@@ -5720,7 +5785,7 @@
     </p:spTree>
     <p:extLst>
       <p:ext uri="{BB962C8B-B14F-4D97-AF65-F5344CB8AC3E}">
-        <p14:creationId xmlns:p14="http://schemas.microsoft.com/office/powerpoint/2010/main" val="3231867336"/>
+        <p14:creationId xmlns:p14="http://schemas.microsoft.com/office/powerpoint/2010/main" val="4225514863"/>
       </p:ext>
     </p:extLst>
   </p:cSld>
@@ -5809,7 +5874,7 @@
         <p:spPr>
           <a:xfrm>
             <a:off x="152400" y="44624"/>
-            <a:ext cx="6456783" cy="854968"/>
+            <a:ext cx="6240759" cy="854968"/>
           </a:xfrm>
           <a:prstGeom prst="rect">
             <a:avLst/>
@@ -5857,14 +5922,7 @@
                 <a:latin typeface="휴먼엑스포" panose="02030504000101010101" pitchFamily="18" charset="-127"/>
                 <a:ea typeface="휴먼엑스포" panose="02030504000101010101" pitchFamily="18" charset="-127"/>
               </a:rPr>
-              <a:t>게시판 </a:t>
-            </a:r>
-            <a:r>
-              <a:rPr lang="ko-KR" altLang="en-US" b="1" dirty="0" smtClean="0">
-                <a:latin typeface="휴먼엑스포" panose="02030504000101010101" pitchFamily="18" charset="-127"/>
-                <a:ea typeface="휴먼엑스포" panose="02030504000101010101" pitchFamily="18" charset="-127"/>
-              </a:rPr>
-              <a:t>관리</a:t>
+              <a:t>게시판 관리</a:t>
             </a:r>
             <a:endParaRPr lang="ko-KR" altLang="en-US" dirty="0"/>
           </a:p>
@@ -5872,7 +5930,7 @@
       </p:sp>
       <p:pic>
         <p:nvPicPr>
-          <p:cNvPr id="3" name="그림 2"/>
+          <p:cNvPr id="2" name="그림 1"/>
           <p:cNvPicPr>
             <a:picLocks noChangeAspect="1"/>
           </p:cNvPicPr>
@@ -5892,8 +5950,8 @@
         </p:blipFill>
         <p:spPr>
           <a:xfrm>
-            <a:off x="1208584" y="962472"/>
-            <a:ext cx="7437765" cy="5220152"/>
+            <a:off x="582551" y="1024681"/>
+            <a:ext cx="8740897" cy="4808637"/>
           </a:xfrm>
           <a:prstGeom prst="rect">
             <a:avLst/>
@@ -5910,7 +5968,7 @@
     </p:spTree>
     <p:extLst>
       <p:ext uri="{BB962C8B-B14F-4D97-AF65-F5344CB8AC3E}">
-        <p14:creationId xmlns:p14="http://schemas.microsoft.com/office/powerpoint/2010/main" val="959557724"/>
+        <p14:creationId xmlns:p14="http://schemas.microsoft.com/office/powerpoint/2010/main" val="3638344914"/>
       </p:ext>
     </p:extLst>
   </p:cSld>
@@ -6062,7 +6120,7 @@
       </p:sp>
       <p:pic>
         <p:nvPicPr>
-          <p:cNvPr id="2" name="그림 1"/>
+          <p:cNvPr id="3" name="그림 2"/>
           <p:cNvPicPr>
             <a:picLocks noChangeAspect="1"/>
           </p:cNvPicPr>
@@ -6082,8 +6140,8 @@
         </p:blipFill>
         <p:spPr>
           <a:xfrm>
-            <a:off x="1712640" y="1052736"/>
-            <a:ext cx="5686276" cy="5091038"/>
+            <a:off x="1188394" y="1535266"/>
+            <a:ext cx="7529212" cy="3787468"/>
           </a:xfrm>
           <a:prstGeom prst="rect">
             <a:avLst/>
@@ -6097,44 +6155,10 @@
           </a:ln>
         </p:spPr>
       </p:pic>
-      <p:sp>
-        <p:nvSpPr>
-          <p:cNvPr id="5" name="TextBox 4"/>
-          <p:cNvSpPr txBox="1"/>
-          <p:nvPr/>
-        </p:nvSpPr>
-        <p:spPr>
-          <a:xfrm>
-            <a:off x="6825208" y="2132856"/>
-            <a:ext cx="2520279" cy="400110"/>
-          </a:xfrm>
-          <a:prstGeom prst="rect">
-            <a:avLst/>
-          </a:prstGeom>
-          <a:noFill/>
-        </p:spPr>
-        <p:txBody>
-          <a:bodyPr wrap="square" rtlCol="0">
-            <a:spAutoFit/>
-          </a:bodyPr>
-          <a:lstStyle/>
-          <a:p>
-            <a:r>
-              <a:rPr lang="en-US" altLang="ko-KR" sz="2000" b="1" dirty="0" smtClean="0"/>
-              <a:t>Reply.java</a:t>
-            </a:r>
-            <a:r>
-              <a:rPr lang="ko-KR" altLang="en-US" b="1" dirty="0" smtClean="0"/>
-              <a:t> </a:t>
-            </a:r>
-            <a:endParaRPr lang="en-US" altLang="ko-KR" b="1" dirty="0" smtClean="0"/>
-          </a:p>
-        </p:txBody>
-      </p:sp>
     </p:spTree>
     <p:extLst>
       <p:ext uri="{BB962C8B-B14F-4D97-AF65-F5344CB8AC3E}">
-        <p14:creationId xmlns:p14="http://schemas.microsoft.com/office/powerpoint/2010/main" val="1024341918"/>
+        <p14:creationId xmlns:p14="http://schemas.microsoft.com/office/powerpoint/2010/main" val="1968450270"/>
       </p:ext>
     </p:extLst>
   </p:cSld>
@@ -6462,7 +6486,7 @@
       </p:sp>
       <p:pic>
         <p:nvPicPr>
-          <p:cNvPr id="3" name="그림 2"/>
+          <p:cNvPr id="2" name="그림 1"/>
           <p:cNvPicPr>
             <a:picLocks noChangeAspect="1"/>
           </p:cNvPicPr>
@@ -6482,8 +6506,8 @@
         </p:blipFill>
         <p:spPr>
           <a:xfrm>
-            <a:off x="1640632" y="989652"/>
-            <a:ext cx="5890770" cy="5296359"/>
+            <a:off x="1649443" y="1657196"/>
+            <a:ext cx="6607113" cy="3543607"/>
           </a:xfrm>
           <a:prstGeom prst="rect">
             <a:avLst/>
@@ -6497,44 +6521,10 @@
           </a:ln>
         </p:spPr>
       </p:pic>
-      <p:sp>
-        <p:nvSpPr>
-          <p:cNvPr id="5" name="TextBox 4"/>
-          <p:cNvSpPr txBox="1"/>
-          <p:nvPr/>
-        </p:nvSpPr>
-        <p:spPr>
-          <a:xfrm>
-            <a:off x="6753201" y="1700808"/>
-            <a:ext cx="2016224" cy="400110"/>
-          </a:xfrm>
-          <a:prstGeom prst="rect">
-            <a:avLst/>
-          </a:prstGeom>
-          <a:noFill/>
-        </p:spPr>
-        <p:txBody>
-          <a:bodyPr wrap="square" rtlCol="0">
-            <a:spAutoFit/>
-          </a:bodyPr>
-          <a:lstStyle/>
-          <a:p>
-            <a:r>
-              <a:rPr lang="en-US" altLang="ko-KR" sz="2000" b="1" dirty="0" smtClean="0"/>
-              <a:t>Reply.java</a:t>
-            </a:r>
-            <a:r>
-              <a:rPr lang="ko-KR" altLang="en-US" b="1" dirty="0" smtClean="0"/>
-              <a:t> </a:t>
-            </a:r>
-            <a:endParaRPr lang="en-US" altLang="ko-KR" b="1" dirty="0" smtClean="0"/>
-          </a:p>
-        </p:txBody>
-      </p:sp>
     </p:spTree>
     <p:extLst>
       <p:ext uri="{BB962C8B-B14F-4D97-AF65-F5344CB8AC3E}">
-        <p14:creationId xmlns:p14="http://schemas.microsoft.com/office/powerpoint/2010/main" val="1705522889"/>
+        <p14:creationId xmlns:p14="http://schemas.microsoft.com/office/powerpoint/2010/main" val="3231867336"/>
       </p:ext>
     </p:extLst>
   </p:cSld>
@@ -6686,7 +6676,7 @@
       </p:sp>
       <p:pic>
         <p:nvPicPr>
-          <p:cNvPr id="2" name="그림 1"/>
+          <p:cNvPr id="3" name="그림 2"/>
           <p:cNvPicPr>
             <a:picLocks noChangeAspect="1"/>
           </p:cNvPicPr>
@@ -6706,8 +6696,8 @@
         </p:blipFill>
         <p:spPr>
           <a:xfrm>
-            <a:off x="1196014" y="1215198"/>
-            <a:ext cx="7513971" cy="4427604"/>
+            <a:off x="1208584" y="962472"/>
+            <a:ext cx="7437765" cy="5220152"/>
           </a:xfrm>
           <a:prstGeom prst="rect">
             <a:avLst/>
@@ -6721,44 +6711,10 @@
           </a:ln>
         </p:spPr>
       </p:pic>
-      <p:sp>
-        <p:nvSpPr>
-          <p:cNvPr id="5" name="TextBox 4"/>
-          <p:cNvSpPr txBox="1"/>
-          <p:nvPr/>
-        </p:nvSpPr>
-        <p:spPr>
-          <a:xfrm>
-            <a:off x="6537176" y="1268760"/>
-            <a:ext cx="2520279" cy="400110"/>
-          </a:xfrm>
-          <a:prstGeom prst="rect">
-            <a:avLst/>
-          </a:prstGeom>
-          <a:noFill/>
-        </p:spPr>
-        <p:txBody>
-          <a:bodyPr wrap="square" rtlCol="0">
-            <a:spAutoFit/>
-          </a:bodyPr>
-          <a:lstStyle/>
-          <a:p>
-            <a:r>
-              <a:rPr lang="en-US" altLang="ko-KR" sz="2000" b="1" dirty="0" smtClean="0"/>
-              <a:t>ReplyDAO.java</a:t>
-            </a:r>
-            <a:r>
-              <a:rPr lang="ko-KR" altLang="en-US" b="1" dirty="0" smtClean="0"/>
-              <a:t> </a:t>
-            </a:r>
-            <a:endParaRPr lang="en-US" altLang="ko-KR" b="1" dirty="0" smtClean="0"/>
-          </a:p>
-        </p:txBody>
-      </p:sp>
     </p:spTree>
     <p:extLst>
       <p:ext uri="{BB962C8B-B14F-4D97-AF65-F5344CB8AC3E}">
-        <p14:creationId xmlns:p14="http://schemas.microsoft.com/office/powerpoint/2010/main" val="1087008173"/>
+        <p14:creationId xmlns:p14="http://schemas.microsoft.com/office/powerpoint/2010/main" val="959557724"/>
       </p:ext>
     </p:extLst>
   </p:cSld>
@@ -6908,43 +6864,9 @@
           </a:p>
         </p:txBody>
       </p:sp>
-      <p:sp>
-        <p:nvSpPr>
-          <p:cNvPr id="5" name="TextBox 4"/>
-          <p:cNvSpPr txBox="1"/>
-          <p:nvPr/>
-        </p:nvSpPr>
-        <p:spPr>
-          <a:xfrm>
-            <a:off x="6537176" y="1268760"/>
-            <a:ext cx="2520279" cy="400110"/>
-          </a:xfrm>
-          <a:prstGeom prst="rect">
-            <a:avLst/>
-          </a:prstGeom>
-          <a:noFill/>
-        </p:spPr>
-        <p:txBody>
-          <a:bodyPr wrap="square" rtlCol="0">
-            <a:spAutoFit/>
-          </a:bodyPr>
-          <a:lstStyle/>
-          <a:p>
-            <a:r>
-              <a:rPr lang="en-US" altLang="ko-KR" sz="2000" b="1" dirty="0" smtClean="0"/>
-              <a:t>ReplyDAO.java</a:t>
-            </a:r>
-            <a:r>
-              <a:rPr lang="ko-KR" altLang="en-US" b="1" dirty="0" smtClean="0"/>
-              <a:t> </a:t>
-            </a:r>
-            <a:endParaRPr lang="en-US" altLang="ko-KR" b="1" dirty="0" smtClean="0"/>
-          </a:p>
-        </p:txBody>
-      </p:sp>
       <p:pic>
         <p:nvPicPr>
-          <p:cNvPr id="3" name="그림 2"/>
+          <p:cNvPr id="2" name="그림 1"/>
           <p:cNvPicPr>
             <a:picLocks noChangeAspect="1"/>
           </p:cNvPicPr>
@@ -6964,8 +6886,8 @@
         </p:blipFill>
         <p:spPr>
           <a:xfrm>
-            <a:off x="1573237" y="1958212"/>
-            <a:ext cx="6759526" cy="2941575"/>
+            <a:off x="1712640" y="1052736"/>
+            <a:ext cx="5686276" cy="5091038"/>
           </a:xfrm>
           <a:prstGeom prst="rect">
             <a:avLst/>
@@ -6979,10 +6901,44 @@
           </a:ln>
         </p:spPr>
       </p:pic>
+      <p:sp>
+        <p:nvSpPr>
+          <p:cNvPr id="5" name="TextBox 4"/>
+          <p:cNvSpPr txBox="1"/>
+          <p:nvPr/>
+        </p:nvSpPr>
+        <p:spPr>
+          <a:xfrm>
+            <a:off x="6825208" y="2132856"/>
+            <a:ext cx="2520279" cy="400110"/>
+          </a:xfrm>
+          <a:prstGeom prst="rect">
+            <a:avLst/>
+          </a:prstGeom>
+          <a:noFill/>
+        </p:spPr>
+        <p:txBody>
+          <a:bodyPr wrap="square" rtlCol="0">
+            <a:spAutoFit/>
+          </a:bodyPr>
+          <a:lstStyle/>
+          <a:p>
+            <a:r>
+              <a:rPr lang="en-US" altLang="ko-KR" sz="2000" b="1" dirty="0" smtClean="0"/>
+              <a:t>Reply.java</a:t>
+            </a:r>
+            <a:r>
+              <a:rPr lang="ko-KR" altLang="en-US" b="1" dirty="0" smtClean="0"/>
+              <a:t> </a:t>
+            </a:r>
+            <a:endParaRPr lang="en-US" altLang="ko-KR" b="1" dirty="0" smtClean="0"/>
+          </a:p>
+        </p:txBody>
+      </p:sp>
     </p:spTree>
     <p:extLst>
       <p:ext uri="{BB962C8B-B14F-4D97-AF65-F5344CB8AC3E}">
-        <p14:creationId xmlns:p14="http://schemas.microsoft.com/office/powerpoint/2010/main" val="2472549772"/>
+        <p14:creationId xmlns:p14="http://schemas.microsoft.com/office/powerpoint/2010/main" val="1024341918"/>
       </p:ext>
     </p:extLst>
   </p:cSld>
@@ -7134,7 +7090,7 @@
       </p:sp>
       <p:pic>
         <p:nvPicPr>
-          <p:cNvPr id="2" name="그림 1"/>
+          <p:cNvPr id="3" name="그림 2"/>
           <p:cNvPicPr>
             <a:picLocks noChangeAspect="1"/>
           </p:cNvPicPr>
@@ -7154,8 +7110,8 @@
         </p:blipFill>
         <p:spPr>
           <a:xfrm>
-            <a:off x="1154101" y="1306646"/>
-            <a:ext cx="7597798" cy="4244708"/>
+            <a:off x="1640632" y="989652"/>
+            <a:ext cx="5890770" cy="5296359"/>
           </a:xfrm>
           <a:prstGeom prst="rect">
             <a:avLst/>
@@ -7169,10 +7125,44 @@
           </a:ln>
         </p:spPr>
       </p:pic>
+      <p:sp>
+        <p:nvSpPr>
+          <p:cNvPr id="5" name="TextBox 4"/>
+          <p:cNvSpPr txBox="1"/>
+          <p:nvPr/>
+        </p:nvSpPr>
+        <p:spPr>
+          <a:xfrm>
+            <a:off x="6753201" y="1700808"/>
+            <a:ext cx="2016224" cy="400110"/>
+          </a:xfrm>
+          <a:prstGeom prst="rect">
+            <a:avLst/>
+          </a:prstGeom>
+          <a:noFill/>
+        </p:spPr>
+        <p:txBody>
+          <a:bodyPr wrap="square" rtlCol="0">
+            <a:spAutoFit/>
+          </a:bodyPr>
+          <a:lstStyle/>
+          <a:p>
+            <a:r>
+              <a:rPr lang="en-US" altLang="ko-KR" sz="2000" b="1" dirty="0" smtClean="0"/>
+              <a:t>Reply.java</a:t>
+            </a:r>
+            <a:r>
+              <a:rPr lang="ko-KR" altLang="en-US" b="1" dirty="0" smtClean="0"/>
+              <a:t> </a:t>
+            </a:r>
+            <a:endParaRPr lang="en-US" altLang="ko-KR" b="1" dirty="0" smtClean="0"/>
+          </a:p>
+        </p:txBody>
+      </p:sp>
     </p:spTree>
     <p:extLst>
       <p:ext uri="{BB962C8B-B14F-4D97-AF65-F5344CB8AC3E}">
-        <p14:creationId xmlns:p14="http://schemas.microsoft.com/office/powerpoint/2010/main" val="2073656456"/>
+        <p14:creationId xmlns:p14="http://schemas.microsoft.com/office/powerpoint/2010/main" val="1705522889"/>
       </p:ext>
     </p:extLst>
   </p:cSld>
@@ -7324,7 +7314,7 @@
       </p:sp>
       <p:pic>
         <p:nvPicPr>
-          <p:cNvPr id="3" name="그림 2"/>
+          <p:cNvPr id="2" name="그림 1"/>
           <p:cNvPicPr>
             <a:picLocks noChangeAspect="1"/>
           </p:cNvPicPr>
@@ -7344,8 +7334,8 @@
         </p:blipFill>
         <p:spPr>
           <a:xfrm>
-            <a:off x="1496616" y="983365"/>
-            <a:ext cx="6571753" cy="5195285"/>
+            <a:off x="1196014" y="1215198"/>
+            <a:ext cx="7513971" cy="4427604"/>
           </a:xfrm>
           <a:prstGeom prst="rect">
             <a:avLst/>
@@ -7359,10 +7349,44 @@
           </a:ln>
         </p:spPr>
       </p:pic>
+      <p:sp>
+        <p:nvSpPr>
+          <p:cNvPr id="5" name="TextBox 4"/>
+          <p:cNvSpPr txBox="1"/>
+          <p:nvPr/>
+        </p:nvSpPr>
+        <p:spPr>
+          <a:xfrm>
+            <a:off x="6537176" y="1268760"/>
+            <a:ext cx="2520279" cy="400110"/>
+          </a:xfrm>
+          <a:prstGeom prst="rect">
+            <a:avLst/>
+          </a:prstGeom>
+          <a:noFill/>
+        </p:spPr>
+        <p:txBody>
+          <a:bodyPr wrap="square" rtlCol="0">
+            <a:spAutoFit/>
+          </a:bodyPr>
+          <a:lstStyle/>
+          <a:p>
+            <a:r>
+              <a:rPr lang="en-US" altLang="ko-KR" sz="2000" b="1" dirty="0" smtClean="0"/>
+              <a:t>ReplyDAO.java</a:t>
+            </a:r>
+            <a:r>
+              <a:rPr lang="ko-KR" altLang="en-US" b="1" dirty="0" smtClean="0"/>
+              <a:t> </a:t>
+            </a:r>
+            <a:endParaRPr lang="en-US" altLang="ko-KR" b="1" dirty="0" smtClean="0"/>
+          </a:p>
+        </p:txBody>
+      </p:sp>
     </p:spTree>
     <p:extLst>
       <p:ext uri="{BB962C8B-B14F-4D97-AF65-F5344CB8AC3E}">
-        <p14:creationId xmlns:p14="http://schemas.microsoft.com/office/powerpoint/2010/main" val="2349668375"/>
+        <p14:creationId xmlns:p14="http://schemas.microsoft.com/office/powerpoint/2010/main" val="1087008173"/>
       </p:ext>
     </p:extLst>
   </p:cSld>
@@ -7512,9 +7536,43 @@
           </a:p>
         </p:txBody>
       </p:sp>
+      <p:sp>
+        <p:nvSpPr>
+          <p:cNvPr id="5" name="TextBox 4"/>
+          <p:cNvSpPr txBox="1"/>
+          <p:nvPr/>
+        </p:nvSpPr>
+        <p:spPr>
+          <a:xfrm>
+            <a:off x="6537176" y="1268760"/>
+            <a:ext cx="2520279" cy="400110"/>
+          </a:xfrm>
+          <a:prstGeom prst="rect">
+            <a:avLst/>
+          </a:prstGeom>
+          <a:noFill/>
+        </p:spPr>
+        <p:txBody>
+          <a:bodyPr wrap="square" rtlCol="0">
+            <a:spAutoFit/>
+          </a:bodyPr>
+          <a:lstStyle/>
+          <a:p>
+            <a:r>
+              <a:rPr lang="en-US" altLang="ko-KR" sz="2000" b="1" dirty="0" smtClean="0"/>
+              <a:t>ReplyDAO.java</a:t>
+            </a:r>
+            <a:r>
+              <a:rPr lang="ko-KR" altLang="en-US" b="1" dirty="0" smtClean="0"/>
+              <a:t> </a:t>
+            </a:r>
+            <a:endParaRPr lang="en-US" altLang="ko-KR" b="1" dirty="0" smtClean="0"/>
+          </a:p>
+        </p:txBody>
+      </p:sp>
       <p:pic>
         <p:nvPicPr>
-          <p:cNvPr id="2" name="그림 1"/>
+          <p:cNvPr id="3" name="그림 2"/>
           <p:cNvPicPr>
             <a:picLocks noChangeAspect="1"/>
           </p:cNvPicPr>
@@ -7534,8 +7592,8 @@
         </p:blipFill>
         <p:spPr>
           <a:xfrm>
-            <a:off x="1630392" y="1653386"/>
-            <a:ext cx="6645216" cy="3551228"/>
+            <a:off x="1573237" y="1958212"/>
+            <a:ext cx="6759526" cy="2941575"/>
           </a:xfrm>
           <a:prstGeom prst="rect">
             <a:avLst/>
@@ -7552,7 +7610,7 @@
     </p:spTree>
     <p:extLst>
       <p:ext uri="{BB962C8B-B14F-4D97-AF65-F5344CB8AC3E}">
-        <p14:creationId xmlns:p14="http://schemas.microsoft.com/office/powerpoint/2010/main" val="279470555"/>
+        <p14:creationId xmlns:p14="http://schemas.microsoft.com/office/powerpoint/2010/main" val="2472549772"/>
       </p:ext>
     </p:extLst>
   </p:cSld>
@@ -7704,7 +7762,7 @@
       </p:sp>
       <p:pic>
         <p:nvPicPr>
-          <p:cNvPr id="3" name="그림 2"/>
+          <p:cNvPr id="2" name="그림 1"/>
           <p:cNvPicPr>
             <a:picLocks noChangeAspect="1"/>
           </p:cNvPicPr>
@@ -7724,8 +7782,8 @@
         </p:blipFill>
         <p:spPr>
           <a:xfrm>
-            <a:off x="372983" y="1325697"/>
-            <a:ext cx="9160034" cy="4206605"/>
+            <a:off x="1154101" y="1306646"/>
+            <a:ext cx="7597798" cy="4244708"/>
           </a:xfrm>
           <a:prstGeom prst="rect">
             <a:avLst/>
@@ -7739,44 +7797,10 @@
           </a:ln>
         </p:spPr>
       </p:pic>
-      <p:sp>
-        <p:nvSpPr>
-          <p:cNvPr id="6" name="TextBox 5"/>
-          <p:cNvSpPr txBox="1"/>
-          <p:nvPr/>
-        </p:nvSpPr>
-        <p:spPr>
-          <a:xfrm>
-            <a:off x="6537176" y="1484784"/>
-            <a:ext cx="2520279" cy="400110"/>
-          </a:xfrm>
-          <a:prstGeom prst="rect">
-            <a:avLst/>
-          </a:prstGeom>
-          <a:noFill/>
-        </p:spPr>
-        <p:txBody>
-          <a:bodyPr wrap="square" rtlCol="0">
-            <a:spAutoFit/>
-          </a:bodyPr>
-          <a:lstStyle/>
-          <a:p>
-            <a:r>
-              <a:rPr lang="en-US" altLang="ko-KR" sz="2000" b="1" dirty="0" smtClean="0"/>
-              <a:t>ReplyDAO.java</a:t>
-            </a:r>
-            <a:r>
-              <a:rPr lang="ko-KR" altLang="en-US" b="1" dirty="0" smtClean="0"/>
-              <a:t> </a:t>
-            </a:r>
-            <a:endParaRPr lang="en-US" altLang="ko-KR" b="1" dirty="0" smtClean="0"/>
-          </a:p>
-        </p:txBody>
-      </p:sp>
     </p:spTree>
     <p:extLst>
       <p:ext uri="{BB962C8B-B14F-4D97-AF65-F5344CB8AC3E}">
-        <p14:creationId xmlns:p14="http://schemas.microsoft.com/office/powerpoint/2010/main" val="374732670"/>
+        <p14:creationId xmlns:p14="http://schemas.microsoft.com/office/powerpoint/2010/main" val="2073656456"/>
       </p:ext>
     </p:extLst>
   </p:cSld>
@@ -7856,76 +7880,6 @@
       </p:sp>
       <p:sp>
         <p:nvSpPr>
-          <p:cNvPr id="3" name="TextBox 2"/>
-          <p:cNvSpPr txBox="1"/>
-          <p:nvPr/>
-        </p:nvSpPr>
-        <p:spPr>
-          <a:xfrm>
-            <a:off x="632521" y="1156682"/>
-            <a:ext cx="9001000" cy="400110"/>
-          </a:xfrm>
-          <a:prstGeom prst="rect">
-            <a:avLst/>
-          </a:prstGeom>
-          <a:noFill/>
-        </p:spPr>
-        <p:txBody>
-          <a:bodyPr wrap="square" rtlCol="0">
-            <a:spAutoFit/>
-          </a:bodyPr>
-          <a:lstStyle/>
-          <a:p>
-            <a:r>
-              <a:rPr lang="ko-KR" altLang="en-US" sz="2000" b="1" dirty="0"/>
-              <a:t> </a:t>
-            </a:r>
-            <a:r>
-              <a:rPr lang="en-US" altLang="ko-KR" sz="2000" b="1" dirty="0" smtClean="0"/>
-              <a:t>- </a:t>
-            </a:r>
-            <a:r>
-              <a:rPr lang="ko-KR" altLang="en-US" sz="2000" b="1" dirty="0" smtClean="0"/>
-              <a:t> </a:t>
-            </a:r>
-            <a:r>
-              <a:rPr lang="en-US" altLang="ko-KR" sz="2000" b="1" dirty="0" smtClean="0"/>
-              <a:t>MainController.java -&gt;</a:t>
-            </a:r>
-            <a:r>
-              <a:rPr lang="ko-KR" altLang="en-US" sz="2000" b="1" dirty="0" err="1" smtClean="0"/>
-              <a:t>애너테이션</a:t>
-            </a:r>
-            <a:r>
-              <a:rPr lang="en-US" altLang="ko-KR" sz="2000" b="1" dirty="0" smtClean="0"/>
-              <a:t>(@)</a:t>
-            </a:r>
-            <a:r>
-              <a:rPr lang="ko-KR" altLang="en-US" sz="2000" b="1" dirty="0" smtClean="0"/>
-              <a:t>을 이용한 </a:t>
-            </a:r>
-            <a:r>
-              <a:rPr lang="ko-KR" altLang="en-US" sz="2000" b="1" dirty="0" err="1" smtClean="0"/>
-              <a:t>서블릿</a:t>
-            </a:r>
-            <a:r>
-              <a:rPr lang="ko-KR" altLang="en-US" sz="2000" b="1" dirty="0" smtClean="0"/>
-              <a:t> </a:t>
-            </a:r>
-            <a:r>
-              <a:rPr lang="ko-KR" altLang="en-US" sz="2000" b="1" dirty="0" err="1" smtClean="0"/>
-              <a:t>매핑</a:t>
-            </a:r>
-            <a:r>
-              <a:rPr lang="ko-KR" altLang="en-US" b="1" dirty="0" smtClean="0"/>
-              <a:t> </a:t>
-            </a:r>
-            <a:endParaRPr lang="en-US" altLang="ko-KR" b="1" dirty="0" smtClean="0"/>
-          </a:p>
-        </p:txBody>
-      </p:sp>
-      <p:sp>
-        <p:nvSpPr>
           <p:cNvPr id="11" name="제목 5"/>
           <p:cNvSpPr txBox="1">
             <a:spLocks/>
@@ -7935,7 +7889,7 @@
         <p:spPr>
           <a:xfrm>
             <a:off x="152400" y="44624"/>
-            <a:ext cx="6312767" cy="854968"/>
+            <a:ext cx="6456783" cy="854968"/>
           </a:xfrm>
           <a:prstGeom prst="rect">
             <a:avLst/>
@@ -7983,7 +7937,14 @@
                 <a:latin typeface="휴먼엑스포" panose="02030504000101010101" pitchFamily="18" charset="-127"/>
                 <a:ea typeface="휴먼엑스포" panose="02030504000101010101" pitchFamily="18" charset="-127"/>
               </a:rPr>
-              <a:t>게시판 관리</a:t>
+              <a:t>게시판 </a:t>
+            </a:r>
+            <a:r>
+              <a:rPr lang="ko-KR" altLang="en-US" b="1" dirty="0" smtClean="0">
+                <a:latin typeface="휴먼엑스포" panose="02030504000101010101" pitchFamily="18" charset="-127"/>
+                <a:ea typeface="휴먼엑스포" panose="02030504000101010101" pitchFamily="18" charset="-127"/>
+              </a:rPr>
+              <a:t>관리</a:t>
             </a:r>
             <a:endParaRPr lang="ko-KR" altLang="en-US" dirty="0"/>
           </a:p>
@@ -7991,7 +7952,7 @@
       </p:sp>
       <p:pic>
         <p:nvPicPr>
-          <p:cNvPr id="4" name="그림 3"/>
+          <p:cNvPr id="3" name="그림 2"/>
           <p:cNvPicPr>
             <a:picLocks noChangeAspect="1"/>
           </p:cNvPicPr>
@@ -8011,8 +7972,8 @@
         </p:blipFill>
         <p:spPr>
           <a:xfrm>
-            <a:off x="992560" y="1700808"/>
-            <a:ext cx="7978831" cy="4473328"/>
+            <a:off x="1496616" y="983365"/>
+            <a:ext cx="6571753" cy="5195285"/>
           </a:xfrm>
           <a:prstGeom prst="rect">
             <a:avLst/>
@@ -8029,7 +7990,7 @@
     </p:spTree>
     <p:extLst>
       <p:ext uri="{BB962C8B-B14F-4D97-AF65-F5344CB8AC3E}">
-        <p14:creationId xmlns:p14="http://schemas.microsoft.com/office/powerpoint/2010/main" val="4284231757"/>
+        <p14:creationId xmlns:p14="http://schemas.microsoft.com/office/powerpoint/2010/main" val="2349668375"/>
       </p:ext>
     </p:extLst>
   </p:cSld>
@@ -8109,76 +8070,6 @@
       </p:sp>
       <p:sp>
         <p:nvSpPr>
-          <p:cNvPr id="3" name="TextBox 2"/>
-          <p:cNvSpPr txBox="1"/>
-          <p:nvPr/>
-        </p:nvSpPr>
-        <p:spPr>
-          <a:xfrm>
-            <a:off x="632521" y="1156682"/>
-            <a:ext cx="9001000" cy="400110"/>
-          </a:xfrm>
-          <a:prstGeom prst="rect">
-            <a:avLst/>
-          </a:prstGeom>
-          <a:noFill/>
-        </p:spPr>
-        <p:txBody>
-          <a:bodyPr wrap="square" rtlCol="0">
-            <a:spAutoFit/>
-          </a:bodyPr>
-          <a:lstStyle/>
-          <a:p>
-            <a:r>
-              <a:rPr lang="ko-KR" altLang="en-US" sz="2000" b="1" dirty="0"/>
-              <a:t> </a:t>
-            </a:r>
-            <a:r>
-              <a:rPr lang="en-US" altLang="ko-KR" sz="2000" b="1" dirty="0" smtClean="0"/>
-              <a:t>- </a:t>
-            </a:r>
-            <a:r>
-              <a:rPr lang="ko-KR" altLang="en-US" sz="2000" b="1" dirty="0" smtClean="0"/>
-              <a:t> </a:t>
-            </a:r>
-            <a:r>
-              <a:rPr lang="en-US" altLang="ko-KR" sz="2000" b="1" dirty="0" smtClean="0"/>
-              <a:t>MainController.java -&gt;</a:t>
-            </a:r>
-            <a:r>
-              <a:rPr lang="ko-KR" altLang="en-US" sz="2000" b="1" dirty="0" err="1" smtClean="0"/>
-              <a:t>애너테이션</a:t>
-            </a:r>
-            <a:r>
-              <a:rPr lang="en-US" altLang="ko-KR" sz="2000" b="1" dirty="0" smtClean="0"/>
-              <a:t>(@)</a:t>
-            </a:r>
-            <a:r>
-              <a:rPr lang="ko-KR" altLang="en-US" sz="2000" b="1" dirty="0" smtClean="0"/>
-              <a:t>을 이용한 </a:t>
-            </a:r>
-            <a:r>
-              <a:rPr lang="ko-KR" altLang="en-US" sz="2000" b="1" dirty="0" err="1" smtClean="0"/>
-              <a:t>서블릿</a:t>
-            </a:r>
-            <a:r>
-              <a:rPr lang="ko-KR" altLang="en-US" sz="2000" b="1" dirty="0" smtClean="0"/>
-              <a:t> </a:t>
-            </a:r>
-            <a:r>
-              <a:rPr lang="ko-KR" altLang="en-US" sz="2000" b="1" dirty="0" err="1" smtClean="0"/>
-              <a:t>매핑</a:t>
-            </a:r>
-            <a:r>
-              <a:rPr lang="ko-KR" altLang="en-US" b="1" dirty="0" smtClean="0"/>
-              <a:t> </a:t>
-            </a:r>
-            <a:endParaRPr lang="en-US" altLang="ko-KR" b="1" dirty="0" smtClean="0"/>
-          </a:p>
-        </p:txBody>
-      </p:sp>
-      <p:sp>
-        <p:nvSpPr>
           <p:cNvPr id="11" name="제목 5"/>
           <p:cNvSpPr txBox="1">
             <a:spLocks/>
@@ -8188,7 +8079,7 @@
         <p:spPr>
           <a:xfrm>
             <a:off x="152400" y="44624"/>
-            <a:ext cx="6312767" cy="854968"/>
+            <a:ext cx="6456783" cy="854968"/>
           </a:xfrm>
           <a:prstGeom prst="rect">
             <a:avLst/>
@@ -8236,7 +8127,14 @@
                 <a:latin typeface="휴먼엑스포" panose="02030504000101010101" pitchFamily="18" charset="-127"/>
                 <a:ea typeface="휴먼엑스포" panose="02030504000101010101" pitchFamily="18" charset="-127"/>
               </a:rPr>
-              <a:t>게시판 관리</a:t>
+              <a:t>게시판 </a:t>
+            </a:r>
+            <a:r>
+              <a:rPr lang="ko-KR" altLang="en-US" b="1" dirty="0" smtClean="0">
+                <a:latin typeface="휴먼엑스포" panose="02030504000101010101" pitchFamily="18" charset="-127"/>
+                <a:ea typeface="휴먼엑스포" panose="02030504000101010101" pitchFamily="18" charset="-127"/>
+              </a:rPr>
+              <a:t>관리</a:t>
             </a:r>
             <a:endParaRPr lang="ko-KR" altLang="en-US" dirty="0"/>
           </a:p>
@@ -8264,8 +8162,8 @@
         </p:blipFill>
         <p:spPr>
           <a:xfrm>
-            <a:off x="864790" y="1700808"/>
-            <a:ext cx="8428450" cy="4252328"/>
+            <a:off x="1630392" y="1653386"/>
+            <a:ext cx="6645216" cy="3551228"/>
           </a:xfrm>
           <a:prstGeom prst="rect">
             <a:avLst/>
@@ -8282,7 +8180,7 @@
     </p:spTree>
     <p:extLst>
       <p:ext uri="{BB962C8B-B14F-4D97-AF65-F5344CB8AC3E}">
-        <p14:creationId xmlns:p14="http://schemas.microsoft.com/office/powerpoint/2010/main" val="1811824829"/>
+        <p14:creationId xmlns:p14="http://schemas.microsoft.com/office/powerpoint/2010/main" val="279470555"/>
       </p:ext>
     </p:extLst>
   </p:cSld>
@@ -8371,7 +8269,7 @@
         <p:spPr>
           <a:xfrm>
             <a:off x="152400" y="44624"/>
-            <a:ext cx="6312767" cy="854968"/>
+            <a:ext cx="6456783" cy="854968"/>
           </a:xfrm>
           <a:prstGeom prst="rect">
             <a:avLst/>
@@ -8419,7 +8317,14 @@
                 <a:latin typeface="휴먼엑스포" panose="02030504000101010101" pitchFamily="18" charset="-127"/>
                 <a:ea typeface="휴먼엑스포" panose="02030504000101010101" pitchFamily="18" charset="-127"/>
               </a:rPr>
-              <a:t>게시판 관리</a:t>
+              <a:t>게시판 </a:t>
+            </a:r>
+            <a:r>
+              <a:rPr lang="ko-KR" altLang="en-US" b="1" dirty="0" smtClean="0">
+                <a:latin typeface="휴먼엑스포" panose="02030504000101010101" pitchFamily="18" charset="-127"/>
+                <a:ea typeface="휴먼엑스포" panose="02030504000101010101" pitchFamily="18" charset="-127"/>
+              </a:rPr>
+              <a:t>관리</a:t>
             </a:r>
             <a:endParaRPr lang="ko-KR" altLang="en-US" dirty="0"/>
           </a:p>
@@ -8427,7 +8332,7 @@
       </p:sp>
       <p:pic>
         <p:nvPicPr>
-          <p:cNvPr id="2" name="그림 1"/>
+          <p:cNvPr id="3" name="그림 2"/>
           <p:cNvPicPr>
             <a:picLocks noChangeAspect="1"/>
           </p:cNvPicPr>
@@ -8447,8 +8352,8 @@
         </p:blipFill>
         <p:spPr>
           <a:xfrm>
-            <a:off x="353931" y="1478111"/>
-            <a:ext cx="9198137" cy="3901778"/>
+            <a:off x="372983" y="1325697"/>
+            <a:ext cx="9160034" cy="4206605"/>
           </a:xfrm>
           <a:prstGeom prst="rect">
             <a:avLst/>
@@ -8462,10 +8367,44 @@
           </a:ln>
         </p:spPr>
       </p:pic>
+      <p:sp>
+        <p:nvSpPr>
+          <p:cNvPr id="6" name="TextBox 5"/>
+          <p:cNvSpPr txBox="1"/>
+          <p:nvPr/>
+        </p:nvSpPr>
+        <p:spPr>
+          <a:xfrm>
+            <a:off x="6537176" y="1484784"/>
+            <a:ext cx="2520279" cy="400110"/>
+          </a:xfrm>
+          <a:prstGeom prst="rect">
+            <a:avLst/>
+          </a:prstGeom>
+          <a:noFill/>
+        </p:spPr>
+        <p:txBody>
+          <a:bodyPr wrap="square" rtlCol="0">
+            <a:spAutoFit/>
+          </a:bodyPr>
+          <a:lstStyle/>
+          <a:p>
+            <a:r>
+              <a:rPr lang="en-US" altLang="ko-KR" sz="2000" b="1" dirty="0" smtClean="0"/>
+              <a:t>ReplyDAO.java</a:t>
+            </a:r>
+            <a:r>
+              <a:rPr lang="ko-KR" altLang="en-US" b="1" dirty="0" smtClean="0"/>
+              <a:t> </a:t>
+            </a:r>
+            <a:endParaRPr lang="en-US" altLang="ko-KR" b="1" dirty="0" smtClean="0"/>
+          </a:p>
+        </p:txBody>
+      </p:sp>
     </p:spTree>
     <p:extLst>
       <p:ext uri="{BB962C8B-B14F-4D97-AF65-F5344CB8AC3E}">
-        <p14:creationId xmlns:p14="http://schemas.microsoft.com/office/powerpoint/2010/main" val="151387450"/>
+        <p14:creationId xmlns:p14="http://schemas.microsoft.com/office/powerpoint/2010/main" val="374732670"/>
       </p:ext>
     </p:extLst>
   </p:cSld>
@@ -8728,6 +8667,76 @@
       </p:sp>
       <p:sp>
         <p:nvSpPr>
+          <p:cNvPr id="3" name="TextBox 2"/>
+          <p:cNvSpPr txBox="1"/>
+          <p:nvPr/>
+        </p:nvSpPr>
+        <p:spPr>
+          <a:xfrm>
+            <a:off x="632521" y="1156682"/>
+            <a:ext cx="9001000" cy="400110"/>
+          </a:xfrm>
+          <a:prstGeom prst="rect">
+            <a:avLst/>
+          </a:prstGeom>
+          <a:noFill/>
+        </p:spPr>
+        <p:txBody>
+          <a:bodyPr wrap="square" rtlCol="0">
+            <a:spAutoFit/>
+          </a:bodyPr>
+          <a:lstStyle/>
+          <a:p>
+            <a:r>
+              <a:rPr lang="ko-KR" altLang="en-US" sz="2000" b="1" dirty="0"/>
+              <a:t> </a:t>
+            </a:r>
+            <a:r>
+              <a:rPr lang="en-US" altLang="ko-KR" sz="2000" b="1" dirty="0" smtClean="0"/>
+              <a:t>- </a:t>
+            </a:r>
+            <a:r>
+              <a:rPr lang="ko-KR" altLang="en-US" sz="2000" b="1" dirty="0" smtClean="0"/>
+              <a:t> </a:t>
+            </a:r>
+            <a:r>
+              <a:rPr lang="en-US" altLang="ko-KR" sz="2000" b="1" dirty="0" smtClean="0"/>
+              <a:t>MainController.java -&gt;</a:t>
+            </a:r>
+            <a:r>
+              <a:rPr lang="ko-KR" altLang="en-US" sz="2000" b="1" dirty="0" err="1" smtClean="0"/>
+              <a:t>애너테이션</a:t>
+            </a:r>
+            <a:r>
+              <a:rPr lang="en-US" altLang="ko-KR" sz="2000" b="1" dirty="0" smtClean="0"/>
+              <a:t>(@)</a:t>
+            </a:r>
+            <a:r>
+              <a:rPr lang="ko-KR" altLang="en-US" sz="2000" b="1" dirty="0" smtClean="0"/>
+              <a:t>을 이용한 </a:t>
+            </a:r>
+            <a:r>
+              <a:rPr lang="ko-KR" altLang="en-US" sz="2000" b="1" dirty="0" err="1" smtClean="0"/>
+              <a:t>서블릿</a:t>
+            </a:r>
+            <a:r>
+              <a:rPr lang="ko-KR" altLang="en-US" sz="2000" b="1" dirty="0" smtClean="0"/>
+              <a:t> </a:t>
+            </a:r>
+            <a:r>
+              <a:rPr lang="ko-KR" altLang="en-US" sz="2000" b="1" dirty="0" err="1" smtClean="0"/>
+              <a:t>매핑</a:t>
+            </a:r>
+            <a:r>
+              <a:rPr lang="ko-KR" altLang="en-US" b="1" dirty="0" smtClean="0"/>
+              <a:t> </a:t>
+            </a:r>
+            <a:endParaRPr lang="en-US" altLang="ko-KR" b="1" dirty="0" smtClean="0"/>
+          </a:p>
+        </p:txBody>
+      </p:sp>
+      <p:sp>
+        <p:nvSpPr>
           <p:cNvPr id="11" name="제목 5"/>
           <p:cNvSpPr txBox="1">
             <a:spLocks/>
@@ -8793,7 +8802,7 @@
       </p:sp>
       <p:pic>
         <p:nvPicPr>
-          <p:cNvPr id="3" name="그림 2"/>
+          <p:cNvPr id="4" name="그림 3"/>
           <p:cNvPicPr>
             <a:picLocks noChangeAspect="1"/>
           </p:cNvPicPr>
@@ -8813,8 +8822,8 @@
         </p:blipFill>
         <p:spPr>
           <a:xfrm>
-            <a:off x="1131239" y="1420956"/>
-            <a:ext cx="7643522" cy="4016088"/>
+            <a:off x="992560" y="1700808"/>
+            <a:ext cx="7978831" cy="4473328"/>
           </a:xfrm>
           <a:prstGeom prst="rect">
             <a:avLst/>
@@ -8831,7 +8840,7 @@
     </p:spTree>
     <p:extLst>
       <p:ext uri="{BB962C8B-B14F-4D97-AF65-F5344CB8AC3E}">
-        <p14:creationId xmlns:p14="http://schemas.microsoft.com/office/powerpoint/2010/main" val="4144865601"/>
+        <p14:creationId xmlns:p14="http://schemas.microsoft.com/office/powerpoint/2010/main" val="4284231757"/>
       </p:ext>
     </p:extLst>
   </p:cSld>
@@ -8911,6 +8920,76 @@
       </p:sp>
       <p:sp>
         <p:nvSpPr>
+          <p:cNvPr id="3" name="TextBox 2"/>
+          <p:cNvSpPr txBox="1"/>
+          <p:nvPr/>
+        </p:nvSpPr>
+        <p:spPr>
+          <a:xfrm>
+            <a:off x="632521" y="1156682"/>
+            <a:ext cx="9001000" cy="400110"/>
+          </a:xfrm>
+          <a:prstGeom prst="rect">
+            <a:avLst/>
+          </a:prstGeom>
+          <a:noFill/>
+        </p:spPr>
+        <p:txBody>
+          <a:bodyPr wrap="square" rtlCol="0">
+            <a:spAutoFit/>
+          </a:bodyPr>
+          <a:lstStyle/>
+          <a:p>
+            <a:r>
+              <a:rPr lang="ko-KR" altLang="en-US" sz="2000" b="1" dirty="0"/>
+              <a:t> </a:t>
+            </a:r>
+            <a:r>
+              <a:rPr lang="en-US" altLang="ko-KR" sz="2000" b="1" dirty="0" smtClean="0"/>
+              <a:t>- </a:t>
+            </a:r>
+            <a:r>
+              <a:rPr lang="ko-KR" altLang="en-US" sz="2000" b="1" dirty="0" smtClean="0"/>
+              <a:t> </a:t>
+            </a:r>
+            <a:r>
+              <a:rPr lang="en-US" altLang="ko-KR" sz="2000" b="1" dirty="0" smtClean="0"/>
+              <a:t>MainController.java -&gt;</a:t>
+            </a:r>
+            <a:r>
+              <a:rPr lang="ko-KR" altLang="en-US" sz="2000" b="1" dirty="0" err="1" smtClean="0"/>
+              <a:t>애너테이션</a:t>
+            </a:r>
+            <a:r>
+              <a:rPr lang="en-US" altLang="ko-KR" sz="2000" b="1" dirty="0" smtClean="0"/>
+              <a:t>(@)</a:t>
+            </a:r>
+            <a:r>
+              <a:rPr lang="ko-KR" altLang="en-US" sz="2000" b="1" dirty="0" smtClean="0"/>
+              <a:t>을 이용한 </a:t>
+            </a:r>
+            <a:r>
+              <a:rPr lang="ko-KR" altLang="en-US" sz="2000" b="1" dirty="0" err="1" smtClean="0"/>
+              <a:t>서블릿</a:t>
+            </a:r>
+            <a:r>
+              <a:rPr lang="ko-KR" altLang="en-US" sz="2000" b="1" dirty="0" smtClean="0"/>
+              <a:t> </a:t>
+            </a:r>
+            <a:r>
+              <a:rPr lang="ko-KR" altLang="en-US" sz="2000" b="1" dirty="0" err="1" smtClean="0"/>
+              <a:t>매핑</a:t>
+            </a:r>
+            <a:r>
+              <a:rPr lang="ko-KR" altLang="en-US" b="1" dirty="0" smtClean="0"/>
+              <a:t> </a:t>
+            </a:r>
+            <a:endParaRPr lang="en-US" altLang="ko-KR" b="1" dirty="0" smtClean="0"/>
+          </a:p>
+        </p:txBody>
+      </p:sp>
+      <p:sp>
+        <p:nvSpPr>
           <p:cNvPr id="11" name="제목 5"/>
           <p:cNvSpPr txBox="1">
             <a:spLocks/>
@@ -8976,7 +9055,7 @@
       </p:sp>
       <p:pic>
         <p:nvPicPr>
-          <p:cNvPr id="3" name="그림 2"/>
+          <p:cNvPr id="2" name="그림 1"/>
           <p:cNvPicPr>
             <a:picLocks noChangeAspect="1"/>
           </p:cNvPicPr>
@@ -8996,8 +9075,8 @@
         </p:blipFill>
         <p:spPr>
           <a:xfrm>
-            <a:off x="1020739" y="1192336"/>
-            <a:ext cx="7864522" cy="4473328"/>
+            <a:off x="864790" y="1700808"/>
+            <a:ext cx="8428450" cy="4252328"/>
           </a:xfrm>
           <a:prstGeom prst="rect">
             <a:avLst/>
@@ -9014,7 +9093,7 @@
     </p:spTree>
     <p:extLst>
       <p:ext uri="{BB962C8B-B14F-4D97-AF65-F5344CB8AC3E}">
-        <p14:creationId xmlns:p14="http://schemas.microsoft.com/office/powerpoint/2010/main" val="3236663486"/>
+        <p14:creationId xmlns:p14="http://schemas.microsoft.com/office/powerpoint/2010/main" val="1811824829"/>
       </p:ext>
     </p:extLst>
   </p:cSld>
@@ -9159,13 +9238,13 @@
       </p:sp>
       <p:pic>
         <p:nvPicPr>
-          <p:cNvPr id="4" name="그림 3"/>
+          <p:cNvPr id="2" name="그림 1"/>
           <p:cNvPicPr>
             <a:picLocks noChangeAspect="1"/>
           </p:cNvPicPr>
           <p:nvPr/>
         </p:nvPicPr>
-        <p:blipFill rotWithShape="1">
+        <p:blipFill>
           <a:blip r:embed="rId2">
             <a:extLst>
               <a:ext uri="{28A0092B-C50C-407E-A947-70E740481C1C}">
@@ -9173,13 +9252,14 @@
               </a:ext>
             </a:extLst>
           </a:blip>
-          <a:srcRect t="33448"/>
-          <a:stretch/>
+          <a:stretch>
+            <a:fillRect/>
+          </a:stretch>
         </p:blipFill>
         <p:spPr>
           <a:xfrm>
-            <a:off x="1136576" y="1772816"/>
-            <a:ext cx="7437765" cy="3438616"/>
+            <a:off x="353931" y="1478111"/>
+            <a:ext cx="9198137" cy="3901778"/>
           </a:xfrm>
           <a:prstGeom prst="rect">
             <a:avLst/>
@@ -9193,44 +9273,10 @@
           </a:ln>
         </p:spPr>
       </p:pic>
-      <p:sp>
-        <p:nvSpPr>
-          <p:cNvPr id="5" name="TextBox 4"/>
-          <p:cNvSpPr txBox="1"/>
-          <p:nvPr/>
-        </p:nvSpPr>
-        <p:spPr>
-          <a:xfrm>
-            <a:off x="6537176" y="1268760"/>
-            <a:ext cx="2808312" cy="400110"/>
-          </a:xfrm>
-          <a:prstGeom prst="rect">
-            <a:avLst/>
-          </a:prstGeom>
-          <a:noFill/>
-        </p:spPr>
-        <p:txBody>
-          <a:bodyPr wrap="square" rtlCol="0">
-            <a:spAutoFit/>
-          </a:bodyPr>
-          <a:lstStyle/>
-          <a:p>
-            <a:r>
-              <a:rPr lang="en-US" altLang="ko-KR" sz="2000" b="1" dirty="0" smtClean="0"/>
-              <a:t>MainController.java</a:t>
-            </a:r>
-            <a:r>
-              <a:rPr lang="ko-KR" altLang="en-US" b="1" dirty="0" smtClean="0"/>
-              <a:t> </a:t>
-            </a:r>
-            <a:endParaRPr lang="en-US" altLang="ko-KR" b="1" dirty="0" smtClean="0"/>
-          </a:p>
-        </p:txBody>
-      </p:sp>
     </p:spTree>
     <p:extLst>
       <p:ext uri="{BB962C8B-B14F-4D97-AF65-F5344CB8AC3E}">
-        <p14:creationId xmlns:p14="http://schemas.microsoft.com/office/powerpoint/2010/main" val="757720341"/>
+        <p14:creationId xmlns:p14="http://schemas.microsoft.com/office/powerpoint/2010/main" val="151387450"/>
       </p:ext>
     </p:extLst>
   </p:cSld>
@@ -9375,7 +9421,7 @@
       </p:sp>
       <p:pic>
         <p:nvPicPr>
-          <p:cNvPr id="2" name="그림 1"/>
+          <p:cNvPr id="3" name="그림 2"/>
           <p:cNvPicPr>
             <a:picLocks noChangeAspect="1"/>
           </p:cNvPicPr>
@@ -9395,8 +9441,8 @@
         </p:blipFill>
         <p:spPr>
           <a:xfrm>
-            <a:off x="468241" y="1573369"/>
-            <a:ext cx="8969517" cy="3711262"/>
+            <a:off x="1131239" y="1420956"/>
+            <a:ext cx="7643522" cy="4016088"/>
           </a:xfrm>
           <a:prstGeom prst="rect">
             <a:avLst/>
@@ -9413,7 +9459,7 @@
     </p:spTree>
     <p:extLst>
       <p:ext uri="{BB962C8B-B14F-4D97-AF65-F5344CB8AC3E}">
-        <p14:creationId xmlns:p14="http://schemas.microsoft.com/office/powerpoint/2010/main" val="3699842435"/>
+        <p14:creationId xmlns:p14="http://schemas.microsoft.com/office/powerpoint/2010/main" val="4144865601"/>
       </p:ext>
     </p:extLst>
   </p:cSld>
@@ -9578,8 +9624,8 @@
         </p:blipFill>
         <p:spPr>
           <a:xfrm>
-            <a:off x="1208584" y="981742"/>
-            <a:ext cx="7559695" cy="5143946"/>
+            <a:off x="1020739" y="1192336"/>
+            <a:ext cx="7864522" cy="4473328"/>
           </a:xfrm>
           <a:prstGeom prst="rect">
             <a:avLst/>
@@ -9596,7 +9642,7 @@
     </p:spTree>
     <p:extLst>
       <p:ext uri="{BB962C8B-B14F-4D97-AF65-F5344CB8AC3E}">
-        <p14:creationId xmlns:p14="http://schemas.microsoft.com/office/powerpoint/2010/main" val="1206933323"/>
+        <p14:creationId xmlns:p14="http://schemas.microsoft.com/office/powerpoint/2010/main" val="3236663486"/>
       </p:ext>
     </p:extLst>
   </p:cSld>
@@ -9741,13 +9787,13 @@
       </p:sp>
       <p:pic>
         <p:nvPicPr>
-          <p:cNvPr id="2" name="그림 1"/>
+          <p:cNvPr id="4" name="그림 3"/>
           <p:cNvPicPr>
             <a:picLocks noChangeAspect="1"/>
           </p:cNvPicPr>
           <p:nvPr/>
         </p:nvPicPr>
-        <p:blipFill>
+        <p:blipFill rotWithShape="1">
           <a:blip r:embed="rId2">
             <a:extLst>
               <a:ext uri="{28A0092B-C50C-407E-A947-70E740481C1C}">
@@ -9755,14 +9801,13 @@
               </a:ext>
             </a:extLst>
           </a:blip>
-          <a:stretch>
-            <a:fillRect/>
-          </a:stretch>
+          <a:srcRect t="33448"/>
+          <a:stretch/>
         </p:blipFill>
         <p:spPr>
           <a:xfrm>
-            <a:off x="272480" y="1685909"/>
-            <a:ext cx="9388654" cy="4191363"/>
+            <a:off x="1136576" y="1772816"/>
+            <a:ext cx="7437765" cy="3438616"/>
           </a:xfrm>
           <a:prstGeom prst="rect">
             <a:avLst/>
@@ -9778,7 +9823,7 @@
       </p:pic>
       <p:sp>
         <p:nvSpPr>
-          <p:cNvPr id="6" name="TextBox 5"/>
+          <p:cNvPr id="5" name="TextBox 4"/>
           <p:cNvSpPr txBox="1"/>
           <p:nvPr/>
         </p:nvSpPr>
@@ -9813,7 +9858,7 @@
     </p:spTree>
     <p:extLst>
       <p:ext uri="{BB962C8B-B14F-4D97-AF65-F5344CB8AC3E}">
-        <p14:creationId xmlns:p14="http://schemas.microsoft.com/office/powerpoint/2010/main" val="2567995745"/>
+        <p14:creationId xmlns:p14="http://schemas.microsoft.com/office/powerpoint/2010/main" val="757720341"/>
       </p:ext>
     </p:extLst>
   </p:cSld>
@@ -9978,8 +10023,8 @@
         </p:blipFill>
         <p:spPr>
           <a:xfrm>
-            <a:off x="442275" y="1196752"/>
-            <a:ext cx="9273480" cy="4572538"/>
+            <a:off x="468241" y="1573369"/>
+            <a:ext cx="8969517" cy="3711262"/>
           </a:xfrm>
           <a:prstGeom prst="rect">
             <a:avLst/>
@@ -9993,44 +10038,10 @@
           </a:ln>
         </p:spPr>
       </p:pic>
-      <p:sp>
-        <p:nvSpPr>
-          <p:cNvPr id="6" name="TextBox 5"/>
-          <p:cNvSpPr txBox="1"/>
-          <p:nvPr/>
-        </p:nvSpPr>
-        <p:spPr>
-          <a:xfrm>
-            <a:off x="7401272" y="1916832"/>
-            <a:ext cx="2124236" cy="400110"/>
-          </a:xfrm>
-          <a:prstGeom prst="rect">
-            <a:avLst/>
-          </a:prstGeom>
-          <a:noFill/>
-        </p:spPr>
-        <p:txBody>
-          <a:bodyPr wrap="square" rtlCol="0">
-            <a:spAutoFit/>
-          </a:bodyPr>
-          <a:lstStyle/>
-          <a:p>
-            <a:r>
-              <a:rPr lang="ko-KR" altLang="en-US" sz="2000" dirty="0"/>
-              <a:t> </a:t>
-            </a:r>
-            <a:r>
-              <a:rPr lang="en-US" altLang="ko-KR" sz="2000" dirty="0" err="1" smtClean="0"/>
-              <a:t>boardList.jsp</a:t>
-            </a:r>
-            <a:endParaRPr lang="en-US" altLang="ko-KR" dirty="0" smtClean="0"/>
-          </a:p>
-        </p:txBody>
-      </p:sp>
     </p:spTree>
     <p:extLst>
       <p:ext uri="{BB962C8B-B14F-4D97-AF65-F5344CB8AC3E}">
-        <p14:creationId xmlns:p14="http://schemas.microsoft.com/office/powerpoint/2010/main" val="680676920"/>
+        <p14:creationId xmlns:p14="http://schemas.microsoft.com/office/powerpoint/2010/main" val="3699842435"/>
       </p:ext>
     </p:extLst>
   </p:cSld>
@@ -10175,7 +10186,7 @@
       </p:sp>
       <p:pic>
         <p:nvPicPr>
-          <p:cNvPr id="2" name="그림 1"/>
+          <p:cNvPr id="3" name="그림 2"/>
           <p:cNvPicPr>
             <a:picLocks noChangeAspect="1"/>
           </p:cNvPicPr>
@@ -10195,8 +10206,8 @@
         </p:blipFill>
         <p:spPr>
           <a:xfrm>
-            <a:off x="1058842" y="1363801"/>
-            <a:ext cx="7788315" cy="4130398"/>
+            <a:off x="1208584" y="981742"/>
+            <a:ext cx="7559695" cy="5143946"/>
           </a:xfrm>
           <a:prstGeom prst="rect">
             <a:avLst/>
@@ -10213,7 +10224,7 @@
     </p:spTree>
     <p:extLst>
       <p:ext uri="{BB962C8B-B14F-4D97-AF65-F5344CB8AC3E}">
-        <p14:creationId xmlns:p14="http://schemas.microsoft.com/office/powerpoint/2010/main" val="1422711746"/>
+        <p14:creationId xmlns:p14="http://schemas.microsoft.com/office/powerpoint/2010/main" val="1206933323"/>
       </p:ext>
     </p:extLst>
   </p:cSld>
@@ -10358,7 +10369,7 @@
       </p:sp>
       <p:pic>
         <p:nvPicPr>
-          <p:cNvPr id="3" name="그림 2"/>
+          <p:cNvPr id="2" name="그림 1"/>
           <p:cNvPicPr>
             <a:picLocks noChangeAspect="1"/>
           </p:cNvPicPr>
@@ -10378,8 +10389,8 @@
         </p:blipFill>
         <p:spPr>
           <a:xfrm>
-            <a:off x="377867" y="1268760"/>
-            <a:ext cx="9402295" cy="4248335"/>
+            <a:off x="272480" y="1685909"/>
+            <a:ext cx="9388654" cy="4191363"/>
           </a:xfrm>
           <a:prstGeom prst="rect">
             <a:avLst/>
@@ -10393,10 +10404,44 @@
           </a:ln>
         </p:spPr>
       </p:pic>
+      <p:sp>
+        <p:nvSpPr>
+          <p:cNvPr id="6" name="TextBox 5"/>
+          <p:cNvSpPr txBox="1"/>
+          <p:nvPr/>
+        </p:nvSpPr>
+        <p:spPr>
+          <a:xfrm>
+            <a:off x="6537176" y="1268760"/>
+            <a:ext cx="2808312" cy="400110"/>
+          </a:xfrm>
+          <a:prstGeom prst="rect">
+            <a:avLst/>
+          </a:prstGeom>
+          <a:noFill/>
+        </p:spPr>
+        <p:txBody>
+          <a:bodyPr wrap="square" rtlCol="0">
+            <a:spAutoFit/>
+          </a:bodyPr>
+          <a:lstStyle/>
+          <a:p>
+            <a:r>
+              <a:rPr lang="en-US" altLang="ko-KR" sz="2000" b="1" dirty="0" smtClean="0"/>
+              <a:t>MainController.java</a:t>
+            </a:r>
+            <a:r>
+              <a:rPr lang="ko-KR" altLang="en-US" b="1" dirty="0" smtClean="0"/>
+              <a:t> </a:t>
+            </a:r>
+            <a:endParaRPr lang="en-US" altLang="ko-KR" b="1" dirty="0" smtClean="0"/>
+          </a:p>
+        </p:txBody>
+      </p:sp>
     </p:spTree>
     <p:extLst>
       <p:ext uri="{BB962C8B-B14F-4D97-AF65-F5344CB8AC3E}">
-        <p14:creationId xmlns:p14="http://schemas.microsoft.com/office/powerpoint/2010/main" val="3669406876"/>
+        <p14:creationId xmlns:p14="http://schemas.microsoft.com/office/powerpoint/2010/main" val="2567995745"/>
       </p:ext>
     </p:extLst>
   </p:cSld>
@@ -10561,8 +10606,8 @@
         </p:blipFill>
         <p:spPr>
           <a:xfrm>
-            <a:off x="849274" y="1466680"/>
-            <a:ext cx="8207451" cy="3924640"/>
+            <a:off x="442275" y="1196752"/>
+            <a:ext cx="9273480" cy="4572538"/>
           </a:xfrm>
           <a:prstGeom prst="rect">
             <a:avLst/>
@@ -10576,10 +10621,44 @@
           </a:ln>
         </p:spPr>
       </p:pic>
+      <p:sp>
+        <p:nvSpPr>
+          <p:cNvPr id="6" name="TextBox 5"/>
+          <p:cNvSpPr txBox="1"/>
+          <p:nvPr/>
+        </p:nvSpPr>
+        <p:spPr>
+          <a:xfrm>
+            <a:off x="7401272" y="1916832"/>
+            <a:ext cx="2124236" cy="400110"/>
+          </a:xfrm>
+          <a:prstGeom prst="rect">
+            <a:avLst/>
+          </a:prstGeom>
+          <a:noFill/>
+        </p:spPr>
+        <p:txBody>
+          <a:bodyPr wrap="square" rtlCol="0">
+            <a:spAutoFit/>
+          </a:bodyPr>
+          <a:lstStyle/>
+          <a:p>
+            <a:r>
+              <a:rPr lang="ko-KR" altLang="en-US" sz="2000" dirty="0"/>
+              <a:t> </a:t>
+            </a:r>
+            <a:r>
+              <a:rPr lang="en-US" altLang="ko-KR" sz="2000" dirty="0" err="1" smtClean="0"/>
+              <a:t>boardList.jsp</a:t>
+            </a:r>
+            <a:endParaRPr lang="en-US" altLang="ko-KR" dirty="0" smtClean="0"/>
+          </a:p>
+        </p:txBody>
+      </p:sp>
     </p:spTree>
     <p:extLst>
       <p:ext uri="{BB962C8B-B14F-4D97-AF65-F5344CB8AC3E}">
-        <p14:creationId xmlns:p14="http://schemas.microsoft.com/office/powerpoint/2010/main" val="3180379265"/>
+        <p14:creationId xmlns:p14="http://schemas.microsoft.com/office/powerpoint/2010/main" val="680676920"/>
       </p:ext>
     </p:extLst>
   </p:cSld>
@@ -11038,8 +11117,8 @@
         </p:blipFill>
         <p:spPr>
           <a:xfrm>
-            <a:off x="539619" y="1196752"/>
-            <a:ext cx="9078791" cy="4436694"/>
+            <a:off x="1058842" y="1363801"/>
+            <a:ext cx="7788315" cy="4130398"/>
           </a:xfrm>
           <a:prstGeom prst="rect">
             <a:avLst/>
@@ -11053,44 +11132,10 @@
           </a:ln>
         </p:spPr>
       </p:pic>
-      <p:sp>
-        <p:nvSpPr>
-          <p:cNvPr id="6" name="TextBox 5"/>
-          <p:cNvSpPr txBox="1"/>
-          <p:nvPr/>
-        </p:nvSpPr>
-        <p:spPr>
-          <a:xfrm>
-            <a:off x="7401272" y="1484784"/>
-            <a:ext cx="1800200" cy="400110"/>
-          </a:xfrm>
-          <a:prstGeom prst="rect">
-            <a:avLst/>
-          </a:prstGeom>
-          <a:noFill/>
-        </p:spPr>
-        <p:txBody>
-          <a:bodyPr wrap="square" rtlCol="0">
-            <a:spAutoFit/>
-          </a:bodyPr>
-          <a:lstStyle/>
-          <a:p>
-            <a:r>
-              <a:rPr lang="ko-KR" altLang="en-US" sz="2000" dirty="0"/>
-              <a:t> </a:t>
-            </a:r>
-            <a:r>
-              <a:rPr lang="en-US" altLang="ko-KR" sz="2000" dirty="0" smtClean="0"/>
-              <a:t>style.css</a:t>
-            </a:r>
-            <a:endParaRPr lang="en-US" altLang="ko-KR" dirty="0" smtClean="0"/>
-          </a:p>
-        </p:txBody>
-      </p:sp>
     </p:spTree>
     <p:extLst>
       <p:ext uri="{BB962C8B-B14F-4D97-AF65-F5344CB8AC3E}">
-        <p14:creationId xmlns:p14="http://schemas.microsoft.com/office/powerpoint/2010/main" val="350231259"/>
+        <p14:creationId xmlns:p14="http://schemas.microsoft.com/office/powerpoint/2010/main" val="1422711746"/>
       </p:ext>
     </p:extLst>
   </p:cSld>
@@ -11235,7 +11280,7 @@
       </p:sp>
       <p:pic>
         <p:nvPicPr>
-          <p:cNvPr id="2" name="그림 1"/>
+          <p:cNvPr id="3" name="그림 2"/>
           <p:cNvPicPr>
             <a:picLocks noChangeAspect="1"/>
           </p:cNvPicPr>
@@ -11255,8 +11300,8 @@
         </p:blipFill>
         <p:spPr>
           <a:xfrm>
-            <a:off x="272480" y="1268760"/>
-            <a:ext cx="9482312" cy="4324753"/>
+            <a:off x="377867" y="1268760"/>
+            <a:ext cx="9402295" cy="4248335"/>
           </a:xfrm>
           <a:prstGeom prst="rect">
             <a:avLst/>
@@ -11273,7 +11318,7 @@
     </p:spTree>
     <p:extLst>
       <p:ext uri="{BB962C8B-B14F-4D97-AF65-F5344CB8AC3E}">
-        <p14:creationId xmlns:p14="http://schemas.microsoft.com/office/powerpoint/2010/main" val="3249944137"/>
+        <p14:creationId xmlns:p14="http://schemas.microsoft.com/office/powerpoint/2010/main" val="3669406876"/>
       </p:ext>
     </p:extLst>
   </p:cSld>
@@ -11418,7 +11463,7 @@
       </p:sp>
       <p:pic>
         <p:nvPicPr>
-          <p:cNvPr id="3" name="그림 2"/>
+          <p:cNvPr id="2" name="그림 1"/>
           <p:cNvPicPr>
             <a:picLocks noChangeAspect="1"/>
           </p:cNvPicPr>
@@ -11438,8 +11483,8 @@
         </p:blipFill>
         <p:spPr>
           <a:xfrm>
-            <a:off x="183502" y="1340768"/>
-            <a:ext cx="9524602" cy="4176681"/>
+            <a:off x="849274" y="1466680"/>
+            <a:ext cx="8207451" cy="3924640"/>
           </a:xfrm>
           <a:prstGeom prst="rect">
             <a:avLst/>
@@ -11456,7 +11501,7 @@
     </p:spTree>
     <p:extLst>
       <p:ext uri="{BB962C8B-B14F-4D97-AF65-F5344CB8AC3E}">
-        <p14:creationId xmlns:p14="http://schemas.microsoft.com/office/powerpoint/2010/main" val="1876094832"/>
+        <p14:creationId xmlns:p14="http://schemas.microsoft.com/office/powerpoint/2010/main" val="3180379265"/>
       </p:ext>
     </p:extLst>
   </p:cSld>
@@ -11621,8 +11666,8 @@
         </p:blipFill>
         <p:spPr>
           <a:xfrm>
-            <a:off x="2000672" y="962472"/>
-            <a:ext cx="5034006" cy="5186552"/>
+            <a:off x="539619" y="1196752"/>
+            <a:ext cx="9078791" cy="4436694"/>
           </a:xfrm>
           <a:prstGeom prst="rect">
             <a:avLst/>
@@ -11636,10 +11681,44 @@
           </a:ln>
         </p:spPr>
       </p:pic>
+      <p:sp>
+        <p:nvSpPr>
+          <p:cNvPr id="6" name="TextBox 5"/>
+          <p:cNvSpPr txBox="1"/>
+          <p:nvPr/>
+        </p:nvSpPr>
+        <p:spPr>
+          <a:xfrm>
+            <a:off x="7401272" y="1484784"/>
+            <a:ext cx="1800200" cy="400110"/>
+          </a:xfrm>
+          <a:prstGeom prst="rect">
+            <a:avLst/>
+          </a:prstGeom>
+          <a:noFill/>
+        </p:spPr>
+        <p:txBody>
+          <a:bodyPr wrap="square" rtlCol="0">
+            <a:spAutoFit/>
+          </a:bodyPr>
+          <a:lstStyle/>
+          <a:p>
+            <a:r>
+              <a:rPr lang="ko-KR" altLang="en-US" sz="2000" dirty="0"/>
+              <a:t> </a:t>
+            </a:r>
+            <a:r>
+              <a:rPr lang="en-US" altLang="ko-KR" sz="2000" dirty="0" smtClean="0"/>
+              <a:t>style.css</a:t>
+            </a:r>
+            <a:endParaRPr lang="en-US" altLang="ko-KR" dirty="0" smtClean="0"/>
+          </a:p>
+        </p:txBody>
+      </p:sp>
     </p:spTree>
     <p:extLst>
       <p:ext uri="{BB962C8B-B14F-4D97-AF65-F5344CB8AC3E}">
-        <p14:creationId xmlns:p14="http://schemas.microsoft.com/office/powerpoint/2010/main" val="2233465603"/>
+        <p14:creationId xmlns:p14="http://schemas.microsoft.com/office/powerpoint/2010/main" val="350231259"/>
       </p:ext>
     </p:extLst>
   </p:cSld>
@@ -11804,8 +11883,8 @@
         </p:blipFill>
         <p:spPr>
           <a:xfrm>
-            <a:off x="272480" y="1196752"/>
-            <a:ext cx="9387054" cy="4240028"/>
+            <a:off x="272480" y="1268760"/>
+            <a:ext cx="9482312" cy="4324753"/>
           </a:xfrm>
           <a:prstGeom prst="rect">
             <a:avLst/>
@@ -11819,44 +11898,10 @@
           </a:ln>
         </p:spPr>
       </p:pic>
-      <p:sp>
-        <p:nvSpPr>
-          <p:cNvPr id="6" name="TextBox 5"/>
-          <p:cNvSpPr txBox="1"/>
-          <p:nvPr/>
-        </p:nvSpPr>
-        <p:spPr>
-          <a:xfrm>
-            <a:off x="7401272" y="1916832"/>
-            <a:ext cx="2124236" cy="400110"/>
-          </a:xfrm>
-          <a:prstGeom prst="rect">
-            <a:avLst/>
-          </a:prstGeom>
-          <a:noFill/>
-        </p:spPr>
-        <p:txBody>
-          <a:bodyPr wrap="square" rtlCol="0">
-            <a:spAutoFit/>
-          </a:bodyPr>
-          <a:lstStyle/>
-          <a:p>
-            <a:r>
-              <a:rPr lang="ko-KR" altLang="en-US" sz="2000" dirty="0"/>
-              <a:t> </a:t>
-            </a:r>
-            <a:r>
-              <a:rPr lang="en-US" altLang="ko-KR" sz="2000" dirty="0" err="1" smtClean="0"/>
-              <a:t>boardForm.jsp</a:t>
-            </a:r>
-            <a:endParaRPr lang="en-US" altLang="ko-KR" dirty="0" smtClean="0"/>
-          </a:p>
-        </p:txBody>
-      </p:sp>
     </p:spTree>
     <p:extLst>
       <p:ext uri="{BB962C8B-B14F-4D97-AF65-F5344CB8AC3E}">
-        <p14:creationId xmlns:p14="http://schemas.microsoft.com/office/powerpoint/2010/main" val="4215633936"/>
+        <p14:creationId xmlns:p14="http://schemas.microsoft.com/office/powerpoint/2010/main" val="3249944137"/>
       </p:ext>
     </p:extLst>
   </p:cSld>
@@ -12021,8 +12066,8 @@
         </p:blipFill>
         <p:spPr>
           <a:xfrm>
-            <a:off x="361552" y="1497162"/>
-            <a:ext cx="9182896" cy="3863675"/>
+            <a:off x="183502" y="1340768"/>
+            <a:ext cx="9524602" cy="4176681"/>
           </a:xfrm>
           <a:prstGeom prst="rect">
             <a:avLst/>
@@ -12039,7 +12084,7 @@
     </p:spTree>
     <p:extLst>
       <p:ext uri="{BB962C8B-B14F-4D97-AF65-F5344CB8AC3E}">
-        <p14:creationId xmlns:p14="http://schemas.microsoft.com/office/powerpoint/2010/main" val="1739116278"/>
+        <p14:creationId xmlns:p14="http://schemas.microsoft.com/office/powerpoint/2010/main" val="1876094832"/>
       </p:ext>
     </p:extLst>
   </p:cSld>
@@ -12204,8 +12249,8 @@
         </p:blipFill>
         <p:spPr>
           <a:xfrm>
-            <a:off x="1928664" y="899592"/>
-            <a:ext cx="5171566" cy="5470748"/>
+            <a:off x="2000672" y="962472"/>
+            <a:ext cx="5034006" cy="5186552"/>
           </a:xfrm>
           <a:prstGeom prst="rect">
             <a:avLst/>
@@ -12222,7 +12267,7 @@
     </p:spTree>
     <p:extLst>
       <p:ext uri="{BB962C8B-B14F-4D97-AF65-F5344CB8AC3E}">
-        <p14:creationId xmlns:p14="http://schemas.microsoft.com/office/powerpoint/2010/main" val="1507220811"/>
+        <p14:creationId xmlns:p14="http://schemas.microsoft.com/office/powerpoint/2010/main" val="2233465603"/>
       </p:ext>
     </p:extLst>
   </p:cSld>
@@ -12387,8 +12432,8 @@
         </p:blipFill>
         <p:spPr>
           <a:xfrm>
-            <a:off x="485879" y="1340768"/>
-            <a:ext cx="9186271" cy="4150727"/>
+            <a:off x="272480" y="1196752"/>
+            <a:ext cx="9387054" cy="4240028"/>
           </a:xfrm>
           <a:prstGeom prst="rect">
             <a:avLst/>
@@ -12410,7 +12455,7 @@
         </p:nvSpPr>
         <p:spPr>
           <a:xfrm>
-            <a:off x="7401272" y="1628800"/>
+            <a:off x="7401272" y="1916832"/>
             <a:ext cx="2124236" cy="400110"/>
           </a:xfrm>
           <a:prstGeom prst="rect">
@@ -12430,7 +12475,7 @@
             </a:r>
             <a:r>
               <a:rPr lang="en-US" altLang="ko-KR" sz="2000" dirty="0" err="1" smtClean="0"/>
-              <a:t>boardView.jsp</a:t>
+              <a:t>boardForm.jsp</a:t>
             </a:r>
             <a:endParaRPr lang="en-US" altLang="ko-KR" dirty="0" smtClean="0"/>
           </a:p>
@@ -12439,7 +12484,7 @@
     </p:spTree>
     <p:extLst>
       <p:ext uri="{BB962C8B-B14F-4D97-AF65-F5344CB8AC3E}">
-        <p14:creationId xmlns:p14="http://schemas.microsoft.com/office/powerpoint/2010/main" val="268400518"/>
+        <p14:creationId xmlns:p14="http://schemas.microsoft.com/office/powerpoint/2010/main" val="4215633936"/>
       </p:ext>
     </p:extLst>
   </p:cSld>
@@ -12604,8 +12649,8 @@
         </p:blipFill>
         <p:spPr>
           <a:xfrm>
-            <a:off x="152400" y="1628800"/>
-            <a:ext cx="9554171" cy="3456384"/>
+            <a:off x="361552" y="1497162"/>
+            <a:ext cx="9182896" cy="3863675"/>
           </a:xfrm>
           <a:prstGeom prst="rect">
             <a:avLst/>
@@ -12622,7 +12667,7 @@
     </p:spTree>
     <p:extLst>
       <p:ext uri="{BB962C8B-B14F-4D97-AF65-F5344CB8AC3E}">
-        <p14:creationId xmlns:p14="http://schemas.microsoft.com/office/powerpoint/2010/main" val="3885146210"/>
+        <p14:creationId xmlns:p14="http://schemas.microsoft.com/office/powerpoint/2010/main" val="1739116278"/>
       </p:ext>
     </p:extLst>
   </p:cSld>
@@ -12787,8 +12832,8 @@
         </p:blipFill>
         <p:spPr>
           <a:xfrm>
-            <a:off x="2360712" y="962472"/>
-            <a:ext cx="4831520" cy="5190268"/>
+            <a:off x="1928664" y="899592"/>
+            <a:ext cx="5171566" cy="5470748"/>
           </a:xfrm>
           <a:prstGeom prst="rect">
             <a:avLst/>
@@ -12805,7 +12850,7 @@
     </p:spTree>
     <p:extLst>
       <p:ext uri="{BB962C8B-B14F-4D97-AF65-F5344CB8AC3E}">
-        <p14:creationId xmlns:p14="http://schemas.microsoft.com/office/powerpoint/2010/main" val="1533421225"/>
+        <p14:creationId xmlns:p14="http://schemas.microsoft.com/office/powerpoint/2010/main" val="1507220811"/>
       </p:ext>
     </p:extLst>
   </p:cSld>
@@ -13230,8 +13275,8 @@
         </p:blipFill>
         <p:spPr>
           <a:xfrm>
-            <a:off x="344488" y="1124744"/>
-            <a:ext cx="9269710" cy="4613130"/>
+            <a:off x="485879" y="1340768"/>
+            <a:ext cx="9186271" cy="4150727"/>
           </a:xfrm>
           <a:prstGeom prst="rect">
             <a:avLst/>
@@ -13253,8 +13298,8 @@
         </p:nvSpPr>
         <p:spPr>
           <a:xfrm>
-            <a:off x="7185248" y="1268760"/>
-            <a:ext cx="2268252" cy="400110"/>
+            <a:off x="7401272" y="1628800"/>
+            <a:ext cx="2124236" cy="400110"/>
           </a:xfrm>
           <a:prstGeom prst="rect">
             <a:avLst/>
@@ -13273,7 +13318,7 @@
             </a:r>
             <a:r>
               <a:rPr lang="en-US" altLang="ko-KR" sz="2000" dirty="0" err="1" smtClean="0"/>
-              <a:t>boardUpdate.jsp</a:t>
+              <a:t>boardView.jsp</a:t>
             </a:r>
             <a:endParaRPr lang="en-US" altLang="ko-KR" dirty="0" smtClean="0"/>
           </a:p>
@@ -13282,7 +13327,7 @@
     </p:spTree>
     <p:extLst>
       <p:ext uri="{BB962C8B-B14F-4D97-AF65-F5344CB8AC3E}">
-        <p14:creationId xmlns:p14="http://schemas.microsoft.com/office/powerpoint/2010/main" val="215050432"/>
+        <p14:creationId xmlns:p14="http://schemas.microsoft.com/office/powerpoint/2010/main" val="268400518"/>
       </p:ext>
     </p:extLst>
   </p:cSld>
@@ -13433,7 +13478,7 @@
           </p:cNvPicPr>
           <p:nvPr/>
         </p:nvPicPr>
-        <p:blipFill rotWithShape="1">
+        <p:blipFill>
           <a:blip r:embed="rId2">
             <a:extLst>
               <a:ext uri="{28A0092B-C50C-407E-A947-70E740481C1C}">
@@ -13441,13 +13486,14 @@
               </a:ext>
             </a:extLst>
           </a:blip>
-          <a:srcRect t="2415"/>
-          <a:stretch/>
+          <a:stretch>
+            <a:fillRect/>
+          </a:stretch>
         </p:blipFill>
         <p:spPr>
           <a:xfrm>
-            <a:off x="468241" y="1412776"/>
-            <a:ext cx="8969517" cy="4134767"/>
+            <a:off x="152400" y="1628800"/>
+            <a:ext cx="9554171" cy="3456384"/>
           </a:xfrm>
           <a:prstGeom prst="rect">
             <a:avLst/>
@@ -13461,44 +13507,10 @@
           </a:ln>
         </p:spPr>
       </p:pic>
-      <p:sp>
-        <p:nvSpPr>
-          <p:cNvPr id="6" name="TextBox 5"/>
-          <p:cNvSpPr txBox="1"/>
-          <p:nvPr/>
-        </p:nvSpPr>
-        <p:spPr>
-          <a:xfrm>
-            <a:off x="7113240" y="2420888"/>
-            <a:ext cx="2268252" cy="400110"/>
-          </a:xfrm>
-          <a:prstGeom prst="rect">
-            <a:avLst/>
-          </a:prstGeom>
-          <a:noFill/>
-        </p:spPr>
-        <p:txBody>
-          <a:bodyPr wrap="square" rtlCol="0">
-            <a:spAutoFit/>
-          </a:bodyPr>
-          <a:lstStyle/>
-          <a:p>
-            <a:r>
-              <a:rPr lang="ko-KR" altLang="en-US" sz="2000" dirty="0"/>
-              <a:t> </a:t>
-            </a:r>
-            <a:r>
-              <a:rPr lang="en-US" altLang="ko-KR" sz="2000" dirty="0" err="1" smtClean="0"/>
-              <a:t>boardUpdate.jsp</a:t>
-            </a:r>
-            <a:endParaRPr lang="en-US" altLang="ko-KR" dirty="0" smtClean="0"/>
-          </a:p>
-        </p:txBody>
-      </p:sp>
     </p:spTree>
     <p:extLst>
       <p:ext uri="{BB962C8B-B14F-4D97-AF65-F5344CB8AC3E}">
-        <p14:creationId xmlns:p14="http://schemas.microsoft.com/office/powerpoint/2010/main" val="2846280927"/>
+        <p14:creationId xmlns:p14="http://schemas.microsoft.com/office/powerpoint/2010/main" val="3885146210"/>
       </p:ext>
     </p:extLst>
   </p:cSld>
@@ -13617,18 +13629,25 @@
               <a:t> </a:t>
             </a:r>
             <a:r>
-              <a:rPr lang="en-US" altLang="ko-KR" b="1" dirty="0">
-                <a:latin typeface="휴먼엑스포" panose="02030504000101010101" pitchFamily="18" charset="-127"/>
-                <a:ea typeface="휴먼엑스포" panose="02030504000101010101" pitchFamily="18" charset="-127"/>
-              </a:rPr>
-              <a:t> </a:t>
+              <a:rPr lang="en-US" altLang="ko-KR" b="1" dirty="0" smtClean="0">
+                <a:latin typeface="휴먼엑스포" panose="02030504000101010101" pitchFamily="18" charset="-127"/>
+                <a:ea typeface="휴먼엑스포" panose="02030504000101010101" pitchFamily="18" charset="-127"/>
+              </a:rPr>
+              <a:t>MVC</a:t>
             </a:r>
             <a:r>
               <a:rPr lang="ko-KR" altLang="en-US" b="1" dirty="0" smtClean="0">
                 <a:latin typeface="휴먼엑스포" panose="02030504000101010101" pitchFamily="18" charset="-127"/>
                 <a:ea typeface="휴먼엑스포" panose="02030504000101010101" pitchFamily="18" charset="-127"/>
               </a:rPr>
-              <a:t>댓글 구현</a:t>
+              <a:t>를 이용한 </a:t>
+            </a:r>
+            <a:r>
+              <a:rPr lang="ko-KR" altLang="en-US" b="1" dirty="0">
+                <a:latin typeface="휴먼엑스포" panose="02030504000101010101" pitchFamily="18" charset="-127"/>
+                <a:ea typeface="휴먼엑스포" panose="02030504000101010101" pitchFamily="18" charset="-127"/>
+              </a:rPr>
+              <a:t>게시판 관리</a:t>
             </a:r>
             <a:endParaRPr lang="ko-KR" altLang="en-US" dirty="0"/>
           </a:p>
@@ -13636,7 +13655,7 @@
       </p:sp>
       <p:pic>
         <p:nvPicPr>
-          <p:cNvPr id="7" name="그림 6"/>
+          <p:cNvPr id="2" name="그림 1"/>
           <p:cNvPicPr>
             <a:picLocks noChangeAspect="1"/>
           </p:cNvPicPr>
@@ -13656,8 +13675,8 @@
         </p:blipFill>
         <p:spPr>
           <a:xfrm>
-            <a:off x="2144688" y="1052736"/>
-            <a:ext cx="5678267" cy="5075266"/>
+            <a:off x="2360712" y="962472"/>
+            <a:ext cx="4831520" cy="5190268"/>
           </a:xfrm>
           <a:prstGeom prst="rect">
             <a:avLst/>
@@ -13674,7 +13693,7 @@
     </p:spTree>
     <p:extLst>
       <p:ext uri="{BB962C8B-B14F-4D97-AF65-F5344CB8AC3E}">
-        <p14:creationId xmlns:p14="http://schemas.microsoft.com/office/powerpoint/2010/main" val="41075602"/>
+        <p14:creationId xmlns:p14="http://schemas.microsoft.com/office/powerpoint/2010/main" val="1533421225"/>
       </p:ext>
     </p:extLst>
   </p:cSld>
@@ -13793,18 +13812,25 @@
               <a:t> </a:t>
             </a:r>
             <a:r>
-              <a:rPr lang="en-US" altLang="ko-KR" b="1" dirty="0">
-                <a:latin typeface="휴먼엑스포" panose="02030504000101010101" pitchFamily="18" charset="-127"/>
-                <a:ea typeface="휴먼엑스포" panose="02030504000101010101" pitchFamily="18" charset="-127"/>
-              </a:rPr>
-              <a:t> </a:t>
+              <a:rPr lang="en-US" altLang="ko-KR" b="1" dirty="0" smtClean="0">
+                <a:latin typeface="휴먼엑스포" panose="02030504000101010101" pitchFamily="18" charset="-127"/>
+                <a:ea typeface="휴먼엑스포" panose="02030504000101010101" pitchFamily="18" charset="-127"/>
+              </a:rPr>
+              <a:t>MVC</a:t>
             </a:r>
             <a:r>
               <a:rPr lang="ko-KR" altLang="en-US" b="1" dirty="0" smtClean="0">
                 <a:latin typeface="휴먼엑스포" panose="02030504000101010101" pitchFamily="18" charset="-127"/>
                 <a:ea typeface="휴먼엑스포" panose="02030504000101010101" pitchFamily="18" charset="-127"/>
               </a:rPr>
-              <a:t>댓글 구현</a:t>
+              <a:t>를 이용한 </a:t>
+            </a:r>
+            <a:r>
+              <a:rPr lang="ko-KR" altLang="en-US" b="1" dirty="0">
+                <a:latin typeface="휴먼엑스포" panose="02030504000101010101" pitchFamily="18" charset="-127"/>
+                <a:ea typeface="휴먼엑스포" panose="02030504000101010101" pitchFamily="18" charset="-127"/>
+              </a:rPr>
+              <a:t>게시판 관리</a:t>
             </a:r>
             <a:endParaRPr lang="ko-KR" altLang="en-US" dirty="0"/>
           </a:p>
@@ -13812,7 +13838,7 @@
       </p:sp>
       <p:pic>
         <p:nvPicPr>
-          <p:cNvPr id="3" name="그림 2"/>
+          <p:cNvPr id="2" name="그림 1"/>
           <p:cNvPicPr>
             <a:picLocks noChangeAspect="1"/>
           </p:cNvPicPr>
@@ -13832,8 +13858,8 @@
         </p:blipFill>
         <p:spPr>
           <a:xfrm>
-            <a:off x="2144688" y="1196752"/>
-            <a:ext cx="5334245" cy="5065291"/>
+            <a:off x="344488" y="1124744"/>
+            <a:ext cx="9269710" cy="4613130"/>
           </a:xfrm>
           <a:prstGeom prst="rect">
             <a:avLst/>
@@ -13847,10 +13873,44 @@
           </a:ln>
         </p:spPr>
       </p:pic>
+      <p:sp>
+        <p:nvSpPr>
+          <p:cNvPr id="6" name="TextBox 5"/>
+          <p:cNvSpPr txBox="1"/>
+          <p:nvPr/>
+        </p:nvSpPr>
+        <p:spPr>
+          <a:xfrm>
+            <a:off x="7185248" y="1268760"/>
+            <a:ext cx="2268252" cy="400110"/>
+          </a:xfrm>
+          <a:prstGeom prst="rect">
+            <a:avLst/>
+          </a:prstGeom>
+          <a:noFill/>
+        </p:spPr>
+        <p:txBody>
+          <a:bodyPr wrap="square" rtlCol="0">
+            <a:spAutoFit/>
+          </a:bodyPr>
+          <a:lstStyle/>
+          <a:p>
+            <a:r>
+              <a:rPr lang="ko-KR" altLang="en-US" sz="2000" dirty="0"/>
+              <a:t> </a:t>
+            </a:r>
+            <a:r>
+              <a:rPr lang="en-US" altLang="ko-KR" sz="2000" dirty="0" err="1" smtClean="0"/>
+              <a:t>boardUpdate.jsp</a:t>
+            </a:r>
+            <a:endParaRPr lang="en-US" altLang="ko-KR" dirty="0" smtClean="0"/>
+          </a:p>
+        </p:txBody>
+      </p:sp>
     </p:spTree>
     <p:extLst>
       <p:ext uri="{BB962C8B-B14F-4D97-AF65-F5344CB8AC3E}">
-        <p14:creationId xmlns:p14="http://schemas.microsoft.com/office/powerpoint/2010/main" val="2940585603"/>
+        <p14:creationId xmlns:p14="http://schemas.microsoft.com/office/powerpoint/2010/main" val="215050432"/>
       </p:ext>
     </p:extLst>
   </p:cSld>
@@ -13969,18 +14029,25 @@
               <a:t> </a:t>
             </a:r>
             <a:r>
-              <a:rPr lang="en-US" altLang="ko-KR" b="1" dirty="0">
-                <a:latin typeface="휴먼엑스포" panose="02030504000101010101" pitchFamily="18" charset="-127"/>
-                <a:ea typeface="휴먼엑스포" panose="02030504000101010101" pitchFamily="18" charset="-127"/>
-              </a:rPr>
-              <a:t> </a:t>
+              <a:rPr lang="en-US" altLang="ko-KR" b="1" dirty="0" smtClean="0">
+                <a:latin typeface="휴먼엑스포" panose="02030504000101010101" pitchFamily="18" charset="-127"/>
+                <a:ea typeface="휴먼엑스포" panose="02030504000101010101" pitchFamily="18" charset="-127"/>
+              </a:rPr>
+              <a:t>MVC</a:t>
             </a:r>
             <a:r>
               <a:rPr lang="ko-KR" altLang="en-US" b="1" dirty="0" smtClean="0">
                 <a:latin typeface="휴먼엑스포" panose="02030504000101010101" pitchFamily="18" charset="-127"/>
                 <a:ea typeface="휴먼엑스포" panose="02030504000101010101" pitchFamily="18" charset="-127"/>
               </a:rPr>
-              <a:t>댓글 구현</a:t>
+              <a:t>를 이용한 </a:t>
+            </a:r>
+            <a:r>
+              <a:rPr lang="ko-KR" altLang="en-US" b="1" dirty="0">
+                <a:latin typeface="휴먼엑스포" panose="02030504000101010101" pitchFamily="18" charset="-127"/>
+                <a:ea typeface="휴먼엑스포" panose="02030504000101010101" pitchFamily="18" charset="-127"/>
+              </a:rPr>
+              <a:t>게시판 관리</a:t>
             </a:r>
             <a:endParaRPr lang="ko-KR" altLang="en-US" dirty="0"/>
           </a:p>
@@ -13988,13 +14055,13 @@
       </p:sp>
       <p:pic>
         <p:nvPicPr>
-          <p:cNvPr id="2" name="그림 1"/>
+          <p:cNvPr id="3" name="그림 2"/>
           <p:cNvPicPr>
             <a:picLocks noChangeAspect="1"/>
           </p:cNvPicPr>
           <p:nvPr/>
         </p:nvPicPr>
-        <p:blipFill>
+        <p:blipFill rotWithShape="1">
           <a:blip r:embed="rId2">
             <a:extLst>
               <a:ext uri="{28A0092B-C50C-407E-A947-70E740481C1C}">
@@ -14002,14 +14069,13 @@
               </a:ext>
             </a:extLst>
           </a:blip>
-          <a:stretch>
-            <a:fillRect/>
-          </a:stretch>
+          <a:srcRect t="2415"/>
+          <a:stretch/>
         </p:blipFill>
         <p:spPr>
           <a:xfrm>
-            <a:off x="344488" y="1556792"/>
-            <a:ext cx="9289032" cy="3836469"/>
+            <a:off x="468241" y="1412776"/>
+            <a:ext cx="8969517" cy="4134767"/>
           </a:xfrm>
           <a:prstGeom prst="rect">
             <a:avLst/>
@@ -14031,7 +14097,7 @@
         </p:nvSpPr>
         <p:spPr>
           <a:xfrm>
-            <a:off x="7113240" y="1772816"/>
+            <a:off x="7113240" y="2420888"/>
             <a:ext cx="2268252" cy="400110"/>
           </a:xfrm>
           <a:prstGeom prst="rect">
@@ -14051,7 +14117,7 @@
             </a:r>
             <a:r>
               <a:rPr lang="en-US" altLang="ko-KR" sz="2000" dirty="0" err="1" smtClean="0"/>
-              <a:t>boardView.jsp</a:t>
+              <a:t>boardUpdate.jsp</a:t>
             </a:r>
             <a:endParaRPr lang="en-US" altLang="ko-KR" dirty="0" smtClean="0"/>
           </a:p>
@@ -14060,7 +14126,7 @@
     </p:spTree>
     <p:extLst>
       <p:ext uri="{BB962C8B-B14F-4D97-AF65-F5344CB8AC3E}">
-        <p14:creationId xmlns:p14="http://schemas.microsoft.com/office/powerpoint/2010/main" val="2922942482"/>
+        <p14:creationId xmlns:p14="http://schemas.microsoft.com/office/powerpoint/2010/main" val="2846280927"/>
       </p:ext>
     </p:extLst>
   </p:cSld>
@@ -14198,7 +14264,7 @@
       </p:sp>
       <p:pic>
         <p:nvPicPr>
-          <p:cNvPr id="3" name="그림 2"/>
+          <p:cNvPr id="7" name="그림 6"/>
           <p:cNvPicPr>
             <a:picLocks noChangeAspect="1"/>
           </p:cNvPicPr>
@@ -14218,8 +14284,8 @@
         </p:blipFill>
         <p:spPr>
           <a:xfrm>
-            <a:off x="418707" y="1226629"/>
-            <a:ext cx="9068586" cy="4404742"/>
+            <a:off x="2144688" y="1052736"/>
+            <a:ext cx="5678267" cy="5075266"/>
           </a:xfrm>
           <a:prstGeom prst="rect">
             <a:avLst/>
@@ -14236,7 +14302,7 @@
     </p:spTree>
     <p:extLst>
       <p:ext uri="{BB962C8B-B14F-4D97-AF65-F5344CB8AC3E}">
-        <p14:creationId xmlns:p14="http://schemas.microsoft.com/office/powerpoint/2010/main" val="4119877655"/>
+        <p14:creationId xmlns:p14="http://schemas.microsoft.com/office/powerpoint/2010/main" val="41075602"/>
       </p:ext>
     </p:extLst>
   </p:cSld>
@@ -14374,7 +14440,7 @@
       </p:sp>
       <p:pic>
         <p:nvPicPr>
-          <p:cNvPr id="2" name="그림 1"/>
+          <p:cNvPr id="3" name="그림 2"/>
           <p:cNvPicPr>
             <a:picLocks noChangeAspect="1"/>
           </p:cNvPicPr>
@@ -14394,8 +14460,8 @@
         </p:blipFill>
         <p:spPr>
           <a:xfrm>
-            <a:off x="1401772" y="1691489"/>
-            <a:ext cx="7102455" cy="3475021"/>
+            <a:off x="2144688" y="1196752"/>
+            <a:ext cx="5334245" cy="5065291"/>
           </a:xfrm>
           <a:prstGeom prst="rect">
             <a:avLst/>
@@ -14412,7 +14478,7 @@
     </p:spTree>
     <p:extLst>
       <p:ext uri="{BB962C8B-B14F-4D97-AF65-F5344CB8AC3E}">
-        <p14:creationId xmlns:p14="http://schemas.microsoft.com/office/powerpoint/2010/main" val="655409306"/>
+        <p14:creationId xmlns:p14="http://schemas.microsoft.com/office/powerpoint/2010/main" val="2940585603"/>
       </p:ext>
     </p:extLst>
   </p:cSld>
@@ -14550,7 +14616,7 @@
       </p:sp>
       <p:pic>
         <p:nvPicPr>
-          <p:cNvPr id="3" name="그림 2"/>
+          <p:cNvPr id="2" name="그림 1"/>
           <p:cNvPicPr>
             <a:picLocks noChangeAspect="1"/>
           </p:cNvPicPr>
@@ -14570,8 +14636,8 @@
         </p:blipFill>
         <p:spPr>
           <a:xfrm>
-            <a:off x="1992373" y="1531455"/>
-            <a:ext cx="5921253" cy="3795089"/>
+            <a:off x="344488" y="1556792"/>
+            <a:ext cx="9289032" cy="3836469"/>
           </a:xfrm>
           <a:prstGeom prst="rect">
             <a:avLst/>
@@ -14585,10 +14651,44 @@
           </a:ln>
         </p:spPr>
       </p:pic>
+      <p:sp>
+        <p:nvSpPr>
+          <p:cNvPr id="6" name="TextBox 5"/>
+          <p:cNvSpPr txBox="1"/>
+          <p:nvPr/>
+        </p:nvSpPr>
+        <p:spPr>
+          <a:xfrm>
+            <a:off x="7113240" y="1772816"/>
+            <a:ext cx="2268252" cy="400110"/>
+          </a:xfrm>
+          <a:prstGeom prst="rect">
+            <a:avLst/>
+          </a:prstGeom>
+          <a:noFill/>
+        </p:spPr>
+        <p:txBody>
+          <a:bodyPr wrap="square" rtlCol="0">
+            <a:spAutoFit/>
+          </a:bodyPr>
+          <a:lstStyle/>
+          <a:p>
+            <a:r>
+              <a:rPr lang="ko-KR" altLang="en-US" sz="2000" dirty="0"/>
+              <a:t> </a:t>
+            </a:r>
+            <a:r>
+              <a:rPr lang="en-US" altLang="ko-KR" sz="2000" dirty="0" err="1" smtClean="0"/>
+              <a:t>boardView.jsp</a:t>
+            </a:r>
+            <a:endParaRPr lang="en-US" altLang="ko-KR" dirty="0" smtClean="0"/>
+          </a:p>
+        </p:txBody>
+      </p:sp>
     </p:spTree>
     <p:extLst>
       <p:ext uri="{BB962C8B-B14F-4D97-AF65-F5344CB8AC3E}">
-        <p14:creationId xmlns:p14="http://schemas.microsoft.com/office/powerpoint/2010/main" val="3032274173"/>
+        <p14:creationId xmlns:p14="http://schemas.microsoft.com/office/powerpoint/2010/main" val="2922942482"/>
       </p:ext>
     </p:extLst>
   </p:cSld>
@@ -14726,7 +14826,7 @@
       </p:sp>
       <p:pic>
         <p:nvPicPr>
-          <p:cNvPr id="2" name="그림 1"/>
+          <p:cNvPr id="3" name="그림 2"/>
           <p:cNvPicPr>
             <a:picLocks noChangeAspect="1"/>
           </p:cNvPicPr>
@@ -14746,8 +14846,8 @@
         </p:blipFill>
         <p:spPr>
           <a:xfrm>
-            <a:off x="992560" y="1556792"/>
-            <a:ext cx="7887383" cy="4168501"/>
+            <a:off x="418707" y="1226629"/>
+            <a:ext cx="9068586" cy="4404742"/>
           </a:xfrm>
           <a:prstGeom prst="rect">
             <a:avLst/>
@@ -14761,44 +14861,10 @@
           </a:ln>
         </p:spPr>
       </p:pic>
-      <p:sp>
-        <p:nvSpPr>
-          <p:cNvPr id="6" name="TextBox 5"/>
-          <p:cNvSpPr txBox="1"/>
-          <p:nvPr/>
-        </p:nvSpPr>
-        <p:spPr>
-          <a:xfrm>
-            <a:off x="6609184" y="1772816"/>
-            <a:ext cx="2980382" cy="400110"/>
-          </a:xfrm>
-          <a:prstGeom prst="rect">
-            <a:avLst/>
-          </a:prstGeom>
-          <a:noFill/>
-        </p:spPr>
-        <p:txBody>
-          <a:bodyPr wrap="square" rtlCol="0">
-            <a:spAutoFit/>
-          </a:bodyPr>
-          <a:lstStyle/>
-          <a:p>
-            <a:r>
-              <a:rPr lang="ko-KR" altLang="en-US" sz="2000" dirty="0"/>
-              <a:t> </a:t>
-            </a:r>
-            <a:r>
-              <a:rPr lang="en-US" altLang="ko-KR" sz="2000" dirty="0" err="1" smtClean="0"/>
-              <a:t>replyUpdateForm.jsp</a:t>
-            </a:r>
-            <a:endParaRPr lang="en-US" altLang="ko-KR" dirty="0" smtClean="0"/>
-          </a:p>
-        </p:txBody>
-      </p:sp>
     </p:spTree>
     <p:extLst>
       <p:ext uri="{BB962C8B-B14F-4D97-AF65-F5344CB8AC3E}">
-        <p14:creationId xmlns:p14="http://schemas.microsoft.com/office/powerpoint/2010/main" val="2206573610"/>
+        <p14:creationId xmlns:p14="http://schemas.microsoft.com/office/powerpoint/2010/main" val="4119877655"/>
       </p:ext>
     </p:extLst>
   </p:cSld>
@@ -14936,7 +15002,7 @@
       </p:sp>
       <p:pic>
         <p:nvPicPr>
-          <p:cNvPr id="3" name="그림 2"/>
+          <p:cNvPr id="2" name="그림 1"/>
           <p:cNvPicPr>
             <a:picLocks noChangeAspect="1"/>
           </p:cNvPicPr>
@@ -14956,8 +15022,8 @@
         </p:blipFill>
         <p:spPr>
           <a:xfrm>
-            <a:off x="1320485" y="3429000"/>
-            <a:ext cx="6569009" cy="1691787"/>
+            <a:off x="1401772" y="1691489"/>
+            <a:ext cx="7102455" cy="3475021"/>
           </a:xfrm>
           <a:prstGeom prst="rect">
             <a:avLst/>
@@ -14971,173 +15037,10 @@
           </a:ln>
         </p:spPr>
       </p:pic>
-      <p:sp>
-        <p:nvSpPr>
-          <p:cNvPr id="6" name="TextBox 5"/>
-          <p:cNvSpPr txBox="1"/>
-          <p:nvPr/>
-        </p:nvSpPr>
-        <p:spPr>
-          <a:xfrm>
-            <a:off x="6969224" y="3760925"/>
-            <a:ext cx="2016224" cy="369332"/>
-          </a:xfrm>
-          <a:prstGeom prst="rect">
-            <a:avLst/>
-          </a:prstGeom>
-          <a:noFill/>
-        </p:spPr>
-        <p:txBody>
-          <a:bodyPr wrap="square" rtlCol="0">
-            <a:spAutoFit/>
-          </a:bodyPr>
-          <a:lstStyle/>
-          <a:p>
-            <a:r>
-              <a:rPr lang="ko-KR" altLang="en-US" dirty="0"/>
-              <a:t> </a:t>
-            </a:r>
-            <a:r>
-              <a:rPr lang="en-US" altLang="ko-KR" dirty="0" err="1" smtClean="0"/>
-              <a:t>boardView</a:t>
-            </a:r>
-            <a:r>
-              <a:rPr lang="en-US" altLang="ko-KR" dirty="0" err="1" smtClean="0"/>
-              <a:t>.jsp</a:t>
-            </a:r>
-            <a:endParaRPr lang="en-US" altLang="ko-KR" sz="1600" dirty="0" smtClean="0"/>
-          </a:p>
-        </p:txBody>
-      </p:sp>
-      <p:sp>
-        <p:nvSpPr>
-          <p:cNvPr id="7" name="TextBox 6"/>
-          <p:cNvSpPr txBox="1"/>
-          <p:nvPr/>
-        </p:nvSpPr>
-        <p:spPr>
-          <a:xfrm>
-            <a:off x="973764" y="1247095"/>
-            <a:ext cx="5472607" cy="369332"/>
-          </a:xfrm>
-          <a:prstGeom prst="rect">
-            <a:avLst/>
-          </a:prstGeom>
-          <a:noFill/>
-        </p:spPr>
-        <p:txBody>
-          <a:bodyPr wrap="square" rtlCol="0">
-            <a:spAutoFit/>
-          </a:bodyPr>
-          <a:lstStyle/>
-          <a:p>
-            <a:pPr marL="285750" indent="-285750">
-              <a:buFont typeface="Wingdings" panose="05000000000000000000" pitchFamily="2" charset="2"/>
-              <a:buChar char="§"/>
-            </a:pPr>
-            <a:r>
-              <a:rPr lang="ko-KR" altLang="en-US" b="1" smtClean="0"/>
-              <a:t>댓글 내용 </a:t>
-            </a:r>
-            <a:r>
-              <a:rPr lang="ko-KR" altLang="en-US" b="1" dirty="0" err="1" smtClean="0"/>
-              <a:t>줄바꿈</a:t>
-            </a:r>
-            <a:r>
-              <a:rPr lang="en-US" altLang="ko-KR" b="1" dirty="0" smtClean="0"/>
-              <a:t> </a:t>
-            </a:r>
-            <a:endParaRPr lang="en-US" altLang="ko-KR" b="1" dirty="0" smtClean="0"/>
-          </a:p>
-        </p:txBody>
-      </p:sp>
-      <p:sp>
-        <p:nvSpPr>
-          <p:cNvPr id="8" name="직사각형 7"/>
-          <p:cNvSpPr/>
-          <p:nvPr/>
-        </p:nvSpPr>
-        <p:spPr>
-          <a:xfrm>
-            <a:off x="1320485" y="1822427"/>
-            <a:ext cx="7016891" cy="1200329"/>
-          </a:xfrm>
-          <a:prstGeom prst="rect">
-            <a:avLst/>
-          </a:prstGeom>
-        </p:spPr>
-        <p:txBody>
-          <a:bodyPr wrap="square">
-            <a:spAutoFit/>
-          </a:bodyPr>
-          <a:lstStyle/>
-          <a:p>
-            <a:pPr>
-              <a:lnSpc>
-                <a:spcPct val="150000"/>
-              </a:lnSpc>
-            </a:pPr>
-            <a:r>
-              <a:rPr lang="ko-KR" altLang="en-US" sz="1600" dirty="0"/>
-              <a:t>글을 입력할 때 </a:t>
-            </a:r>
-            <a:r>
-              <a:rPr lang="ko-KR" altLang="en-US" sz="1600" dirty="0" err="1"/>
-              <a:t>엔터를</a:t>
-            </a:r>
-            <a:r>
-              <a:rPr lang="ko-KR" altLang="en-US" sz="1600" dirty="0"/>
-              <a:t> 사용하면 화면에는 나타나지 않지만 </a:t>
-            </a:r>
-          </a:p>
-          <a:p>
-            <a:pPr>
-              <a:lnSpc>
-                <a:spcPct val="150000"/>
-              </a:lnSpc>
-            </a:pPr>
-            <a:r>
-              <a:rPr lang="ko-KR" altLang="en-US" sz="1600" dirty="0" err="1"/>
-              <a:t>DB에</a:t>
-            </a:r>
-            <a:r>
-              <a:rPr lang="ko-KR" altLang="en-US" sz="1600" dirty="0"/>
-              <a:t> 저장될 때 각종 개행문자들이 들어가게 된다. </a:t>
-            </a:r>
-          </a:p>
-          <a:p>
-            <a:pPr>
-              <a:lnSpc>
-                <a:spcPct val="150000"/>
-              </a:lnSpc>
-            </a:pPr>
-            <a:r>
-              <a:rPr lang="ko-KR" altLang="en-US" sz="1600" dirty="0"/>
-              <a:t>이것을 </a:t>
-            </a:r>
-            <a:r>
-              <a:rPr lang="ko-KR" altLang="en-US" sz="1600" dirty="0" err="1"/>
-              <a:t>html에서</a:t>
-            </a:r>
-            <a:r>
-              <a:rPr lang="ko-KR" altLang="en-US" sz="1600" dirty="0"/>
-              <a:t> 인식 가능한 &lt;</a:t>
-            </a:r>
-            <a:r>
-              <a:rPr lang="ko-KR" altLang="en-US" sz="1600" dirty="0" err="1"/>
-              <a:t>br</a:t>
-            </a:r>
-            <a:r>
-              <a:rPr lang="ko-KR" altLang="en-US" sz="1600" dirty="0"/>
-              <a:t>&gt;로 변경해줘야 한다.</a:t>
-            </a:r>
-          </a:p>
-        </p:txBody>
-      </p:sp>
     </p:spTree>
     <p:extLst>
       <p:ext uri="{BB962C8B-B14F-4D97-AF65-F5344CB8AC3E}">
-        <p14:creationId xmlns:p14="http://schemas.microsoft.com/office/powerpoint/2010/main" val="3740418935"/>
+        <p14:creationId xmlns:p14="http://schemas.microsoft.com/office/powerpoint/2010/main" val="655409306"/>
       </p:ext>
     </p:extLst>
   </p:cSld>
@@ -15533,16 +15436,229 @@
           </a:p>
         </p:txBody>
       </p:sp>
-      <p:sp>
-        <p:nvSpPr>
-          <p:cNvPr id="7" name="TextBox 6"/>
+      <p:pic>
+        <p:nvPicPr>
+          <p:cNvPr id="3" name="그림 2"/>
+          <p:cNvPicPr>
+            <a:picLocks noChangeAspect="1"/>
+          </p:cNvPicPr>
+          <p:nvPr/>
+        </p:nvPicPr>
+        <p:blipFill>
+          <a:blip r:embed="rId2">
+            <a:extLst>
+              <a:ext uri="{28A0092B-C50C-407E-A947-70E740481C1C}">
+                <a14:useLocalDpi xmlns:a14="http://schemas.microsoft.com/office/drawing/2010/main" val="0"/>
+              </a:ext>
+            </a:extLst>
+          </a:blip>
+          <a:stretch>
+            <a:fillRect/>
+          </a:stretch>
+        </p:blipFill>
+        <p:spPr>
+          <a:xfrm>
+            <a:off x="1992373" y="1531455"/>
+            <a:ext cx="5921253" cy="3795089"/>
+          </a:xfrm>
+          <a:prstGeom prst="rect">
+            <a:avLst/>
+          </a:prstGeom>
+          <a:ln>
+            <a:solidFill>
+              <a:schemeClr val="bg1">
+                <a:lumMod val="85000"/>
+              </a:schemeClr>
+            </a:solidFill>
+          </a:ln>
+        </p:spPr>
+      </p:pic>
+    </p:spTree>
+    <p:extLst>
+      <p:ext uri="{BB962C8B-B14F-4D97-AF65-F5344CB8AC3E}">
+        <p14:creationId xmlns:p14="http://schemas.microsoft.com/office/powerpoint/2010/main" val="3032274173"/>
+      </p:ext>
+    </p:extLst>
+  </p:cSld>
+  <p:clrMapOvr>
+    <a:masterClrMapping/>
+  </p:clrMapOvr>
+  <p:timing>
+    <p:tnLst>
+      <p:par>
+        <p:cTn id="1" dur="indefinite" restart="never" nodeType="tmRoot"/>
+      </p:par>
+    </p:tnLst>
+  </p:timing>
+</p:sld>
+</file>
+
+<file path=ppt/slides/slide61.xml><?xml version="1.0" encoding="utf-8"?>
+<p:sld xmlns:a="http://schemas.openxmlformats.org/drawingml/2006/main" xmlns:r="http://schemas.openxmlformats.org/officeDocument/2006/relationships" xmlns:p="http://schemas.openxmlformats.org/presentationml/2006/main">
+  <p:cSld>
+    <p:spTree>
+      <p:nvGrpSpPr>
+        <p:cNvPr id="1" name=""/>
+        <p:cNvGrpSpPr/>
+        <p:nvPr/>
+      </p:nvGrpSpPr>
+      <p:grpSpPr>
+        <a:xfrm>
+          <a:off x="0" y="0"/>
+          <a:ext cx="0" cy="0"/>
+          <a:chOff x="0" y="0"/>
+          <a:chExt cx="0" cy="0"/>
+        </a:xfrm>
+      </p:grpSpPr>
+      <p:sp>
+        <p:nvSpPr>
+          <p:cNvPr id="15" name="제목 5"/>
+          <p:cNvSpPr txBox="1">
+            <a:spLocks/>
+          </p:cNvSpPr>
+          <p:nvPr/>
+        </p:nvSpPr>
+        <p:spPr>
+          <a:xfrm>
+            <a:off x="1" y="-18256"/>
+            <a:ext cx="5079014" cy="854968"/>
+          </a:xfrm>
+          <a:prstGeom prst="rect">
+            <a:avLst/>
+          </a:prstGeom>
+        </p:spPr>
+        <p:txBody>
+          <a:bodyPr anchor="ctr" anchorCtr="0"/>
+          <a:lstStyle>
+            <a:lvl1pPr algn="l" defTabSz="914400" rtl="0" eaLnBrk="1" latinLnBrk="1" hangingPunct="1">
+              <a:spcBef>
+                <a:spcPct val="0"/>
+              </a:spcBef>
+              <a:buNone/>
+              <a:defRPr sz="3200" kern="1200">
+                <a:solidFill>
+                  <a:schemeClr val="bg1"/>
+                </a:solidFill>
+                <a:latin typeface="HY헤드라인M" panose="02030600000101010101" pitchFamily="18" charset="-127"/>
+                <a:ea typeface="HY헤드라인M" panose="02030600000101010101" pitchFamily="18" charset="-127"/>
+                <a:cs typeface="+mj-cs"/>
+              </a:defRPr>
+            </a:lvl1pPr>
+          </a:lstStyle>
+          <a:p>
+            <a:r>
+              <a:rPr lang="en-US" altLang="ko-KR" dirty="0" smtClean="0"/>
+              <a:t> </a:t>
+            </a:r>
+            <a:endParaRPr lang="ko-KR" altLang="en-US" dirty="0"/>
+          </a:p>
+        </p:txBody>
+      </p:sp>
+      <p:sp>
+        <p:nvSpPr>
+          <p:cNvPr id="11" name="제목 5"/>
+          <p:cNvSpPr txBox="1">
+            <a:spLocks/>
+          </p:cNvSpPr>
+          <p:nvPr/>
+        </p:nvSpPr>
+        <p:spPr>
+          <a:xfrm>
+            <a:off x="152400" y="44624"/>
+            <a:ext cx="6312767" cy="854968"/>
+          </a:xfrm>
+          <a:prstGeom prst="rect">
+            <a:avLst/>
+          </a:prstGeom>
+        </p:spPr>
+        <p:txBody>
+          <a:bodyPr anchor="ctr" anchorCtr="0"/>
+          <a:lstStyle>
+            <a:lvl1pPr algn="l" defTabSz="914400" rtl="0" eaLnBrk="1" latinLnBrk="1" hangingPunct="1">
+              <a:spcBef>
+                <a:spcPct val="0"/>
+              </a:spcBef>
+              <a:buNone/>
+              <a:defRPr sz="3200" kern="1200">
+                <a:solidFill>
+                  <a:schemeClr val="bg1"/>
+                </a:solidFill>
+                <a:latin typeface="HY헤드라인M" panose="02030600000101010101" pitchFamily="18" charset="-127"/>
+                <a:ea typeface="HY헤드라인M" panose="02030600000101010101" pitchFamily="18" charset="-127"/>
+                <a:cs typeface="+mj-cs"/>
+              </a:defRPr>
+            </a:lvl1pPr>
+          </a:lstStyle>
+          <a:p>
+            <a:r>
+              <a:rPr lang="en-US" altLang="ko-KR" dirty="0" smtClean="0"/>
+              <a:t> </a:t>
+            </a:r>
+            <a:r>
+              <a:rPr lang="en-US" altLang="ko-KR" b="1" dirty="0">
+                <a:latin typeface="휴먼엑스포" panose="02030504000101010101" pitchFamily="18" charset="-127"/>
+                <a:ea typeface="휴먼엑스포" panose="02030504000101010101" pitchFamily="18" charset="-127"/>
+              </a:rPr>
+              <a:t> </a:t>
+            </a:r>
+            <a:r>
+              <a:rPr lang="ko-KR" altLang="en-US" b="1" dirty="0" smtClean="0">
+                <a:latin typeface="휴먼엑스포" panose="02030504000101010101" pitchFamily="18" charset="-127"/>
+                <a:ea typeface="휴먼엑스포" panose="02030504000101010101" pitchFamily="18" charset="-127"/>
+              </a:rPr>
+              <a:t>댓글 구현</a:t>
+            </a:r>
+            <a:endParaRPr lang="ko-KR" altLang="en-US" dirty="0"/>
+          </a:p>
+        </p:txBody>
+      </p:sp>
+      <p:pic>
+        <p:nvPicPr>
+          <p:cNvPr id="2" name="그림 1"/>
+          <p:cNvPicPr>
+            <a:picLocks noChangeAspect="1"/>
+          </p:cNvPicPr>
+          <p:nvPr/>
+        </p:nvPicPr>
+        <p:blipFill>
+          <a:blip r:embed="rId2">
+            <a:extLst>
+              <a:ext uri="{28A0092B-C50C-407E-A947-70E740481C1C}">
+                <a14:useLocalDpi xmlns:a14="http://schemas.microsoft.com/office/drawing/2010/main" val="0"/>
+              </a:ext>
+            </a:extLst>
+          </a:blip>
+          <a:stretch>
+            <a:fillRect/>
+          </a:stretch>
+        </p:blipFill>
+        <p:spPr>
+          <a:xfrm>
+            <a:off x="992560" y="1556792"/>
+            <a:ext cx="7887383" cy="4168501"/>
+          </a:xfrm>
+          <a:prstGeom prst="rect">
+            <a:avLst/>
+          </a:prstGeom>
+          <a:ln>
+            <a:solidFill>
+              <a:schemeClr val="bg1">
+                <a:lumMod val="85000"/>
+              </a:schemeClr>
+            </a:solidFill>
+          </a:ln>
+        </p:spPr>
+      </p:pic>
+      <p:sp>
+        <p:nvSpPr>
+          <p:cNvPr id="6" name="TextBox 5"/>
           <p:cNvSpPr txBox="1"/>
           <p:nvPr/>
         </p:nvSpPr>
         <p:spPr>
           <a:xfrm>
-            <a:off x="973764" y="1247095"/>
-            <a:ext cx="5472607" cy="369332"/>
+            <a:off x="6609184" y="1772816"/>
+            <a:ext cx="2980382" cy="400110"/>
           </a:xfrm>
           <a:prstGeom prst="rect">
             <a:avLst/>
@@ -15555,6 +15671,250 @@
           </a:bodyPr>
           <a:lstStyle/>
           <a:p>
+            <a:r>
+              <a:rPr lang="ko-KR" altLang="en-US" sz="2000" dirty="0"/>
+              <a:t> </a:t>
+            </a:r>
+            <a:r>
+              <a:rPr lang="en-US" altLang="ko-KR" sz="2000" dirty="0" err="1" smtClean="0"/>
+              <a:t>replyUpdateForm.jsp</a:t>
+            </a:r>
+            <a:endParaRPr lang="en-US" altLang="ko-KR" dirty="0" smtClean="0"/>
+          </a:p>
+        </p:txBody>
+      </p:sp>
+    </p:spTree>
+    <p:extLst>
+      <p:ext uri="{BB962C8B-B14F-4D97-AF65-F5344CB8AC3E}">
+        <p14:creationId xmlns:p14="http://schemas.microsoft.com/office/powerpoint/2010/main" val="2206573610"/>
+      </p:ext>
+    </p:extLst>
+  </p:cSld>
+  <p:clrMapOvr>
+    <a:masterClrMapping/>
+  </p:clrMapOvr>
+  <p:timing>
+    <p:tnLst>
+      <p:par>
+        <p:cTn id="1" dur="indefinite" restart="never" nodeType="tmRoot"/>
+      </p:par>
+    </p:tnLst>
+  </p:timing>
+</p:sld>
+</file>
+
+<file path=ppt/slides/slide62.xml><?xml version="1.0" encoding="utf-8"?>
+<p:sld xmlns:a="http://schemas.openxmlformats.org/drawingml/2006/main" xmlns:r="http://schemas.openxmlformats.org/officeDocument/2006/relationships" xmlns:p="http://schemas.openxmlformats.org/presentationml/2006/main">
+  <p:cSld>
+    <p:spTree>
+      <p:nvGrpSpPr>
+        <p:cNvPr id="1" name=""/>
+        <p:cNvGrpSpPr/>
+        <p:nvPr/>
+      </p:nvGrpSpPr>
+      <p:grpSpPr>
+        <a:xfrm>
+          <a:off x="0" y="0"/>
+          <a:ext cx="0" cy="0"/>
+          <a:chOff x="0" y="0"/>
+          <a:chExt cx="0" cy="0"/>
+        </a:xfrm>
+      </p:grpSpPr>
+      <p:sp>
+        <p:nvSpPr>
+          <p:cNvPr id="15" name="제목 5"/>
+          <p:cNvSpPr txBox="1">
+            <a:spLocks/>
+          </p:cNvSpPr>
+          <p:nvPr/>
+        </p:nvSpPr>
+        <p:spPr>
+          <a:xfrm>
+            <a:off x="1" y="-18256"/>
+            <a:ext cx="5079014" cy="854968"/>
+          </a:xfrm>
+          <a:prstGeom prst="rect">
+            <a:avLst/>
+          </a:prstGeom>
+        </p:spPr>
+        <p:txBody>
+          <a:bodyPr anchor="ctr" anchorCtr="0"/>
+          <a:lstStyle>
+            <a:lvl1pPr algn="l" defTabSz="914400" rtl="0" eaLnBrk="1" latinLnBrk="1" hangingPunct="1">
+              <a:spcBef>
+                <a:spcPct val="0"/>
+              </a:spcBef>
+              <a:buNone/>
+              <a:defRPr sz="3200" kern="1200">
+                <a:solidFill>
+                  <a:schemeClr val="bg1"/>
+                </a:solidFill>
+                <a:latin typeface="HY헤드라인M" panose="02030600000101010101" pitchFamily="18" charset="-127"/>
+                <a:ea typeface="HY헤드라인M" panose="02030600000101010101" pitchFamily="18" charset="-127"/>
+                <a:cs typeface="+mj-cs"/>
+              </a:defRPr>
+            </a:lvl1pPr>
+          </a:lstStyle>
+          <a:p>
+            <a:r>
+              <a:rPr lang="en-US" altLang="ko-KR" dirty="0" smtClean="0"/>
+              <a:t> </a:t>
+            </a:r>
+            <a:endParaRPr lang="ko-KR" altLang="en-US" dirty="0"/>
+          </a:p>
+        </p:txBody>
+      </p:sp>
+      <p:sp>
+        <p:nvSpPr>
+          <p:cNvPr id="11" name="제목 5"/>
+          <p:cNvSpPr txBox="1">
+            <a:spLocks/>
+          </p:cNvSpPr>
+          <p:nvPr/>
+        </p:nvSpPr>
+        <p:spPr>
+          <a:xfrm>
+            <a:off x="152400" y="44624"/>
+            <a:ext cx="6312767" cy="854968"/>
+          </a:xfrm>
+          <a:prstGeom prst="rect">
+            <a:avLst/>
+          </a:prstGeom>
+        </p:spPr>
+        <p:txBody>
+          <a:bodyPr anchor="ctr" anchorCtr="0"/>
+          <a:lstStyle>
+            <a:lvl1pPr algn="l" defTabSz="914400" rtl="0" eaLnBrk="1" latinLnBrk="1" hangingPunct="1">
+              <a:spcBef>
+                <a:spcPct val="0"/>
+              </a:spcBef>
+              <a:buNone/>
+              <a:defRPr sz="3200" kern="1200">
+                <a:solidFill>
+                  <a:schemeClr val="bg1"/>
+                </a:solidFill>
+                <a:latin typeface="HY헤드라인M" panose="02030600000101010101" pitchFamily="18" charset="-127"/>
+                <a:ea typeface="HY헤드라인M" panose="02030600000101010101" pitchFamily="18" charset="-127"/>
+                <a:cs typeface="+mj-cs"/>
+              </a:defRPr>
+            </a:lvl1pPr>
+          </a:lstStyle>
+          <a:p>
+            <a:r>
+              <a:rPr lang="en-US" altLang="ko-KR" dirty="0" smtClean="0"/>
+              <a:t> </a:t>
+            </a:r>
+            <a:r>
+              <a:rPr lang="en-US" altLang="ko-KR" b="1" dirty="0">
+                <a:latin typeface="휴먼엑스포" panose="02030504000101010101" pitchFamily="18" charset="-127"/>
+                <a:ea typeface="휴먼엑스포" panose="02030504000101010101" pitchFamily="18" charset="-127"/>
+              </a:rPr>
+              <a:t> </a:t>
+            </a:r>
+            <a:r>
+              <a:rPr lang="ko-KR" altLang="en-US" b="1" dirty="0" smtClean="0">
+                <a:latin typeface="휴먼엑스포" panose="02030504000101010101" pitchFamily="18" charset="-127"/>
+                <a:ea typeface="휴먼엑스포" panose="02030504000101010101" pitchFamily="18" charset="-127"/>
+              </a:rPr>
+              <a:t>댓글 구현</a:t>
+            </a:r>
+            <a:endParaRPr lang="ko-KR" altLang="en-US" dirty="0"/>
+          </a:p>
+        </p:txBody>
+      </p:sp>
+      <p:pic>
+        <p:nvPicPr>
+          <p:cNvPr id="3" name="그림 2"/>
+          <p:cNvPicPr>
+            <a:picLocks noChangeAspect="1"/>
+          </p:cNvPicPr>
+          <p:nvPr/>
+        </p:nvPicPr>
+        <p:blipFill>
+          <a:blip r:embed="rId2">
+            <a:extLst>
+              <a:ext uri="{28A0092B-C50C-407E-A947-70E740481C1C}">
+                <a14:useLocalDpi xmlns:a14="http://schemas.microsoft.com/office/drawing/2010/main" val="0"/>
+              </a:ext>
+            </a:extLst>
+          </a:blip>
+          <a:stretch>
+            <a:fillRect/>
+          </a:stretch>
+        </p:blipFill>
+        <p:spPr>
+          <a:xfrm>
+            <a:off x="1320485" y="3429000"/>
+            <a:ext cx="6569009" cy="1691787"/>
+          </a:xfrm>
+          <a:prstGeom prst="rect">
+            <a:avLst/>
+          </a:prstGeom>
+          <a:ln>
+            <a:solidFill>
+              <a:schemeClr val="bg1">
+                <a:lumMod val="85000"/>
+              </a:schemeClr>
+            </a:solidFill>
+          </a:ln>
+        </p:spPr>
+      </p:pic>
+      <p:sp>
+        <p:nvSpPr>
+          <p:cNvPr id="6" name="TextBox 5"/>
+          <p:cNvSpPr txBox="1"/>
+          <p:nvPr/>
+        </p:nvSpPr>
+        <p:spPr>
+          <a:xfrm>
+            <a:off x="6969224" y="3760925"/>
+            <a:ext cx="2016224" cy="369332"/>
+          </a:xfrm>
+          <a:prstGeom prst="rect">
+            <a:avLst/>
+          </a:prstGeom>
+          <a:noFill/>
+        </p:spPr>
+        <p:txBody>
+          <a:bodyPr wrap="square" rtlCol="0">
+            <a:spAutoFit/>
+          </a:bodyPr>
+          <a:lstStyle/>
+          <a:p>
+            <a:r>
+              <a:rPr lang="ko-KR" altLang="en-US" dirty="0"/>
+              <a:t> </a:t>
+            </a:r>
+            <a:r>
+              <a:rPr lang="en-US" altLang="ko-KR" dirty="0" err="1" smtClean="0"/>
+              <a:t>boardView.jsp</a:t>
+            </a:r>
+            <a:endParaRPr lang="en-US" altLang="ko-KR" sz="1600" dirty="0" smtClean="0"/>
+          </a:p>
+        </p:txBody>
+      </p:sp>
+      <p:sp>
+        <p:nvSpPr>
+          <p:cNvPr id="7" name="TextBox 6"/>
+          <p:cNvSpPr txBox="1"/>
+          <p:nvPr/>
+        </p:nvSpPr>
+        <p:spPr>
+          <a:xfrm>
+            <a:off x="973764" y="1247095"/>
+            <a:ext cx="5472607" cy="369332"/>
+          </a:xfrm>
+          <a:prstGeom prst="rect">
+            <a:avLst/>
+          </a:prstGeom>
+          <a:noFill/>
+        </p:spPr>
+        <p:txBody>
+          <a:bodyPr wrap="square" rtlCol="0">
+            <a:spAutoFit/>
+          </a:bodyPr>
+          <a:lstStyle/>
+          <a:p>
             <a:pPr marL="285750" indent="-285750">
               <a:buFont typeface="Wingdings" panose="05000000000000000000" pitchFamily="2" charset="2"/>
               <a:buChar char="§"/>
@@ -15571,7 +15931,269 @@
               <a:rPr lang="en-US" altLang="ko-KR" b="1" dirty="0" smtClean="0"/>
               <a:t> </a:t>
             </a:r>
-            <a:endParaRPr lang="en-US" altLang="ko-KR" b="1" dirty="0" smtClean="0"/>
+          </a:p>
+        </p:txBody>
+      </p:sp>
+      <p:sp>
+        <p:nvSpPr>
+          <p:cNvPr id="8" name="직사각형 7"/>
+          <p:cNvSpPr/>
+          <p:nvPr/>
+        </p:nvSpPr>
+        <p:spPr>
+          <a:xfrm>
+            <a:off x="1320485" y="1822427"/>
+            <a:ext cx="7016891" cy="1200329"/>
+          </a:xfrm>
+          <a:prstGeom prst="rect">
+            <a:avLst/>
+          </a:prstGeom>
+        </p:spPr>
+        <p:txBody>
+          <a:bodyPr wrap="square">
+            <a:spAutoFit/>
+          </a:bodyPr>
+          <a:lstStyle/>
+          <a:p>
+            <a:pPr>
+              <a:lnSpc>
+                <a:spcPct val="150000"/>
+              </a:lnSpc>
+            </a:pPr>
+            <a:r>
+              <a:rPr lang="ko-KR" altLang="en-US" sz="1600" dirty="0"/>
+              <a:t>글을 입력할 때 </a:t>
+            </a:r>
+            <a:r>
+              <a:rPr lang="ko-KR" altLang="en-US" sz="1600" dirty="0" err="1"/>
+              <a:t>엔터를</a:t>
+            </a:r>
+            <a:r>
+              <a:rPr lang="ko-KR" altLang="en-US" sz="1600" dirty="0"/>
+              <a:t> 사용하면 화면에는 나타나지 않지만 </a:t>
+            </a:r>
+          </a:p>
+          <a:p>
+            <a:pPr>
+              <a:lnSpc>
+                <a:spcPct val="150000"/>
+              </a:lnSpc>
+            </a:pPr>
+            <a:r>
+              <a:rPr lang="ko-KR" altLang="en-US" sz="1600" dirty="0" err="1"/>
+              <a:t>DB에</a:t>
+            </a:r>
+            <a:r>
+              <a:rPr lang="ko-KR" altLang="en-US" sz="1600" dirty="0"/>
+              <a:t> 저장될 때 각종 개행문자들이 들어가게 된다. </a:t>
+            </a:r>
+          </a:p>
+          <a:p>
+            <a:pPr>
+              <a:lnSpc>
+                <a:spcPct val="150000"/>
+              </a:lnSpc>
+            </a:pPr>
+            <a:r>
+              <a:rPr lang="ko-KR" altLang="en-US" sz="1600" dirty="0"/>
+              <a:t>이것을 </a:t>
+            </a:r>
+            <a:r>
+              <a:rPr lang="ko-KR" altLang="en-US" sz="1600" dirty="0" err="1"/>
+              <a:t>html에서</a:t>
+            </a:r>
+            <a:r>
+              <a:rPr lang="ko-KR" altLang="en-US" sz="1600" dirty="0"/>
+              <a:t> 인식 가능한 &lt;</a:t>
+            </a:r>
+            <a:r>
+              <a:rPr lang="ko-KR" altLang="en-US" sz="1600" dirty="0" err="1"/>
+              <a:t>br</a:t>
+            </a:r>
+            <a:r>
+              <a:rPr lang="ko-KR" altLang="en-US" sz="1600" dirty="0"/>
+              <a:t>&gt;로 변경해줘야 한다.</a:t>
+            </a:r>
+          </a:p>
+        </p:txBody>
+      </p:sp>
+    </p:spTree>
+    <p:extLst>
+      <p:ext uri="{BB962C8B-B14F-4D97-AF65-F5344CB8AC3E}">
+        <p14:creationId xmlns:p14="http://schemas.microsoft.com/office/powerpoint/2010/main" val="3740418935"/>
+      </p:ext>
+    </p:extLst>
+  </p:cSld>
+  <p:clrMapOvr>
+    <a:masterClrMapping/>
+  </p:clrMapOvr>
+  <p:timing>
+    <p:tnLst>
+      <p:par>
+        <p:cTn id="1" dur="indefinite" restart="never" nodeType="tmRoot"/>
+      </p:par>
+    </p:tnLst>
+  </p:timing>
+</p:sld>
+</file>
+
+<file path=ppt/slides/slide63.xml><?xml version="1.0" encoding="utf-8"?>
+<p:sld xmlns:a="http://schemas.openxmlformats.org/drawingml/2006/main" xmlns:r="http://schemas.openxmlformats.org/officeDocument/2006/relationships" xmlns:p="http://schemas.openxmlformats.org/presentationml/2006/main">
+  <p:cSld>
+    <p:spTree>
+      <p:nvGrpSpPr>
+        <p:cNvPr id="1" name=""/>
+        <p:cNvGrpSpPr/>
+        <p:nvPr/>
+      </p:nvGrpSpPr>
+      <p:grpSpPr>
+        <a:xfrm>
+          <a:off x="0" y="0"/>
+          <a:ext cx="0" cy="0"/>
+          <a:chOff x="0" y="0"/>
+          <a:chExt cx="0" cy="0"/>
+        </a:xfrm>
+      </p:grpSpPr>
+      <p:sp>
+        <p:nvSpPr>
+          <p:cNvPr id="15" name="제목 5"/>
+          <p:cNvSpPr txBox="1">
+            <a:spLocks/>
+          </p:cNvSpPr>
+          <p:nvPr/>
+        </p:nvSpPr>
+        <p:spPr>
+          <a:xfrm>
+            <a:off x="1" y="-18256"/>
+            <a:ext cx="5079014" cy="854968"/>
+          </a:xfrm>
+          <a:prstGeom prst="rect">
+            <a:avLst/>
+          </a:prstGeom>
+        </p:spPr>
+        <p:txBody>
+          <a:bodyPr anchor="ctr" anchorCtr="0"/>
+          <a:lstStyle>
+            <a:lvl1pPr algn="l" defTabSz="914400" rtl="0" eaLnBrk="1" latinLnBrk="1" hangingPunct="1">
+              <a:spcBef>
+                <a:spcPct val="0"/>
+              </a:spcBef>
+              <a:buNone/>
+              <a:defRPr sz="3200" kern="1200">
+                <a:solidFill>
+                  <a:schemeClr val="bg1"/>
+                </a:solidFill>
+                <a:latin typeface="HY헤드라인M" panose="02030600000101010101" pitchFamily="18" charset="-127"/>
+                <a:ea typeface="HY헤드라인M" panose="02030600000101010101" pitchFamily="18" charset="-127"/>
+                <a:cs typeface="+mj-cs"/>
+              </a:defRPr>
+            </a:lvl1pPr>
+          </a:lstStyle>
+          <a:p>
+            <a:r>
+              <a:rPr lang="en-US" altLang="ko-KR" dirty="0" smtClean="0"/>
+              <a:t> </a:t>
+            </a:r>
+            <a:endParaRPr lang="ko-KR" altLang="en-US" dirty="0"/>
+          </a:p>
+        </p:txBody>
+      </p:sp>
+      <p:sp>
+        <p:nvSpPr>
+          <p:cNvPr id="11" name="제목 5"/>
+          <p:cNvSpPr txBox="1">
+            <a:spLocks/>
+          </p:cNvSpPr>
+          <p:nvPr/>
+        </p:nvSpPr>
+        <p:spPr>
+          <a:xfrm>
+            <a:off x="152400" y="44624"/>
+            <a:ext cx="6312767" cy="854968"/>
+          </a:xfrm>
+          <a:prstGeom prst="rect">
+            <a:avLst/>
+          </a:prstGeom>
+        </p:spPr>
+        <p:txBody>
+          <a:bodyPr anchor="ctr" anchorCtr="0"/>
+          <a:lstStyle>
+            <a:lvl1pPr algn="l" defTabSz="914400" rtl="0" eaLnBrk="1" latinLnBrk="1" hangingPunct="1">
+              <a:spcBef>
+                <a:spcPct val="0"/>
+              </a:spcBef>
+              <a:buNone/>
+              <a:defRPr sz="3200" kern="1200">
+                <a:solidFill>
+                  <a:schemeClr val="bg1"/>
+                </a:solidFill>
+                <a:latin typeface="HY헤드라인M" panose="02030600000101010101" pitchFamily="18" charset="-127"/>
+                <a:ea typeface="HY헤드라인M" panose="02030600000101010101" pitchFamily="18" charset="-127"/>
+                <a:cs typeface="+mj-cs"/>
+              </a:defRPr>
+            </a:lvl1pPr>
+          </a:lstStyle>
+          <a:p>
+            <a:r>
+              <a:rPr lang="en-US" altLang="ko-KR" dirty="0" smtClean="0"/>
+              <a:t> </a:t>
+            </a:r>
+            <a:r>
+              <a:rPr lang="en-US" altLang="ko-KR" b="1" dirty="0">
+                <a:latin typeface="휴먼엑스포" panose="02030504000101010101" pitchFamily="18" charset="-127"/>
+                <a:ea typeface="휴먼엑스포" panose="02030504000101010101" pitchFamily="18" charset="-127"/>
+              </a:rPr>
+              <a:t> </a:t>
+            </a:r>
+            <a:r>
+              <a:rPr lang="ko-KR" altLang="en-US" b="1" dirty="0" smtClean="0">
+                <a:latin typeface="휴먼엑스포" panose="02030504000101010101" pitchFamily="18" charset="-127"/>
+                <a:ea typeface="휴먼엑스포" panose="02030504000101010101" pitchFamily="18" charset="-127"/>
+              </a:rPr>
+              <a:t>댓글 구현</a:t>
+            </a:r>
+            <a:endParaRPr lang="ko-KR" altLang="en-US" dirty="0"/>
+          </a:p>
+        </p:txBody>
+      </p:sp>
+      <p:sp>
+        <p:nvSpPr>
+          <p:cNvPr id="7" name="TextBox 6"/>
+          <p:cNvSpPr txBox="1"/>
+          <p:nvPr/>
+        </p:nvSpPr>
+        <p:spPr>
+          <a:xfrm>
+            <a:off x="973764" y="1247095"/>
+            <a:ext cx="5472607" cy="369332"/>
+          </a:xfrm>
+          <a:prstGeom prst="rect">
+            <a:avLst/>
+          </a:prstGeom>
+          <a:noFill/>
+        </p:spPr>
+        <p:txBody>
+          <a:bodyPr wrap="square" rtlCol="0">
+            <a:spAutoFit/>
+          </a:bodyPr>
+          <a:lstStyle/>
+          <a:p>
+            <a:pPr marL="285750" indent="-285750">
+              <a:buFont typeface="Wingdings" panose="05000000000000000000" pitchFamily="2" charset="2"/>
+              <a:buChar char="§"/>
+            </a:pPr>
+            <a:r>
+              <a:rPr lang="ko-KR" altLang="en-US" b="1" smtClean="0"/>
+              <a:t>댓글 내용 </a:t>
+            </a:r>
+            <a:r>
+              <a:rPr lang="ko-KR" altLang="en-US" b="1" dirty="0" err="1" smtClean="0"/>
+              <a:t>줄바꿈</a:t>
+            </a:r>
+            <a:r>
+              <a:rPr lang="en-US" altLang="ko-KR" b="1" dirty="0" smtClean="0"/>
+              <a:t> </a:t>
+            </a:r>
           </a:p>
         </p:txBody>
       </p:sp>
@@ -15992,6 +16614,44 @@
       </p:sp>
       <p:sp>
         <p:nvSpPr>
+          <p:cNvPr id="3" name="TextBox 2"/>
+          <p:cNvSpPr txBox="1"/>
+          <p:nvPr/>
+        </p:nvSpPr>
+        <p:spPr>
+          <a:xfrm>
+            <a:off x="632521" y="1156682"/>
+            <a:ext cx="4104455" cy="400110"/>
+          </a:xfrm>
+          <a:prstGeom prst="rect">
+            <a:avLst/>
+          </a:prstGeom>
+          <a:noFill/>
+        </p:spPr>
+        <p:txBody>
+          <a:bodyPr wrap="square" rtlCol="0">
+            <a:spAutoFit/>
+          </a:bodyPr>
+          <a:lstStyle/>
+          <a:p>
+            <a:r>
+              <a:rPr lang="en-US" altLang="ko-KR" sz="2000" b="1" dirty="0" smtClean="0"/>
+              <a:t>Java EE</a:t>
+            </a:r>
+            <a:r>
+              <a:rPr lang="ko-KR" altLang="en-US" sz="2000" b="1" dirty="0" smtClean="0"/>
+              <a:t>와 연동</a:t>
+            </a:r>
+            <a:r>
+              <a:rPr lang="en-US" altLang="ko-KR" sz="2000" b="1" dirty="0" smtClean="0"/>
+              <a:t> </a:t>
+            </a:r>
+            <a:endParaRPr lang="en-US" altLang="ko-KR" sz="2000" b="1" dirty="0" smtClean="0"/>
+          </a:p>
+        </p:txBody>
+      </p:sp>
+      <p:sp>
+        <p:nvSpPr>
           <p:cNvPr id="11" name="제목 5"/>
           <p:cNvSpPr txBox="1">
             <a:spLocks/>
@@ -16001,7 +16661,7 @@
         <p:spPr>
           <a:xfrm>
             <a:off x="152400" y="44624"/>
-            <a:ext cx="6240759" cy="854968"/>
+            <a:ext cx="6384775" cy="854968"/>
           </a:xfrm>
           <a:prstGeom prst="rect">
             <a:avLst/>
@@ -16057,7 +16717,7 @@
       </p:sp>
       <p:pic>
         <p:nvPicPr>
-          <p:cNvPr id="2" name="그림 1"/>
+          <p:cNvPr id="4" name="그림 3"/>
           <p:cNvPicPr>
             <a:picLocks noChangeAspect="1"/>
           </p:cNvPicPr>
@@ -16077,8 +16737,8 @@
         </p:blipFill>
         <p:spPr>
           <a:xfrm>
-            <a:off x="1496616" y="1268760"/>
-            <a:ext cx="6302286" cy="4633362"/>
+            <a:off x="632521" y="1700808"/>
+            <a:ext cx="3348125" cy="3694774"/>
           </a:xfrm>
           <a:prstGeom prst="rect">
             <a:avLst/>
@@ -16094,14 +16754,179 @@
       </p:pic>
       <p:sp>
         <p:nvSpPr>
-          <p:cNvPr id="3" name="TextBox 2"/>
+          <p:cNvPr id="5" name="모서리가 둥근 직사각형 4"/>
+          <p:cNvSpPr/>
+          <p:nvPr/>
+        </p:nvSpPr>
+        <p:spPr>
+          <a:xfrm>
+            <a:off x="956310" y="4149080"/>
+            <a:ext cx="3024336" cy="360040"/>
+          </a:xfrm>
+          <a:prstGeom prst="roundRect">
+            <a:avLst/>
+          </a:prstGeom>
+          <a:noFill/>
+          <a:ln w="28575">
+            <a:solidFill>
+              <a:srgbClr val="C00000"/>
+            </a:solidFill>
+          </a:ln>
+        </p:spPr>
+        <p:style>
+          <a:lnRef idx="2">
+            <a:schemeClr val="accent1">
+              <a:shade val="50000"/>
+            </a:schemeClr>
+          </a:lnRef>
+          <a:fillRef idx="1">
+            <a:schemeClr val="accent1"/>
+          </a:fillRef>
+          <a:effectRef idx="0">
+            <a:schemeClr val="accent1"/>
+          </a:effectRef>
+          <a:fontRef idx="minor">
+            <a:schemeClr val="lt1"/>
+          </a:fontRef>
+        </p:style>
+        <p:txBody>
+          <a:bodyPr rtlCol="0" anchor="ctr"/>
+          <a:lstStyle/>
+          <a:p>
+            <a:pPr algn="ctr"/>
+            <a:endParaRPr lang="ko-KR" altLang="en-US"/>
+          </a:p>
+        </p:txBody>
+      </p:sp>
+      <p:pic>
+        <p:nvPicPr>
+          <p:cNvPr id="6" name="그림 5"/>
+          <p:cNvPicPr>
+            <a:picLocks noChangeAspect="1"/>
+          </p:cNvPicPr>
+          <p:nvPr/>
+        </p:nvPicPr>
+        <p:blipFill>
+          <a:blip r:embed="rId3">
+            <a:extLst>
+              <a:ext uri="{28A0092B-C50C-407E-A947-70E740481C1C}">
+                <a14:useLocalDpi xmlns:a14="http://schemas.microsoft.com/office/drawing/2010/main" val="0"/>
+              </a:ext>
+            </a:extLst>
+          </a:blip>
+          <a:stretch>
+            <a:fillRect/>
+          </a:stretch>
+        </p:blipFill>
+        <p:spPr>
+          <a:xfrm>
+            <a:off x="4160912" y="1713927"/>
+            <a:ext cx="5184576" cy="3668535"/>
+          </a:xfrm>
+          <a:prstGeom prst="rect">
+            <a:avLst/>
+          </a:prstGeom>
+          <a:ln>
+            <a:solidFill>
+              <a:schemeClr val="bg1">
+                <a:lumMod val="85000"/>
+              </a:schemeClr>
+            </a:solidFill>
+          </a:ln>
+        </p:spPr>
+      </p:pic>
+      <p:sp>
+        <p:nvSpPr>
+          <p:cNvPr id="9" name="모서리가 둥근 직사각형 8"/>
+          <p:cNvSpPr/>
+          <p:nvPr/>
+        </p:nvSpPr>
+        <p:spPr>
+          <a:xfrm>
+            <a:off x="6303167" y="3928898"/>
+            <a:ext cx="1602161" cy="360040"/>
+          </a:xfrm>
+          <a:prstGeom prst="roundRect">
+            <a:avLst/>
+          </a:prstGeom>
+          <a:noFill/>
+          <a:ln w="28575">
+            <a:solidFill>
+              <a:srgbClr val="C00000"/>
+            </a:solidFill>
+          </a:ln>
+        </p:spPr>
+        <p:style>
+          <a:lnRef idx="2">
+            <a:schemeClr val="accent1">
+              <a:shade val="50000"/>
+            </a:schemeClr>
+          </a:lnRef>
+          <a:fillRef idx="1">
+            <a:schemeClr val="accent1"/>
+          </a:fillRef>
+          <a:effectRef idx="0">
+            <a:schemeClr val="accent1"/>
+          </a:effectRef>
+          <a:fontRef idx="minor">
+            <a:schemeClr val="lt1"/>
+          </a:fontRef>
+        </p:style>
+        <p:txBody>
+          <a:bodyPr rtlCol="0" anchor="ctr"/>
+          <a:lstStyle/>
+          <a:p>
+            <a:pPr algn="ctr"/>
+            <a:endParaRPr lang="ko-KR" altLang="en-US"/>
+          </a:p>
+        </p:txBody>
+      </p:sp>
+      <p:cxnSp>
+        <p:nvCxnSpPr>
+          <p:cNvPr id="8" name="직선 화살표 연결선 7"/>
+          <p:cNvCxnSpPr/>
+          <p:nvPr/>
+        </p:nvCxnSpPr>
+        <p:spPr>
+          <a:xfrm flipV="1">
+            <a:off x="7257256" y="4288938"/>
+            <a:ext cx="0" cy="940262"/>
+          </a:xfrm>
+          <a:prstGeom prst="straightConnector1">
+            <a:avLst/>
+          </a:prstGeom>
+          <a:ln w="19050">
+            <a:solidFill>
+              <a:srgbClr val="C00000"/>
+            </a:solidFill>
+            <a:tailEnd type="triangle"/>
+          </a:ln>
+        </p:spPr>
+        <p:style>
+          <a:lnRef idx="1">
+            <a:schemeClr val="accent1"/>
+          </a:lnRef>
+          <a:fillRef idx="0">
+            <a:schemeClr val="accent1"/>
+          </a:fillRef>
+          <a:effectRef idx="0">
+            <a:schemeClr val="accent1"/>
+          </a:effectRef>
+          <a:fontRef idx="minor">
+            <a:schemeClr val="tx1"/>
+          </a:fontRef>
+        </p:style>
+      </p:cxnSp>
+      <p:sp>
+        <p:nvSpPr>
+          <p:cNvPr id="12" name="TextBox 11"/>
           <p:cNvSpPr txBox="1"/>
           <p:nvPr/>
         </p:nvSpPr>
         <p:spPr>
           <a:xfrm>
-            <a:off x="7041232" y="1844824"/>
-            <a:ext cx="1800200" cy="400110"/>
+            <a:off x="6563612" y="5229200"/>
+            <a:ext cx="1584176" cy="369332"/>
           </a:xfrm>
           <a:prstGeom prst="rect">
             <a:avLst/>
@@ -16115,21 +16940,33 @@
           <a:lstStyle/>
           <a:p>
             <a:r>
-              <a:rPr lang="en-US" altLang="ko-KR" sz="2000" b="1" dirty="0" smtClean="0"/>
-              <a:t>Board.java</a:t>
-            </a:r>
-            <a:r>
-              <a:rPr lang="ko-KR" altLang="en-US" b="1" dirty="0" smtClean="0"/>
-              <a:t> </a:t>
-            </a:r>
-            <a:endParaRPr lang="en-US" altLang="ko-KR" b="1" dirty="0" smtClean="0"/>
+              <a:rPr lang="en-US" altLang="ko-KR" dirty="0" smtClean="0">
+                <a:solidFill>
+                  <a:srgbClr val="C00000"/>
+                </a:solidFill>
+              </a:rPr>
+              <a:t>jar </a:t>
+            </a:r>
+            <a:r>
+              <a:rPr lang="ko-KR" altLang="en-US" dirty="0" smtClean="0">
+                <a:solidFill>
+                  <a:srgbClr val="C00000"/>
+                </a:solidFill>
+              </a:rPr>
+              <a:t>다운로드</a:t>
+            </a:r>
+            <a:endParaRPr lang="ko-KR" altLang="en-US" dirty="0">
+              <a:solidFill>
+                <a:srgbClr val="C00000"/>
+              </a:solidFill>
+            </a:endParaRPr>
           </a:p>
         </p:txBody>
       </p:sp>
     </p:spTree>
     <p:extLst>
       <p:ext uri="{BB962C8B-B14F-4D97-AF65-F5344CB8AC3E}">
-        <p14:creationId xmlns:p14="http://schemas.microsoft.com/office/powerpoint/2010/main" val="2601340335"/>
+        <p14:creationId xmlns:p14="http://schemas.microsoft.com/office/powerpoint/2010/main" val="229915131"/>
       </p:ext>
     </p:extLst>
   </p:cSld>
@@ -16209,6 +17046,44 @@
       </p:sp>
       <p:sp>
         <p:nvSpPr>
+          <p:cNvPr id="3" name="TextBox 2"/>
+          <p:cNvSpPr txBox="1"/>
+          <p:nvPr/>
+        </p:nvSpPr>
+        <p:spPr>
+          <a:xfrm>
+            <a:off x="920552" y="1114289"/>
+            <a:ext cx="4104455" cy="400110"/>
+          </a:xfrm>
+          <a:prstGeom prst="rect">
+            <a:avLst/>
+          </a:prstGeom>
+          <a:noFill/>
+        </p:spPr>
+        <p:txBody>
+          <a:bodyPr wrap="square" rtlCol="0">
+            <a:spAutoFit/>
+          </a:bodyPr>
+          <a:lstStyle/>
+          <a:p>
+            <a:pPr marL="342900" indent="-342900">
+              <a:buFont typeface="Wingdings" panose="05000000000000000000" pitchFamily="2" charset="2"/>
+              <a:buChar char="Ø"/>
+            </a:pPr>
+            <a:r>
+              <a:rPr lang="en-US" altLang="ko-KR" sz="2000" b="1" dirty="0" err="1" smtClean="0"/>
+              <a:t>Jdbc</a:t>
+            </a:r>
+            <a:r>
+              <a:rPr lang="en-US" altLang="ko-KR" sz="2000" b="1" dirty="0" smtClean="0"/>
+              <a:t> Test </a:t>
+            </a:r>
+            <a:endParaRPr lang="en-US" altLang="ko-KR" sz="2000" b="1" dirty="0" smtClean="0"/>
+          </a:p>
+        </p:txBody>
+      </p:sp>
+      <p:sp>
+        <p:nvSpPr>
           <p:cNvPr id="11" name="제목 5"/>
           <p:cNvSpPr txBox="1">
             <a:spLocks/>
@@ -16218,7 +17093,7 @@
         <p:spPr>
           <a:xfrm>
             <a:off x="152400" y="44624"/>
-            <a:ext cx="6240759" cy="854968"/>
+            <a:ext cx="6384775" cy="854968"/>
           </a:xfrm>
           <a:prstGeom prst="rect">
             <a:avLst/>
@@ -16274,14 +17149,50 @@
       </p:sp>
       <p:pic>
         <p:nvPicPr>
-          <p:cNvPr id="3" name="그림 2"/>
+          <p:cNvPr id="2" name="그림 1"/>
           <p:cNvPicPr>
             <a:picLocks noChangeAspect="1"/>
           </p:cNvPicPr>
           <p:nvPr/>
         </p:nvPicPr>
+        <p:blipFill rotWithShape="1">
+          <a:blip r:embed="rId2">
+            <a:extLst>
+              <a:ext uri="{28A0092B-C50C-407E-A947-70E740481C1C}">
+                <a14:useLocalDpi xmlns:a14="http://schemas.microsoft.com/office/drawing/2010/main" val="0"/>
+              </a:ext>
+            </a:extLst>
+          </a:blip>
+          <a:srcRect r="19265"/>
+          <a:stretch/>
+        </p:blipFill>
+        <p:spPr>
+          <a:xfrm>
+            <a:off x="920552" y="1577279"/>
+            <a:ext cx="7956395" cy="4248472"/>
+          </a:xfrm>
+          <a:prstGeom prst="rect">
+            <a:avLst/>
+          </a:prstGeom>
+          <a:ln>
+            <a:solidFill>
+              <a:schemeClr val="bg1">
+                <a:lumMod val="85000"/>
+              </a:schemeClr>
+            </a:solidFill>
+          </a:ln>
+        </p:spPr>
+      </p:pic>
+      <p:pic>
+        <p:nvPicPr>
+          <p:cNvPr id="5" name="그림 4"/>
+          <p:cNvPicPr>
+            <a:picLocks noChangeAspect="1"/>
+          </p:cNvPicPr>
+          <p:nvPr/>
+        </p:nvPicPr>
         <p:blipFill>
-          <a:blip r:embed="rId2">
+          <a:blip r:embed="rId3">
             <a:extLst>
               <a:ext uri="{28A0092B-C50C-407E-A947-70E740481C1C}">
                 <a14:useLocalDpi xmlns:a14="http://schemas.microsoft.com/office/drawing/2010/main" val="0"/>
@@ -16294,8 +17205,8 @@
         </p:blipFill>
         <p:spPr>
           <a:xfrm>
-            <a:off x="2000672" y="987421"/>
-            <a:ext cx="5464013" cy="5121084"/>
+            <a:off x="1313228" y="6021288"/>
+            <a:ext cx="7171041" cy="281964"/>
           </a:xfrm>
           <a:prstGeom prst="rect">
             <a:avLst/>
@@ -16312,7 +17223,7 @@
     </p:spTree>
     <p:extLst>
       <p:ext uri="{BB962C8B-B14F-4D97-AF65-F5344CB8AC3E}">
-        <p14:creationId xmlns:p14="http://schemas.microsoft.com/office/powerpoint/2010/main" val="3395925680"/>
+        <p14:creationId xmlns:p14="http://schemas.microsoft.com/office/powerpoint/2010/main" val="1756249311"/>
       </p:ext>
     </p:extLst>
   </p:cSld>

--- a/jsp_ppt/10-3장. Jsp - MVC 게시판관리(mysql).pptx
+++ b/jsp_ppt/10-3장. Jsp - MVC 게시판관리(mysql).pptx
@@ -5,7 +5,7 @@
     <p:sldMasterId id="2147483648" r:id="rId1"/>
   </p:sldMasterIdLst>
   <p:notesMasterIdLst>
-    <p:notesMasterId r:id="rId65"/>
+    <p:notesMasterId r:id="rId69"/>
   </p:notesMasterIdLst>
   <p:sldIdLst>
     <p:sldId id="256" r:id="rId2"/>
@@ -71,6 +71,10 @@
     <p:sldId id="471" r:id="rId62"/>
     <p:sldId id="473" r:id="rId63"/>
     <p:sldId id="474" r:id="rId64"/>
+    <p:sldId id="478" r:id="rId65"/>
+    <p:sldId id="479" r:id="rId66"/>
+    <p:sldId id="480" r:id="rId67"/>
+    <p:sldId id="481" r:id="rId68"/>
   </p:sldIdLst>
   <p:sldSz cx="9906000" cy="6858000" type="A4"/>
   <p:notesSz cx="6858000" cy="9144000"/>
@@ -270,7 +274,7 @@
           <a:p>
             <a:fld id="{7665CDAC-D627-4E87-877A-1B781DD4CADC}" type="datetimeFigureOut">
               <a:rPr lang="ko-KR" altLang="en-US" smtClean="0"/>
-              <a:t>2023-07-10</a:t>
+              <a:t>2023-07-12</a:t>
             </a:fld>
             <a:endParaRPr lang="ko-KR" altLang="en-US"/>
           </a:p>
@@ -808,7 +812,7 @@
           <a:p>
             <a:fld id="{F4AC81B4-D91A-4578-85B3-829E63FCFE17}" type="datetime1">
               <a:rPr lang="ko-KR" altLang="en-US" smtClean="0"/>
-              <a:t>2023-07-10</a:t>
+              <a:t>2023-07-12</a:t>
             </a:fld>
             <a:endParaRPr lang="ko-KR" altLang="en-US"/>
           </a:p>
@@ -1183,7 +1187,7 @@
           <a:p>
             <a:fld id="{F5B77542-37E5-48F2-BAE7-80CC6B0EB6A3}" type="datetime1">
               <a:rPr lang="ko-KR" altLang="en-US" smtClean="0"/>
-              <a:t>2023-07-10</a:t>
+              <a:t>2023-07-12</a:t>
             </a:fld>
             <a:endParaRPr lang="ko-KR" altLang="en-US"/>
           </a:p>
@@ -1363,7 +1367,7 @@
           <a:p>
             <a:fld id="{227CF174-B5AC-4A98-B673-0BE8126D3F27}" type="datetime1">
               <a:rPr lang="ko-KR" altLang="en-US" smtClean="0"/>
-              <a:t>2023-07-10</a:t>
+              <a:t>2023-07-12</a:t>
             </a:fld>
             <a:endParaRPr lang="ko-KR" altLang="en-US"/>
           </a:p>
@@ -1537,7 +1541,7 @@
           <a:p>
             <a:fld id="{E20FDEC8-1339-42E8-9704-2977280C2FD3}" type="datetime1">
               <a:rPr lang="ko-KR" altLang="en-US" smtClean="0"/>
-              <a:t>2023-07-10</a:t>
+              <a:t>2023-07-12</a:t>
             </a:fld>
             <a:endParaRPr lang="ko-KR" altLang="en-US"/>
           </a:p>
@@ -1783,7 +1787,7 @@
           <a:p>
             <a:fld id="{4D18DC76-A282-4817-B790-197F054E1215}" type="datetime1">
               <a:rPr lang="ko-KR" altLang="en-US" smtClean="0"/>
-              <a:t>2023-07-10</a:t>
+              <a:t>2023-07-12</a:t>
             </a:fld>
             <a:endParaRPr lang="ko-KR" altLang="en-US"/>
           </a:p>
@@ -2071,7 +2075,7 @@
           <a:p>
             <a:fld id="{6680AA6C-13D8-43E4-90F0-E6C88A2B9F16}" type="datetime1">
               <a:rPr lang="ko-KR" altLang="en-US" smtClean="0"/>
-              <a:t>2023-07-10</a:t>
+              <a:t>2023-07-12</a:t>
             </a:fld>
             <a:endParaRPr lang="ko-KR" altLang="en-US"/>
           </a:p>
@@ -2493,7 +2497,7 @@
           <a:p>
             <a:fld id="{3EF5B03B-20CC-436E-8601-C933C6C1F4A6}" type="datetime1">
               <a:rPr lang="ko-KR" altLang="en-US" smtClean="0"/>
-              <a:t>2023-07-10</a:t>
+              <a:t>2023-07-12</a:t>
             </a:fld>
             <a:endParaRPr lang="ko-KR" altLang="en-US"/>
           </a:p>
@@ -2611,7 +2615,7 @@
           <a:p>
             <a:fld id="{87B5A15D-8B08-482F-AB47-E416EC355EB6}" type="datetime1">
               <a:rPr lang="ko-KR" altLang="en-US" smtClean="0"/>
-              <a:t>2023-07-10</a:t>
+              <a:t>2023-07-12</a:t>
             </a:fld>
             <a:endParaRPr lang="ko-KR" altLang="en-US"/>
           </a:p>
@@ -2706,7 +2710,7 @@
           <a:p>
             <a:fld id="{A877D7F8-7B64-44F8-A411-CBD22F28CBFF}" type="datetime1">
               <a:rPr lang="ko-KR" altLang="en-US" smtClean="0"/>
-              <a:t>2023-07-10</a:t>
+              <a:t>2023-07-12</a:t>
             </a:fld>
             <a:endParaRPr lang="ko-KR" altLang="en-US"/>
           </a:p>
@@ -2983,7 +2987,7 @@
           <a:p>
             <a:fld id="{E12DBD9B-2BB6-4D1F-BCB4-1E48829C93C3}" type="datetime1">
               <a:rPr lang="ko-KR" altLang="en-US" smtClean="0"/>
-              <a:t>2023-07-10</a:t>
+              <a:t>2023-07-12</a:t>
             </a:fld>
             <a:endParaRPr lang="ko-KR" altLang="en-US"/>
           </a:p>
@@ -3236,7 +3240,7 @@
           <a:p>
             <a:fld id="{17564C48-0CD7-40EB-BE64-BBF4DB8C56AF}" type="datetime1">
               <a:rPr lang="ko-KR" altLang="en-US" smtClean="0"/>
-              <a:t>2023-07-10</a:t>
+              <a:t>2023-07-12</a:t>
             </a:fld>
             <a:endParaRPr lang="ko-KR" altLang="en-US"/>
           </a:p>
@@ -3416,7 +3420,7 @@
           <a:p>
             <a:fld id="{C116BCB4-B68B-4638-8167-F4BDC0A30DA1}" type="datetime1">
               <a:rPr lang="ko-KR" altLang="en-US" smtClean="0"/>
-              <a:t>2023-07-10</a:t>
+              <a:t>2023-07-12</a:t>
             </a:fld>
             <a:endParaRPr lang="ko-KR" altLang="en-US"/>
           </a:p>
@@ -4283,17 +4287,12 @@
             </a:pPr>
             <a:r>
               <a:rPr lang="en-US" altLang="ko-KR" sz="2000" b="1" dirty="0" err="1" smtClean="0"/>
-              <a:t>Jdbc</a:t>
-            </a:r>
-            <a:r>
-              <a:rPr lang="en-US" altLang="ko-KR" sz="2000" b="1" dirty="0" err="1" smtClean="0"/>
-              <a:t>Util</a:t>
+              <a:t>JdbcUtil</a:t>
             </a:r>
             <a:r>
               <a:rPr lang="en-US" altLang="ko-KR" sz="2000" b="1" dirty="0" smtClean="0"/>
               <a:t> </a:t>
             </a:r>
-            <a:endParaRPr lang="en-US" altLang="ko-KR" sz="2000" b="1" dirty="0" smtClean="0"/>
           </a:p>
         </p:txBody>
       </p:sp>
@@ -16291,6 +16290,1028 @@
 </p:sld>
 </file>
 
+<file path=ppt/slides/slide64.xml><?xml version="1.0" encoding="utf-8"?>
+<p:sld xmlns:a="http://schemas.openxmlformats.org/drawingml/2006/main" xmlns:r="http://schemas.openxmlformats.org/officeDocument/2006/relationships" xmlns:p="http://schemas.openxmlformats.org/presentationml/2006/main">
+  <p:cSld>
+    <p:spTree>
+      <p:nvGrpSpPr>
+        <p:cNvPr id="1" name=""/>
+        <p:cNvGrpSpPr/>
+        <p:nvPr/>
+      </p:nvGrpSpPr>
+      <p:grpSpPr>
+        <a:xfrm>
+          <a:off x="0" y="0"/>
+          <a:ext cx="0" cy="0"/>
+          <a:chOff x="0" y="0"/>
+          <a:chExt cx="0" cy="0"/>
+        </a:xfrm>
+      </p:grpSpPr>
+      <p:sp>
+        <p:nvSpPr>
+          <p:cNvPr id="15" name="제목 5"/>
+          <p:cNvSpPr txBox="1">
+            <a:spLocks/>
+          </p:cNvSpPr>
+          <p:nvPr/>
+        </p:nvSpPr>
+        <p:spPr>
+          <a:xfrm>
+            <a:off x="1" y="-18256"/>
+            <a:ext cx="5079014" cy="854968"/>
+          </a:xfrm>
+          <a:prstGeom prst="rect">
+            <a:avLst/>
+          </a:prstGeom>
+        </p:spPr>
+        <p:txBody>
+          <a:bodyPr anchor="ctr" anchorCtr="0"/>
+          <a:lstStyle>
+            <a:lvl1pPr algn="l" defTabSz="914400" rtl="0" eaLnBrk="1" latinLnBrk="1" hangingPunct="1">
+              <a:spcBef>
+                <a:spcPct val="0"/>
+              </a:spcBef>
+              <a:buNone/>
+              <a:defRPr sz="3200" kern="1200">
+                <a:solidFill>
+                  <a:schemeClr val="bg1"/>
+                </a:solidFill>
+                <a:latin typeface="HY헤드라인M" panose="02030600000101010101" pitchFamily="18" charset="-127"/>
+                <a:ea typeface="HY헤드라인M" panose="02030600000101010101" pitchFamily="18" charset="-127"/>
+                <a:cs typeface="+mj-cs"/>
+              </a:defRPr>
+            </a:lvl1pPr>
+          </a:lstStyle>
+          <a:p>
+            <a:r>
+              <a:rPr lang="en-US" altLang="ko-KR" dirty="0" smtClean="0"/>
+              <a:t> </a:t>
+            </a:r>
+            <a:endParaRPr lang="ko-KR" altLang="en-US" dirty="0"/>
+          </a:p>
+        </p:txBody>
+      </p:sp>
+      <p:sp>
+        <p:nvSpPr>
+          <p:cNvPr id="11" name="제목 5"/>
+          <p:cNvSpPr txBox="1">
+            <a:spLocks/>
+          </p:cNvSpPr>
+          <p:nvPr/>
+        </p:nvSpPr>
+        <p:spPr>
+          <a:xfrm>
+            <a:off x="152400" y="44624"/>
+            <a:ext cx="6312767" cy="854968"/>
+          </a:xfrm>
+          <a:prstGeom prst="rect">
+            <a:avLst/>
+          </a:prstGeom>
+        </p:spPr>
+        <p:txBody>
+          <a:bodyPr anchor="ctr" anchorCtr="0"/>
+          <a:lstStyle>
+            <a:lvl1pPr algn="l" defTabSz="914400" rtl="0" eaLnBrk="1" latinLnBrk="1" hangingPunct="1">
+              <a:spcBef>
+                <a:spcPct val="0"/>
+              </a:spcBef>
+              <a:buNone/>
+              <a:defRPr sz="3200" kern="1200">
+                <a:solidFill>
+                  <a:schemeClr val="bg1"/>
+                </a:solidFill>
+                <a:latin typeface="HY헤드라인M" panose="02030600000101010101" pitchFamily="18" charset="-127"/>
+                <a:ea typeface="HY헤드라인M" panose="02030600000101010101" pitchFamily="18" charset="-127"/>
+                <a:cs typeface="+mj-cs"/>
+              </a:defRPr>
+            </a:lvl1pPr>
+          </a:lstStyle>
+          <a:p>
+            <a:r>
+              <a:rPr lang="en-US" altLang="ko-KR" dirty="0" smtClean="0"/>
+              <a:t> </a:t>
+            </a:r>
+            <a:r>
+              <a:rPr lang="en-US" altLang="ko-KR" b="1" dirty="0">
+                <a:latin typeface="휴먼엑스포" panose="02030504000101010101" pitchFamily="18" charset="-127"/>
+                <a:ea typeface="휴먼엑스포" panose="02030504000101010101" pitchFamily="18" charset="-127"/>
+              </a:rPr>
+              <a:t> </a:t>
+            </a:r>
+            <a:r>
+              <a:rPr lang="ko-KR" altLang="en-US" b="1" dirty="0" smtClean="0">
+                <a:latin typeface="휴먼엑스포" panose="02030504000101010101" pitchFamily="18" charset="-127"/>
+                <a:ea typeface="휴먼엑스포" panose="02030504000101010101" pitchFamily="18" charset="-127"/>
+              </a:rPr>
+              <a:t>다국어 처리</a:t>
+            </a:r>
+            <a:endParaRPr lang="ko-KR" altLang="en-US" dirty="0"/>
+          </a:p>
+        </p:txBody>
+      </p:sp>
+      <p:pic>
+        <p:nvPicPr>
+          <p:cNvPr id="2" name="그림 1"/>
+          <p:cNvPicPr>
+            <a:picLocks noChangeAspect="1"/>
+          </p:cNvPicPr>
+          <p:nvPr/>
+        </p:nvPicPr>
+        <p:blipFill>
+          <a:blip r:embed="rId2">
+            <a:extLst>
+              <a:ext uri="{28A0092B-C50C-407E-A947-70E740481C1C}">
+                <a14:useLocalDpi xmlns:a14="http://schemas.microsoft.com/office/drawing/2010/main" val="0"/>
+              </a:ext>
+            </a:extLst>
+          </a:blip>
+          <a:stretch>
+            <a:fillRect/>
+          </a:stretch>
+        </p:blipFill>
+        <p:spPr>
+          <a:xfrm>
+            <a:off x="2476285" y="1801989"/>
+            <a:ext cx="4953429" cy="3254022"/>
+          </a:xfrm>
+          <a:prstGeom prst="rect">
+            <a:avLst/>
+          </a:prstGeom>
+          <a:ln>
+            <a:solidFill>
+              <a:schemeClr val="bg1">
+                <a:lumMod val="85000"/>
+              </a:schemeClr>
+            </a:solidFill>
+          </a:ln>
+        </p:spPr>
+      </p:pic>
+    </p:spTree>
+    <p:extLst>
+      <p:ext uri="{BB962C8B-B14F-4D97-AF65-F5344CB8AC3E}">
+        <p14:creationId xmlns:p14="http://schemas.microsoft.com/office/powerpoint/2010/main" val="2606355772"/>
+      </p:ext>
+    </p:extLst>
+  </p:cSld>
+  <p:clrMapOvr>
+    <a:masterClrMapping/>
+  </p:clrMapOvr>
+  <p:timing>
+    <p:tnLst>
+      <p:par>
+        <p:cTn id="1" dur="indefinite" restart="never" nodeType="tmRoot"/>
+      </p:par>
+    </p:tnLst>
+  </p:timing>
+</p:sld>
+</file>
+
+<file path=ppt/slides/slide65.xml><?xml version="1.0" encoding="utf-8"?>
+<p:sld xmlns:a="http://schemas.openxmlformats.org/drawingml/2006/main" xmlns:r="http://schemas.openxmlformats.org/officeDocument/2006/relationships" xmlns:p="http://schemas.openxmlformats.org/presentationml/2006/main">
+  <p:cSld>
+    <p:spTree>
+      <p:nvGrpSpPr>
+        <p:cNvPr id="1" name=""/>
+        <p:cNvGrpSpPr/>
+        <p:nvPr/>
+      </p:nvGrpSpPr>
+      <p:grpSpPr>
+        <a:xfrm>
+          <a:off x="0" y="0"/>
+          <a:ext cx="0" cy="0"/>
+          <a:chOff x="0" y="0"/>
+          <a:chExt cx="0" cy="0"/>
+        </a:xfrm>
+      </p:grpSpPr>
+      <p:sp>
+        <p:nvSpPr>
+          <p:cNvPr id="15" name="제목 5"/>
+          <p:cNvSpPr txBox="1">
+            <a:spLocks/>
+          </p:cNvSpPr>
+          <p:nvPr/>
+        </p:nvSpPr>
+        <p:spPr>
+          <a:xfrm>
+            <a:off x="1" y="-18256"/>
+            <a:ext cx="5079014" cy="854968"/>
+          </a:xfrm>
+          <a:prstGeom prst="rect">
+            <a:avLst/>
+          </a:prstGeom>
+        </p:spPr>
+        <p:txBody>
+          <a:bodyPr anchor="ctr" anchorCtr="0"/>
+          <a:lstStyle>
+            <a:lvl1pPr algn="l" defTabSz="914400" rtl="0" eaLnBrk="1" latinLnBrk="1" hangingPunct="1">
+              <a:spcBef>
+                <a:spcPct val="0"/>
+              </a:spcBef>
+              <a:buNone/>
+              <a:defRPr sz="3200" kern="1200">
+                <a:solidFill>
+                  <a:schemeClr val="bg1"/>
+                </a:solidFill>
+                <a:latin typeface="HY헤드라인M" panose="02030600000101010101" pitchFamily="18" charset="-127"/>
+                <a:ea typeface="HY헤드라인M" panose="02030600000101010101" pitchFamily="18" charset="-127"/>
+                <a:cs typeface="+mj-cs"/>
+              </a:defRPr>
+            </a:lvl1pPr>
+          </a:lstStyle>
+          <a:p>
+            <a:r>
+              <a:rPr lang="en-US" altLang="ko-KR" dirty="0" smtClean="0"/>
+              <a:t> </a:t>
+            </a:r>
+            <a:endParaRPr lang="ko-KR" altLang="en-US" dirty="0"/>
+          </a:p>
+        </p:txBody>
+      </p:sp>
+      <p:sp>
+        <p:nvSpPr>
+          <p:cNvPr id="11" name="제목 5"/>
+          <p:cNvSpPr txBox="1">
+            <a:spLocks/>
+          </p:cNvSpPr>
+          <p:nvPr/>
+        </p:nvSpPr>
+        <p:spPr>
+          <a:xfrm>
+            <a:off x="152400" y="44624"/>
+            <a:ext cx="6312767" cy="854968"/>
+          </a:xfrm>
+          <a:prstGeom prst="rect">
+            <a:avLst/>
+          </a:prstGeom>
+        </p:spPr>
+        <p:txBody>
+          <a:bodyPr anchor="ctr" anchorCtr="0"/>
+          <a:lstStyle>
+            <a:lvl1pPr algn="l" defTabSz="914400" rtl="0" eaLnBrk="1" latinLnBrk="1" hangingPunct="1">
+              <a:spcBef>
+                <a:spcPct val="0"/>
+              </a:spcBef>
+              <a:buNone/>
+              <a:defRPr sz="3200" kern="1200">
+                <a:solidFill>
+                  <a:schemeClr val="bg1"/>
+                </a:solidFill>
+                <a:latin typeface="HY헤드라인M" panose="02030600000101010101" pitchFamily="18" charset="-127"/>
+                <a:ea typeface="HY헤드라인M" panose="02030600000101010101" pitchFamily="18" charset="-127"/>
+                <a:cs typeface="+mj-cs"/>
+              </a:defRPr>
+            </a:lvl1pPr>
+          </a:lstStyle>
+          <a:p>
+            <a:r>
+              <a:rPr lang="en-US" altLang="ko-KR" dirty="0" smtClean="0"/>
+              <a:t> </a:t>
+            </a:r>
+            <a:r>
+              <a:rPr lang="en-US" altLang="ko-KR" b="1" dirty="0">
+                <a:latin typeface="휴먼엑스포" panose="02030504000101010101" pitchFamily="18" charset="-127"/>
+                <a:ea typeface="휴먼엑스포" panose="02030504000101010101" pitchFamily="18" charset="-127"/>
+              </a:rPr>
+              <a:t> </a:t>
+            </a:r>
+            <a:r>
+              <a:rPr lang="ko-KR" altLang="en-US" b="1" dirty="0">
+                <a:latin typeface="휴먼엑스포" panose="02030504000101010101" pitchFamily="18" charset="-127"/>
+                <a:ea typeface="휴먼엑스포" panose="02030504000101010101" pitchFamily="18" charset="-127"/>
+              </a:rPr>
+              <a:t>다국어 처리</a:t>
+            </a:r>
+            <a:endParaRPr lang="ko-KR" altLang="en-US" dirty="0"/>
+          </a:p>
+        </p:txBody>
+      </p:sp>
+      <p:sp>
+        <p:nvSpPr>
+          <p:cNvPr id="7" name="TextBox 6"/>
+          <p:cNvSpPr txBox="1"/>
+          <p:nvPr/>
+        </p:nvSpPr>
+        <p:spPr>
+          <a:xfrm>
+            <a:off x="973764" y="1247095"/>
+            <a:ext cx="5472607" cy="369332"/>
+          </a:xfrm>
+          <a:prstGeom prst="rect">
+            <a:avLst/>
+          </a:prstGeom>
+          <a:noFill/>
+        </p:spPr>
+        <p:txBody>
+          <a:bodyPr wrap="square" rtlCol="0">
+            <a:spAutoFit/>
+          </a:bodyPr>
+          <a:lstStyle/>
+          <a:p>
+            <a:pPr marL="285750" indent="-285750">
+              <a:buFont typeface="Wingdings" panose="05000000000000000000" pitchFamily="2" charset="2"/>
+              <a:buChar char="§"/>
+            </a:pPr>
+            <a:r>
+              <a:rPr lang="en-US" altLang="ko-KR" b="1" dirty="0" smtClean="0"/>
+              <a:t>bundle </a:t>
+            </a:r>
+            <a:r>
+              <a:rPr lang="ko-KR" altLang="en-US" b="1" dirty="0" smtClean="0"/>
+              <a:t>패키지</a:t>
+            </a:r>
+            <a:r>
+              <a:rPr lang="en-US" altLang="ko-KR" b="1" dirty="0" smtClean="0"/>
+              <a:t> </a:t>
+            </a:r>
+            <a:endParaRPr lang="en-US" altLang="ko-KR" b="1" dirty="0" smtClean="0"/>
+          </a:p>
+        </p:txBody>
+      </p:sp>
+      <p:pic>
+        <p:nvPicPr>
+          <p:cNvPr id="2" name="그림 1"/>
+          <p:cNvPicPr>
+            <a:picLocks noChangeAspect="1"/>
+          </p:cNvPicPr>
+          <p:nvPr/>
+        </p:nvPicPr>
+        <p:blipFill>
+          <a:blip r:embed="rId2">
+            <a:extLst>
+              <a:ext uri="{28A0092B-C50C-407E-A947-70E740481C1C}">
+                <a14:useLocalDpi xmlns:a14="http://schemas.microsoft.com/office/drawing/2010/main" val="0"/>
+              </a:ext>
+            </a:extLst>
+          </a:blip>
+          <a:stretch>
+            <a:fillRect/>
+          </a:stretch>
+        </p:blipFill>
+        <p:spPr>
+          <a:xfrm>
+            <a:off x="973764" y="1963930"/>
+            <a:ext cx="2379464" cy="2293872"/>
+          </a:xfrm>
+          <a:prstGeom prst="rect">
+            <a:avLst/>
+          </a:prstGeom>
+          <a:ln>
+            <a:solidFill>
+              <a:schemeClr val="bg1">
+                <a:lumMod val="85000"/>
+              </a:schemeClr>
+            </a:solidFill>
+          </a:ln>
+        </p:spPr>
+      </p:pic>
+      <p:pic>
+        <p:nvPicPr>
+          <p:cNvPr id="3" name="그림 2"/>
+          <p:cNvPicPr>
+            <a:picLocks noChangeAspect="1"/>
+          </p:cNvPicPr>
+          <p:nvPr/>
+        </p:nvPicPr>
+        <p:blipFill>
+          <a:blip r:embed="rId3">
+            <a:extLst>
+              <a:ext uri="{28A0092B-C50C-407E-A947-70E740481C1C}">
+                <a14:useLocalDpi xmlns:a14="http://schemas.microsoft.com/office/drawing/2010/main" val="0"/>
+              </a:ext>
+            </a:extLst>
+          </a:blip>
+          <a:stretch>
+            <a:fillRect/>
+          </a:stretch>
+        </p:blipFill>
+        <p:spPr>
+          <a:xfrm>
+            <a:off x="3682346" y="2034885"/>
+            <a:ext cx="2592288" cy="1481308"/>
+          </a:xfrm>
+          <a:prstGeom prst="rect">
+            <a:avLst/>
+          </a:prstGeom>
+          <a:ln>
+            <a:solidFill>
+              <a:schemeClr val="bg1">
+                <a:lumMod val="85000"/>
+              </a:schemeClr>
+            </a:solidFill>
+          </a:ln>
+        </p:spPr>
+      </p:pic>
+      <p:pic>
+        <p:nvPicPr>
+          <p:cNvPr id="4" name="그림 3"/>
+          <p:cNvPicPr>
+            <a:picLocks noChangeAspect="1"/>
+          </p:cNvPicPr>
+          <p:nvPr/>
+        </p:nvPicPr>
+        <p:blipFill>
+          <a:blip r:embed="rId4">
+            <a:extLst>
+              <a:ext uri="{28A0092B-C50C-407E-A947-70E740481C1C}">
+                <a14:useLocalDpi xmlns:a14="http://schemas.microsoft.com/office/drawing/2010/main" val="0"/>
+              </a:ext>
+            </a:extLst>
+          </a:blip>
+          <a:stretch>
+            <a:fillRect/>
+          </a:stretch>
+        </p:blipFill>
+        <p:spPr>
+          <a:xfrm>
+            <a:off x="6603752" y="2028800"/>
+            <a:ext cx="3055995" cy="1436715"/>
+          </a:xfrm>
+          <a:prstGeom prst="rect">
+            <a:avLst/>
+          </a:prstGeom>
+          <a:ln>
+            <a:solidFill>
+              <a:schemeClr val="bg1">
+                <a:lumMod val="85000"/>
+              </a:schemeClr>
+            </a:solidFill>
+          </a:ln>
+        </p:spPr>
+      </p:pic>
+      <p:pic>
+        <p:nvPicPr>
+          <p:cNvPr id="6" name="그림 5"/>
+          <p:cNvPicPr>
+            <a:picLocks noChangeAspect="1"/>
+          </p:cNvPicPr>
+          <p:nvPr/>
+        </p:nvPicPr>
+        <p:blipFill>
+          <a:blip r:embed="rId5">
+            <a:extLst>
+              <a:ext uri="{28A0092B-C50C-407E-A947-70E740481C1C}">
+                <a14:useLocalDpi xmlns:a14="http://schemas.microsoft.com/office/drawing/2010/main" val="0"/>
+              </a:ext>
+            </a:extLst>
+          </a:blip>
+          <a:stretch>
+            <a:fillRect/>
+          </a:stretch>
+        </p:blipFill>
+        <p:spPr>
+          <a:xfrm>
+            <a:off x="3710067" y="4149080"/>
+            <a:ext cx="4511431" cy="1409822"/>
+          </a:xfrm>
+          <a:prstGeom prst="rect">
+            <a:avLst/>
+          </a:prstGeom>
+          <a:ln>
+            <a:solidFill>
+              <a:schemeClr val="bg1">
+                <a:lumMod val="85000"/>
+              </a:schemeClr>
+            </a:solidFill>
+          </a:ln>
+        </p:spPr>
+      </p:pic>
+      <p:sp>
+        <p:nvSpPr>
+          <p:cNvPr id="8" name="TextBox 7"/>
+          <p:cNvSpPr txBox="1"/>
+          <p:nvPr/>
+        </p:nvSpPr>
+        <p:spPr>
+          <a:xfrm>
+            <a:off x="3584848" y="3565319"/>
+            <a:ext cx="1674981" cy="369332"/>
+          </a:xfrm>
+          <a:prstGeom prst="rect">
+            <a:avLst/>
+          </a:prstGeom>
+          <a:noFill/>
+        </p:spPr>
+        <p:txBody>
+          <a:bodyPr wrap="square" rtlCol="0">
+            <a:spAutoFit/>
+          </a:bodyPr>
+          <a:lstStyle/>
+          <a:p>
+            <a:r>
+              <a:rPr lang="en-US" altLang="ko-KR" dirty="0" smtClean="0"/>
+              <a:t>message.txt</a:t>
+            </a:r>
+            <a:endParaRPr lang="ko-KR" altLang="en-US" dirty="0"/>
+          </a:p>
+        </p:txBody>
+      </p:sp>
+      <p:sp>
+        <p:nvSpPr>
+          <p:cNvPr id="12" name="TextBox 11"/>
+          <p:cNvSpPr txBox="1"/>
+          <p:nvPr/>
+        </p:nvSpPr>
+        <p:spPr>
+          <a:xfrm>
+            <a:off x="6603752" y="3565319"/>
+            <a:ext cx="3055995" cy="369332"/>
+          </a:xfrm>
+          <a:prstGeom prst="rect">
+            <a:avLst/>
+          </a:prstGeom>
+          <a:noFill/>
+        </p:spPr>
+        <p:txBody>
+          <a:bodyPr wrap="square" rtlCol="0">
+            <a:spAutoFit/>
+          </a:bodyPr>
+          <a:lstStyle/>
+          <a:p>
+            <a:r>
+              <a:rPr lang="en-US" altLang="ko-KR" dirty="0" err="1" smtClean="0"/>
+              <a:t>message_en.properties</a:t>
+            </a:r>
+            <a:endParaRPr lang="ko-KR" altLang="en-US" dirty="0"/>
+          </a:p>
+        </p:txBody>
+      </p:sp>
+      <p:sp>
+        <p:nvSpPr>
+          <p:cNvPr id="13" name="TextBox 12"/>
+          <p:cNvSpPr txBox="1"/>
+          <p:nvPr/>
+        </p:nvSpPr>
+        <p:spPr>
+          <a:xfrm>
+            <a:off x="3584848" y="5588665"/>
+            <a:ext cx="3055995" cy="369332"/>
+          </a:xfrm>
+          <a:prstGeom prst="rect">
+            <a:avLst/>
+          </a:prstGeom>
+          <a:noFill/>
+        </p:spPr>
+        <p:txBody>
+          <a:bodyPr wrap="square" rtlCol="0">
+            <a:spAutoFit/>
+          </a:bodyPr>
+          <a:lstStyle/>
+          <a:p>
+            <a:r>
+              <a:rPr lang="en-US" altLang="ko-KR" dirty="0" err="1" smtClean="0"/>
+              <a:t>message.properties</a:t>
+            </a:r>
+            <a:endParaRPr lang="ko-KR" altLang="en-US" dirty="0"/>
+          </a:p>
+        </p:txBody>
+      </p:sp>
+    </p:spTree>
+    <p:extLst>
+      <p:ext uri="{BB962C8B-B14F-4D97-AF65-F5344CB8AC3E}">
+        <p14:creationId xmlns:p14="http://schemas.microsoft.com/office/powerpoint/2010/main" val="3500254056"/>
+      </p:ext>
+    </p:extLst>
+  </p:cSld>
+  <p:clrMapOvr>
+    <a:masterClrMapping/>
+  </p:clrMapOvr>
+  <p:timing>
+    <p:tnLst>
+      <p:par>
+        <p:cTn id="1" dur="indefinite" restart="never" nodeType="tmRoot"/>
+      </p:par>
+    </p:tnLst>
+  </p:timing>
+</p:sld>
+</file>
+
+<file path=ppt/slides/slide66.xml><?xml version="1.0" encoding="utf-8"?>
+<p:sld xmlns:a="http://schemas.openxmlformats.org/drawingml/2006/main" xmlns:r="http://schemas.openxmlformats.org/officeDocument/2006/relationships" xmlns:p="http://schemas.openxmlformats.org/presentationml/2006/main">
+  <p:cSld>
+    <p:spTree>
+      <p:nvGrpSpPr>
+        <p:cNvPr id="1" name=""/>
+        <p:cNvGrpSpPr/>
+        <p:nvPr/>
+      </p:nvGrpSpPr>
+      <p:grpSpPr>
+        <a:xfrm>
+          <a:off x="0" y="0"/>
+          <a:ext cx="0" cy="0"/>
+          <a:chOff x="0" y="0"/>
+          <a:chExt cx="0" cy="0"/>
+        </a:xfrm>
+      </p:grpSpPr>
+      <p:sp>
+        <p:nvSpPr>
+          <p:cNvPr id="15" name="제목 5"/>
+          <p:cNvSpPr txBox="1">
+            <a:spLocks/>
+          </p:cNvSpPr>
+          <p:nvPr/>
+        </p:nvSpPr>
+        <p:spPr>
+          <a:xfrm>
+            <a:off x="1" y="-18256"/>
+            <a:ext cx="5079014" cy="854968"/>
+          </a:xfrm>
+          <a:prstGeom prst="rect">
+            <a:avLst/>
+          </a:prstGeom>
+        </p:spPr>
+        <p:txBody>
+          <a:bodyPr anchor="ctr" anchorCtr="0"/>
+          <a:lstStyle>
+            <a:lvl1pPr algn="l" defTabSz="914400" rtl="0" eaLnBrk="1" latinLnBrk="1" hangingPunct="1">
+              <a:spcBef>
+                <a:spcPct val="0"/>
+              </a:spcBef>
+              <a:buNone/>
+              <a:defRPr sz="3200" kern="1200">
+                <a:solidFill>
+                  <a:schemeClr val="bg1"/>
+                </a:solidFill>
+                <a:latin typeface="HY헤드라인M" panose="02030600000101010101" pitchFamily="18" charset="-127"/>
+                <a:ea typeface="HY헤드라인M" panose="02030600000101010101" pitchFamily="18" charset="-127"/>
+                <a:cs typeface="+mj-cs"/>
+              </a:defRPr>
+            </a:lvl1pPr>
+          </a:lstStyle>
+          <a:p>
+            <a:r>
+              <a:rPr lang="en-US" altLang="ko-KR" dirty="0" smtClean="0"/>
+              <a:t> </a:t>
+            </a:r>
+            <a:endParaRPr lang="ko-KR" altLang="en-US" dirty="0"/>
+          </a:p>
+        </p:txBody>
+      </p:sp>
+      <p:sp>
+        <p:nvSpPr>
+          <p:cNvPr id="11" name="제목 5"/>
+          <p:cNvSpPr txBox="1">
+            <a:spLocks/>
+          </p:cNvSpPr>
+          <p:nvPr/>
+        </p:nvSpPr>
+        <p:spPr>
+          <a:xfrm>
+            <a:off x="152400" y="44624"/>
+            <a:ext cx="6312767" cy="854968"/>
+          </a:xfrm>
+          <a:prstGeom prst="rect">
+            <a:avLst/>
+          </a:prstGeom>
+        </p:spPr>
+        <p:txBody>
+          <a:bodyPr anchor="ctr" anchorCtr="0"/>
+          <a:lstStyle>
+            <a:lvl1pPr algn="l" defTabSz="914400" rtl="0" eaLnBrk="1" latinLnBrk="1" hangingPunct="1">
+              <a:spcBef>
+                <a:spcPct val="0"/>
+              </a:spcBef>
+              <a:buNone/>
+              <a:defRPr sz="3200" kern="1200">
+                <a:solidFill>
+                  <a:schemeClr val="bg1"/>
+                </a:solidFill>
+                <a:latin typeface="HY헤드라인M" panose="02030600000101010101" pitchFamily="18" charset="-127"/>
+                <a:ea typeface="HY헤드라인M" panose="02030600000101010101" pitchFamily="18" charset="-127"/>
+                <a:cs typeface="+mj-cs"/>
+              </a:defRPr>
+            </a:lvl1pPr>
+          </a:lstStyle>
+          <a:p>
+            <a:r>
+              <a:rPr lang="en-US" altLang="ko-KR" dirty="0" smtClean="0"/>
+              <a:t> </a:t>
+            </a:r>
+            <a:r>
+              <a:rPr lang="en-US" altLang="ko-KR" b="1" dirty="0">
+                <a:latin typeface="휴먼엑스포" panose="02030504000101010101" pitchFamily="18" charset="-127"/>
+                <a:ea typeface="휴먼엑스포" panose="02030504000101010101" pitchFamily="18" charset="-127"/>
+              </a:rPr>
+              <a:t> </a:t>
+            </a:r>
+            <a:r>
+              <a:rPr lang="ko-KR" altLang="en-US" b="1" dirty="0">
+                <a:latin typeface="휴먼엑스포" panose="02030504000101010101" pitchFamily="18" charset="-127"/>
+                <a:ea typeface="휴먼엑스포" panose="02030504000101010101" pitchFamily="18" charset="-127"/>
+              </a:rPr>
+              <a:t>다국어 처리</a:t>
+            </a:r>
+            <a:endParaRPr lang="ko-KR" altLang="en-US" dirty="0"/>
+          </a:p>
+        </p:txBody>
+      </p:sp>
+      <p:sp>
+        <p:nvSpPr>
+          <p:cNvPr id="7" name="TextBox 6"/>
+          <p:cNvSpPr txBox="1"/>
+          <p:nvPr/>
+        </p:nvSpPr>
+        <p:spPr>
+          <a:xfrm>
+            <a:off x="973764" y="1247095"/>
+            <a:ext cx="5472607" cy="369332"/>
+          </a:xfrm>
+          <a:prstGeom prst="rect">
+            <a:avLst/>
+          </a:prstGeom>
+          <a:noFill/>
+        </p:spPr>
+        <p:txBody>
+          <a:bodyPr wrap="square" rtlCol="0">
+            <a:spAutoFit/>
+          </a:bodyPr>
+          <a:lstStyle/>
+          <a:p>
+            <a:pPr marL="285750" indent="-285750">
+              <a:buFont typeface="Wingdings" panose="05000000000000000000" pitchFamily="2" charset="2"/>
+              <a:buChar char="§"/>
+            </a:pPr>
+            <a:r>
+              <a:rPr lang="en-US" altLang="ko-KR" b="1" dirty="0" err="1" smtClean="0"/>
+              <a:t>loginForm.jsp</a:t>
+            </a:r>
+            <a:r>
+              <a:rPr lang="en-US" altLang="ko-KR" b="1" dirty="0" smtClean="0"/>
+              <a:t> </a:t>
+            </a:r>
+            <a:endParaRPr lang="en-US" altLang="ko-KR" b="1" dirty="0" smtClean="0"/>
+          </a:p>
+        </p:txBody>
+      </p:sp>
+      <p:pic>
+        <p:nvPicPr>
+          <p:cNvPr id="5" name="그림 4"/>
+          <p:cNvPicPr>
+            <a:picLocks noChangeAspect="1"/>
+          </p:cNvPicPr>
+          <p:nvPr/>
+        </p:nvPicPr>
+        <p:blipFill>
+          <a:blip r:embed="rId2">
+            <a:extLst>
+              <a:ext uri="{28A0092B-C50C-407E-A947-70E740481C1C}">
+                <a14:useLocalDpi xmlns:a14="http://schemas.microsoft.com/office/drawing/2010/main" val="0"/>
+              </a:ext>
+            </a:extLst>
+          </a:blip>
+          <a:stretch>
+            <a:fillRect/>
+          </a:stretch>
+        </p:blipFill>
+        <p:spPr>
+          <a:xfrm>
+            <a:off x="571394" y="1772816"/>
+            <a:ext cx="9015241" cy="3863675"/>
+          </a:xfrm>
+          <a:prstGeom prst="rect">
+            <a:avLst/>
+          </a:prstGeom>
+          <a:ln>
+            <a:solidFill>
+              <a:schemeClr val="bg1">
+                <a:lumMod val="85000"/>
+              </a:schemeClr>
+            </a:solidFill>
+          </a:ln>
+        </p:spPr>
+      </p:pic>
+    </p:spTree>
+    <p:extLst>
+      <p:ext uri="{BB962C8B-B14F-4D97-AF65-F5344CB8AC3E}">
+        <p14:creationId xmlns:p14="http://schemas.microsoft.com/office/powerpoint/2010/main" val="2103484106"/>
+      </p:ext>
+    </p:extLst>
+  </p:cSld>
+  <p:clrMapOvr>
+    <a:masterClrMapping/>
+  </p:clrMapOvr>
+  <p:timing>
+    <p:tnLst>
+      <p:par>
+        <p:cTn id="1" dur="indefinite" restart="never" nodeType="tmRoot"/>
+      </p:par>
+    </p:tnLst>
+  </p:timing>
+</p:sld>
+</file>
+
+<file path=ppt/slides/slide67.xml><?xml version="1.0" encoding="utf-8"?>
+<p:sld xmlns:a="http://schemas.openxmlformats.org/drawingml/2006/main" xmlns:r="http://schemas.openxmlformats.org/officeDocument/2006/relationships" xmlns:p="http://schemas.openxmlformats.org/presentationml/2006/main">
+  <p:cSld>
+    <p:spTree>
+      <p:nvGrpSpPr>
+        <p:cNvPr id="1" name=""/>
+        <p:cNvGrpSpPr/>
+        <p:nvPr/>
+      </p:nvGrpSpPr>
+      <p:grpSpPr>
+        <a:xfrm>
+          <a:off x="0" y="0"/>
+          <a:ext cx="0" cy="0"/>
+          <a:chOff x="0" y="0"/>
+          <a:chExt cx="0" cy="0"/>
+        </a:xfrm>
+      </p:grpSpPr>
+      <p:sp>
+        <p:nvSpPr>
+          <p:cNvPr id="15" name="제목 5"/>
+          <p:cNvSpPr txBox="1">
+            <a:spLocks/>
+          </p:cNvSpPr>
+          <p:nvPr/>
+        </p:nvSpPr>
+        <p:spPr>
+          <a:xfrm>
+            <a:off x="1" y="-18256"/>
+            <a:ext cx="5079014" cy="854968"/>
+          </a:xfrm>
+          <a:prstGeom prst="rect">
+            <a:avLst/>
+          </a:prstGeom>
+        </p:spPr>
+        <p:txBody>
+          <a:bodyPr anchor="ctr" anchorCtr="0"/>
+          <a:lstStyle>
+            <a:lvl1pPr algn="l" defTabSz="914400" rtl="0" eaLnBrk="1" latinLnBrk="1" hangingPunct="1">
+              <a:spcBef>
+                <a:spcPct val="0"/>
+              </a:spcBef>
+              <a:buNone/>
+              <a:defRPr sz="3200" kern="1200">
+                <a:solidFill>
+                  <a:schemeClr val="bg1"/>
+                </a:solidFill>
+                <a:latin typeface="HY헤드라인M" panose="02030600000101010101" pitchFamily="18" charset="-127"/>
+                <a:ea typeface="HY헤드라인M" panose="02030600000101010101" pitchFamily="18" charset="-127"/>
+                <a:cs typeface="+mj-cs"/>
+              </a:defRPr>
+            </a:lvl1pPr>
+          </a:lstStyle>
+          <a:p>
+            <a:r>
+              <a:rPr lang="en-US" altLang="ko-KR" dirty="0" smtClean="0"/>
+              <a:t> </a:t>
+            </a:r>
+            <a:endParaRPr lang="ko-KR" altLang="en-US" dirty="0"/>
+          </a:p>
+        </p:txBody>
+      </p:sp>
+      <p:sp>
+        <p:nvSpPr>
+          <p:cNvPr id="11" name="제목 5"/>
+          <p:cNvSpPr txBox="1">
+            <a:spLocks/>
+          </p:cNvSpPr>
+          <p:nvPr/>
+        </p:nvSpPr>
+        <p:spPr>
+          <a:xfrm>
+            <a:off x="152400" y="44624"/>
+            <a:ext cx="6312767" cy="854968"/>
+          </a:xfrm>
+          <a:prstGeom prst="rect">
+            <a:avLst/>
+          </a:prstGeom>
+        </p:spPr>
+        <p:txBody>
+          <a:bodyPr anchor="ctr" anchorCtr="0"/>
+          <a:lstStyle>
+            <a:lvl1pPr algn="l" defTabSz="914400" rtl="0" eaLnBrk="1" latinLnBrk="1" hangingPunct="1">
+              <a:spcBef>
+                <a:spcPct val="0"/>
+              </a:spcBef>
+              <a:buNone/>
+              <a:defRPr sz="3200" kern="1200">
+                <a:solidFill>
+                  <a:schemeClr val="bg1"/>
+                </a:solidFill>
+                <a:latin typeface="HY헤드라인M" panose="02030600000101010101" pitchFamily="18" charset="-127"/>
+                <a:ea typeface="HY헤드라인M" panose="02030600000101010101" pitchFamily="18" charset="-127"/>
+                <a:cs typeface="+mj-cs"/>
+              </a:defRPr>
+            </a:lvl1pPr>
+          </a:lstStyle>
+          <a:p>
+            <a:r>
+              <a:rPr lang="en-US" altLang="ko-KR" dirty="0" smtClean="0"/>
+              <a:t> </a:t>
+            </a:r>
+            <a:r>
+              <a:rPr lang="en-US" altLang="ko-KR" b="1" dirty="0">
+                <a:latin typeface="휴먼엑스포" panose="02030504000101010101" pitchFamily="18" charset="-127"/>
+                <a:ea typeface="휴먼엑스포" panose="02030504000101010101" pitchFamily="18" charset="-127"/>
+              </a:rPr>
+              <a:t> </a:t>
+            </a:r>
+            <a:r>
+              <a:rPr lang="ko-KR" altLang="en-US" b="1" dirty="0">
+                <a:latin typeface="휴먼엑스포" panose="02030504000101010101" pitchFamily="18" charset="-127"/>
+                <a:ea typeface="휴먼엑스포" panose="02030504000101010101" pitchFamily="18" charset="-127"/>
+              </a:rPr>
+              <a:t>다국어 처리</a:t>
+            </a:r>
+            <a:endParaRPr lang="ko-KR" altLang="en-US" dirty="0"/>
+          </a:p>
+        </p:txBody>
+      </p:sp>
+      <p:sp>
+        <p:nvSpPr>
+          <p:cNvPr id="7" name="TextBox 6"/>
+          <p:cNvSpPr txBox="1"/>
+          <p:nvPr/>
+        </p:nvSpPr>
+        <p:spPr>
+          <a:xfrm>
+            <a:off x="973764" y="1247095"/>
+            <a:ext cx="5472607" cy="369332"/>
+          </a:xfrm>
+          <a:prstGeom prst="rect">
+            <a:avLst/>
+          </a:prstGeom>
+          <a:noFill/>
+        </p:spPr>
+        <p:txBody>
+          <a:bodyPr wrap="square" rtlCol="0">
+            <a:spAutoFit/>
+          </a:bodyPr>
+          <a:lstStyle/>
+          <a:p>
+            <a:pPr marL="285750" indent="-285750">
+              <a:buFont typeface="Wingdings" panose="05000000000000000000" pitchFamily="2" charset="2"/>
+              <a:buChar char="§"/>
+            </a:pPr>
+            <a:r>
+              <a:rPr lang="en-US" altLang="ko-KR" b="1" dirty="0" err="1" smtClean="0"/>
+              <a:t>loginForm.jsp</a:t>
+            </a:r>
+            <a:r>
+              <a:rPr lang="en-US" altLang="ko-KR" b="1" dirty="0" smtClean="0"/>
+              <a:t> </a:t>
+            </a:r>
+            <a:endParaRPr lang="en-US" altLang="ko-KR" b="1" dirty="0" smtClean="0"/>
+          </a:p>
+        </p:txBody>
+      </p:sp>
+      <p:pic>
+        <p:nvPicPr>
+          <p:cNvPr id="2" name="그림 1"/>
+          <p:cNvPicPr>
+            <a:picLocks noChangeAspect="1"/>
+          </p:cNvPicPr>
+          <p:nvPr/>
+        </p:nvPicPr>
+        <p:blipFill rotWithShape="1">
+          <a:blip r:embed="rId2">
+            <a:extLst>
+              <a:ext uri="{28A0092B-C50C-407E-A947-70E740481C1C}">
+                <a14:useLocalDpi xmlns:a14="http://schemas.microsoft.com/office/drawing/2010/main" val="0"/>
+              </a:ext>
+            </a:extLst>
+          </a:blip>
+          <a:srcRect t="2944"/>
+          <a:stretch/>
+        </p:blipFill>
+        <p:spPr>
+          <a:xfrm>
+            <a:off x="613308" y="1996587"/>
+            <a:ext cx="8931414" cy="3195207"/>
+          </a:xfrm>
+          <a:prstGeom prst="rect">
+            <a:avLst/>
+          </a:prstGeom>
+          <a:ln>
+            <a:solidFill>
+              <a:schemeClr val="bg1">
+                <a:lumMod val="85000"/>
+              </a:schemeClr>
+            </a:solidFill>
+          </a:ln>
+        </p:spPr>
+      </p:pic>
+    </p:spTree>
+    <p:extLst>
+      <p:ext uri="{BB962C8B-B14F-4D97-AF65-F5344CB8AC3E}">
+        <p14:creationId xmlns:p14="http://schemas.microsoft.com/office/powerpoint/2010/main" val="2318466575"/>
+      </p:ext>
+    </p:extLst>
+  </p:cSld>
+  <p:clrMapOvr>
+    <a:masterClrMapping/>
+  </p:clrMapOvr>
+  <p:timing>
+    <p:tnLst>
+      <p:par>
+        <p:cTn id="1" dur="indefinite" restart="never" nodeType="tmRoot"/>
+      </p:par>
+    </p:tnLst>
+  </p:timing>
+</p:sld>
+</file>
+
 <file path=ppt/slides/slide7.xml><?xml version="1.0" encoding="utf-8"?>
 <p:sld xmlns:a="http://schemas.openxmlformats.org/drawingml/2006/main" xmlns:r="http://schemas.openxmlformats.org/officeDocument/2006/relationships" xmlns:p="http://schemas.openxmlformats.org/presentationml/2006/main">
   <p:cSld>
@@ -16646,7 +17667,6 @@
               <a:rPr lang="en-US" altLang="ko-KR" sz="2000" b="1" dirty="0" smtClean="0"/>
               <a:t> </a:t>
             </a:r>
-            <a:endParaRPr lang="en-US" altLang="ko-KR" sz="2000" b="1" dirty="0" smtClean="0"/>
           </a:p>
         </p:txBody>
       </p:sp>
@@ -17078,7 +18098,6 @@
               <a:rPr lang="en-US" altLang="ko-KR" sz="2000" b="1" dirty="0" smtClean="0"/>
               <a:t> Test </a:t>
             </a:r>
-            <a:endParaRPr lang="en-US" altLang="ko-KR" sz="2000" b="1" dirty="0" smtClean="0"/>
           </a:p>
         </p:txBody>
       </p:sp>
